--- a/2018/02/11/Mixtures-of-Factor-Analyzers/fig.pptx
+++ b/2018/02/11/Mixtures-of-Factor-Analyzers/fig.pptx
@@ -8,6 +8,9 @@
     <p:sldId id="272" r:id="rId2"/>
     <p:sldId id="273" r:id="rId3"/>
     <p:sldId id="274" r:id="rId4"/>
+    <p:sldId id="275" r:id="rId5"/>
+    <p:sldId id="276" r:id="rId6"/>
+    <p:sldId id="277" r:id="rId7"/>
   </p:sldIdLst>
   <p:sldSz cx="9144000" cy="6858000" type="screen4x3"/>
   <p:notesSz cx="6858000" cy="9144000"/>
@@ -290,7 +293,7 @@
           <a:p>
             <a:fld id="{530820CF-B880-4189-942D-D702A7CBA730}" type="datetimeFigureOut">
               <a:rPr lang="zh-CN" altLang="en-US" smtClean="0"/>
-              <a:t>2018/2/13</a:t>
+              <a:t>2018/4/28</a:t>
             </a:fld>
             <a:endParaRPr lang="zh-CN" altLang="en-US"/>
           </a:p>
@@ -455,7 +458,7 @@
           <a:p>
             <a:fld id="{530820CF-B880-4189-942D-D702A7CBA730}" type="datetimeFigureOut">
               <a:rPr lang="zh-CN" altLang="en-US" smtClean="0"/>
-              <a:t>2018/2/13</a:t>
+              <a:t>2018/4/28</a:t>
             </a:fld>
             <a:endParaRPr lang="zh-CN" altLang="en-US"/>
           </a:p>
@@ -630,7 +633,7 @@
           <a:p>
             <a:fld id="{530820CF-B880-4189-942D-D702A7CBA730}" type="datetimeFigureOut">
               <a:rPr lang="zh-CN" altLang="en-US" smtClean="0"/>
-              <a:t>2018/2/13</a:t>
+              <a:t>2018/4/28</a:t>
             </a:fld>
             <a:endParaRPr lang="zh-CN" altLang="en-US"/>
           </a:p>
@@ -795,7 +798,7 @@
           <a:p>
             <a:fld id="{530820CF-B880-4189-942D-D702A7CBA730}" type="datetimeFigureOut">
               <a:rPr lang="zh-CN" altLang="en-US" smtClean="0"/>
-              <a:t>2018/2/13</a:t>
+              <a:t>2018/4/28</a:t>
             </a:fld>
             <a:endParaRPr lang="zh-CN" altLang="en-US"/>
           </a:p>
@@ -1043,7 +1046,7 @@
           <a:p>
             <a:fld id="{530820CF-B880-4189-942D-D702A7CBA730}" type="datetimeFigureOut">
               <a:rPr lang="zh-CN" altLang="en-US" smtClean="0"/>
-              <a:t>2018/2/13</a:t>
+              <a:t>2018/4/28</a:t>
             </a:fld>
             <a:endParaRPr lang="zh-CN" altLang="en-US"/>
           </a:p>
@@ -1326,7 +1329,7 @@
           <a:p>
             <a:fld id="{530820CF-B880-4189-942D-D702A7CBA730}" type="datetimeFigureOut">
               <a:rPr lang="zh-CN" altLang="en-US" smtClean="0"/>
-              <a:t>2018/2/13</a:t>
+              <a:t>2018/4/28</a:t>
             </a:fld>
             <a:endParaRPr lang="zh-CN" altLang="en-US"/>
           </a:p>
@@ -1743,7 +1746,7 @@
           <a:p>
             <a:fld id="{530820CF-B880-4189-942D-D702A7CBA730}" type="datetimeFigureOut">
               <a:rPr lang="zh-CN" altLang="en-US" smtClean="0"/>
-              <a:t>2018/2/13</a:t>
+              <a:t>2018/4/28</a:t>
             </a:fld>
             <a:endParaRPr lang="zh-CN" altLang="en-US"/>
           </a:p>
@@ -1856,7 +1859,7 @@
           <a:p>
             <a:fld id="{530820CF-B880-4189-942D-D702A7CBA730}" type="datetimeFigureOut">
               <a:rPr lang="zh-CN" altLang="en-US" smtClean="0"/>
-              <a:t>2018/2/13</a:t>
+              <a:t>2018/4/28</a:t>
             </a:fld>
             <a:endParaRPr lang="zh-CN" altLang="en-US"/>
           </a:p>
@@ -1946,7 +1949,7 @@
           <a:p>
             <a:fld id="{530820CF-B880-4189-942D-D702A7CBA730}" type="datetimeFigureOut">
               <a:rPr lang="zh-CN" altLang="en-US" smtClean="0"/>
-              <a:t>2018/2/13</a:t>
+              <a:t>2018/4/28</a:t>
             </a:fld>
             <a:endParaRPr lang="zh-CN" altLang="en-US"/>
           </a:p>
@@ -2218,7 +2221,7 @@
           <a:p>
             <a:fld id="{530820CF-B880-4189-942D-D702A7CBA730}" type="datetimeFigureOut">
               <a:rPr lang="zh-CN" altLang="en-US" smtClean="0"/>
-              <a:t>2018/2/13</a:t>
+              <a:t>2018/4/28</a:t>
             </a:fld>
             <a:endParaRPr lang="zh-CN" altLang="en-US"/>
           </a:p>
@@ -2466,7 +2469,7 @@
           <a:p>
             <a:fld id="{530820CF-B880-4189-942D-D702A7CBA730}" type="datetimeFigureOut">
               <a:rPr lang="zh-CN" altLang="en-US" smtClean="0"/>
-              <a:t>2018/2/13</a:t>
+              <a:t>2018/4/28</a:t>
             </a:fld>
             <a:endParaRPr lang="zh-CN" altLang="en-US"/>
           </a:p>
@@ -2674,7 +2677,7 @@
           <a:p>
             <a:fld id="{530820CF-B880-4189-942D-D702A7CBA730}" type="datetimeFigureOut">
               <a:rPr lang="zh-CN" altLang="en-US" smtClean="0"/>
-              <a:t>2018/2/13</a:t>
+              <a:t>2018/4/28</a:t>
             </a:fld>
             <a:endParaRPr lang="zh-CN" altLang="en-US"/>
           </a:p>
@@ -3592,6 +3595,13 @@
   <p:clrMapOvr>
     <a:masterClrMapping/>
   </p:clrMapOvr>
+  <p:timing>
+    <p:tnLst>
+      <p:par>
+        <p:cTn id="1" dur="indefinite" restart="never" nodeType="tmRoot"/>
+      </p:par>
+    </p:tnLst>
+  </p:timing>
 </p:sld>
 </file>
 
@@ -3692,48 +3702,6 @@
           </a:extLst>
         </p:spPr>
       </p:pic>
-      <p:sp>
-        <p:nvSpPr>
-          <p:cNvPr id="5" name="十字形 4"/>
-          <p:cNvSpPr/>
-          <p:nvPr/>
-        </p:nvSpPr>
-        <p:spPr>
-          <a:xfrm rot="18835436">
-            <a:off x="4666013" y="3123951"/>
-            <a:ext cx="360040" cy="360040"/>
-          </a:xfrm>
-          <a:prstGeom prst="plus">
-            <a:avLst>
-              <a:gd name="adj" fmla="val 42094"/>
-            </a:avLst>
-          </a:prstGeom>
-        </p:spPr>
-        <p:style>
-          <a:lnRef idx="2">
-            <a:schemeClr val="accent6">
-              <a:shade val="50000"/>
-            </a:schemeClr>
-          </a:lnRef>
-          <a:fillRef idx="1">
-            <a:schemeClr val="accent6"/>
-          </a:fillRef>
-          <a:effectRef idx="0">
-            <a:schemeClr val="accent6"/>
-          </a:effectRef>
-          <a:fontRef idx="minor">
-            <a:schemeClr val="lt1"/>
-          </a:fontRef>
-        </p:style>
-        <p:txBody>
-          <a:bodyPr rtlCol="0" anchor="ctr"/>
-          <a:lstStyle/>
-          <a:p>
-            <a:pPr algn="ctr"/>
-            <a:endParaRPr lang="zh-CN" altLang="en-US"/>
-          </a:p>
-        </p:txBody>
-      </p:sp>
       <p:cxnSp>
         <p:nvCxnSpPr>
           <p:cNvPr id="7" name="直接连接符 6"/>
@@ -3778,7 +3746,7 @@
         </p:nvSpPr>
         <p:spPr>
           <a:xfrm>
-            <a:off x="5004048" y="2132856"/>
+            <a:off x="4692203" y="2132856"/>
             <a:ext cx="676608" cy="523220"/>
           </a:xfrm>
           <a:prstGeom prst="rect">
@@ -3807,7 +3775,7 @@
                   <a:schemeClr val="accent6"/>
                 </a:solidFill>
               </a:rPr>
-              <a:t>1</a:t>
+              <a:t>2</a:t>
             </a:r>
             <a:endParaRPr lang="zh-CN" altLang="en-US" sz="2800" b="1" baseline="-25000" dirty="0">
               <a:solidFill>
@@ -3861,7 +3829,7 @@
         </p:nvSpPr>
         <p:spPr>
           <a:xfrm>
-            <a:off x="5546288" y="3377560"/>
+            <a:off x="6156176" y="3958623"/>
             <a:ext cx="676608" cy="523220"/>
           </a:xfrm>
           <a:prstGeom prst="rect">
@@ -3885,12 +3853,12 @@
               <a:t>z</a:t>
             </a:r>
             <a:r>
-              <a:rPr lang="en-US" altLang="zh-CN" sz="2800" b="1" baseline="-25000" dirty="0" smtClean="0">
+              <a:rPr lang="en-US" altLang="zh-CN" sz="2800" b="1" baseline="-25000" dirty="0">
                 <a:solidFill>
                   <a:schemeClr val="accent6"/>
                 </a:solidFill>
               </a:rPr>
-              <a:t>2</a:t>
+              <a:t>1</a:t>
             </a:r>
             <a:endParaRPr lang="zh-CN" altLang="en-US" sz="2800" b="1" baseline="-25000" dirty="0">
               <a:solidFill>
@@ -4059,7 +4027,7 @@
                   </a:schemeClr>
                 </a:solidFill>
               </a:rPr>
-              <a:t>1</a:t>
+              <a:t>2</a:t>
             </a:r>
             <a:endParaRPr lang="zh-CN" altLang="en-US" sz="2800" b="1" baseline="-25000" dirty="0">
               <a:solidFill>
@@ -4079,7 +4047,7 @@
         </p:nvSpPr>
         <p:spPr>
           <a:xfrm>
-            <a:off x="7164288" y="2553208"/>
+            <a:off x="7092280" y="2780928"/>
             <a:ext cx="676608" cy="523220"/>
           </a:xfrm>
           <a:prstGeom prst="rect">
@@ -4112,7 +4080,7 @@
                   </a:schemeClr>
                 </a:solidFill>
               </a:rPr>
-              <a:t>2</a:t>
+              <a:t>1</a:t>
             </a:r>
             <a:endParaRPr lang="zh-CN" altLang="en-US" sz="2800" b="1" baseline="-25000" dirty="0">
               <a:solidFill>
@@ -4132,8 +4100,8 @@
         </p:nvSpPr>
         <p:spPr>
           <a:xfrm>
-            <a:off x="3524545" y="1012666"/>
-            <a:ext cx="2291908" cy="400110"/>
+            <a:off x="3184822" y="1012666"/>
+            <a:ext cx="2971354" cy="400110"/>
           </a:xfrm>
           <a:prstGeom prst="rect">
             <a:avLst/>
@@ -4147,16 +4115,6 @@
           <a:lstStyle/>
           <a:p>
             <a:pPr algn="ctr"/>
-            <a:r>
-              <a:rPr lang="en-US" altLang="zh-CN" sz="2000" b="1" dirty="0">
-                <a:solidFill>
-                  <a:schemeClr val="accent3">
-                    <a:lumMod val="75000"/>
-                  </a:schemeClr>
-                </a:solidFill>
-              </a:rPr>
-              <a:t>p(m=1|x), </a:t>
-            </a:r>
             <a:r>
               <a:rPr lang="en-US" altLang="zh-CN" sz="2000" b="1" dirty="0" smtClean="0">
                 <a:solidFill>
@@ -4165,17 +4123,7 @@
                   </a:schemeClr>
                 </a:solidFill>
               </a:rPr>
-              <a:t>p(m=2|x</a:t>
-            </a:r>
-            <a:r>
-              <a:rPr lang="en-US" altLang="zh-CN" sz="2000" b="1" dirty="0">
-                <a:solidFill>
-                  <a:schemeClr val="accent3">
-                    <a:lumMod val="75000"/>
-                  </a:schemeClr>
-                </a:solidFill>
-              </a:rPr>
-              <a:t>)</a:t>
+              <a:t>p(z1|x,m=1), p(z2|x,m=2)</a:t>
             </a:r>
             <a:endParaRPr lang="zh-CN" altLang="en-US" sz="2000" b="1" baseline="-25000" dirty="0">
               <a:solidFill>
@@ -4195,8 +4143,8 @@
         </p:nvSpPr>
         <p:spPr>
           <a:xfrm>
-            <a:off x="3043788" y="3558513"/>
-            <a:ext cx="2291908" cy="400110"/>
+            <a:off x="2768820" y="3558513"/>
+            <a:ext cx="2841844" cy="400110"/>
           </a:xfrm>
           <a:prstGeom prst="rect">
             <a:avLst/>
@@ -4211,28 +4159,12 @@
           <a:p>
             <a:pPr algn="ctr"/>
             <a:r>
-              <a:rPr lang="en-US" altLang="zh-CN" sz="2000" b="1" dirty="0">
-                <a:solidFill>
-                  <a:schemeClr val="accent6"/>
-                </a:solidFill>
-              </a:rPr>
-              <a:t>p(m=1|x), </a:t>
-            </a:r>
-            <a:r>
               <a:rPr lang="en-US" altLang="zh-CN" sz="2000" b="1" dirty="0" smtClean="0">
                 <a:solidFill>
                   <a:schemeClr val="accent6"/>
                 </a:solidFill>
               </a:rPr>
-              <a:t>p(m=2|x</a:t>
-            </a:r>
-            <a:r>
-              <a:rPr lang="en-US" altLang="zh-CN" sz="2000" b="1" dirty="0">
-                <a:solidFill>
-                  <a:schemeClr val="accent6"/>
-                </a:solidFill>
-              </a:rPr>
-              <a:t>)</a:t>
+              <a:t>p(z1|v,m=1), p(z2|v,m=2)</a:t>
             </a:r>
             <a:endParaRPr lang="zh-CN" altLang="en-US" sz="2000" b="1" baseline="-25000" dirty="0">
               <a:solidFill>
@@ -4242,10 +4174,6123 @@
           </a:p>
         </p:txBody>
       </p:sp>
+      <p:sp>
+        <p:nvSpPr>
+          <p:cNvPr id="10" name="椭圆 9"/>
+          <p:cNvSpPr/>
+          <p:nvPr/>
+        </p:nvSpPr>
+        <p:spPr>
+          <a:xfrm>
+            <a:off x="4405840" y="2424673"/>
+            <a:ext cx="72008" cy="86511"/>
+          </a:xfrm>
+          <a:prstGeom prst="ellipse">
+            <a:avLst/>
+          </a:prstGeom>
+        </p:spPr>
+        <p:style>
+          <a:lnRef idx="2">
+            <a:schemeClr val="accent3">
+              <a:shade val="50000"/>
+            </a:schemeClr>
+          </a:lnRef>
+          <a:fillRef idx="1">
+            <a:schemeClr val="accent3"/>
+          </a:fillRef>
+          <a:effectRef idx="0">
+            <a:schemeClr val="accent3"/>
+          </a:effectRef>
+          <a:fontRef idx="minor">
+            <a:schemeClr val="lt1"/>
+          </a:fontRef>
+        </p:style>
+        <p:txBody>
+          <a:bodyPr rtlCol="0" anchor="ctr"/>
+          <a:lstStyle/>
+          <a:p>
+            <a:pPr algn="ctr"/>
+            <a:endParaRPr lang="zh-CN" altLang="en-US"/>
+          </a:p>
+        </p:txBody>
+      </p:sp>
+      <p:sp>
+        <p:nvSpPr>
+          <p:cNvPr id="21" name="椭圆 20"/>
+          <p:cNvSpPr/>
+          <p:nvPr/>
+        </p:nvSpPr>
+        <p:spPr>
+          <a:xfrm>
+            <a:off x="7111332" y="2960948"/>
+            <a:ext cx="72008" cy="86511"/>
+          </a:xfrm>
+          <a:prstGeom prst="ellipse">
+            <a:avLst/>
+          </a:prstGeom>
+        </p:spPr>
+        <p:style>
+          <a:lnRef idx="2">
+            <a:schemeClr val="accent3">
+              <a:shade val="50000"/>
+            </a:schemeClr>
+          </a:lnRef>
+          <a:fillRef idx="1">
+            <a:schemeClr val="accent3"/>
+          </a:fillRef>
+          <a:effectRef idx="0">
+            <a:schemeClr val="accent3"/>
+          </a:effectRef>
+          <a:fontRef idx="minor">
+            <a:schemeClr val="lt1"/>
+          </a:fontRef>
+        </p:style>
+        <p:txBody>
+          <a:bodyPr rtlCol="0" anchor="ctr"/>
+          <a:lstStyle/>
+          <a:p>
+            <a:pPr algn="ctr"/>
+            <a:endParaRPr lang="zh-CN" altLang="en-US"/>
+          </a:p>
+        </p:txBody>
+      </p:sp>
+      <p:sp>
+        <p:nvSpPr>
+          <p:cNvPr id="22" name="椭圆 21"/>
+          <p:cNvSpPr/>
+          <p:nvPr/>
+        </p:nvSpPr>
+        <p:spPr>
+          <a:xfrm>
+            <a:off x="4988927" y="2612820"/>
+            <a:ext cx="72008" cy="86511"/>
+          </a:xfrm>
+          <a:prstGeom prst="ellipse">
+            <a:avLst/>
+          </a:prstGeom>
+        </p:spPr>
+        <p:style>
+          <a:lnRef idx="2">
+            <a:schemeClr val="accent6">
+              <a:shade val="50000"/>
+            </a:schemeClr>
+          </a:lnRef>
+          <a:fillRef idx="1">
+            <a:schemeClr val="accent6"/>
+          </a:fillRef>
+          <a:effectRef idx="0">
+            <a:schemeClr val="accent6"/>
+          </a:effectRef>
+          <a:fontRef idx="minor">
+            <a:schemeClr val="lt1"/>
+          </a:fontRef>
+        </p:style>
+        <p:txBody>
+          <a:bodyPr rtlCol="0" anchor="ctr"/>
+          <a:lstStyle/>
+          <a:p>
+            <a:pPr algn="ctr"/>
+            <a:endParaRPr lang="zh-CN" altLang="en-US"/>
+          </a:p>
+        </p:txBody>
+      </p:sp>
+      <p:sp>
+        <p:nvSpPr>
+          <p:cNvPr id="24" name="椭圆 23"/>
+          <p:cNvSpPr/>
+          <p:nvPr/>
+        </p:nvSpPr>
+        <p:spPr>
+          <a:xfrm>
+            <a:off x="6228184" y="4072497"/>
+            <a:ext cx="72008" cy="86511"/>
+          </a:xfrm>
+          <a:prstGeom prst="ellipse">
+            <a:avLst/>
+          </a:prstGeom>
+        </p:spPr>
+        <p:style>
+          <a:lnRef idx="2">
+            <a:schemeClr val="accent6">
+              <a:shade val="50000"/>
+            </a:schemeClr>
+          </a:lnRef>
+          <a:fillRef idx="1">
+            <a:schemeClr val="accent6"/>
+          </a:fillRef>
+          <a:effectRef idx="0">
+            <a:schemeClr val="accent6"/>
+          </a:effectRef>
+          <a:fontRef idx="minor">
+            <a:schemeClr val="lt1"/>
+          </a:fontRef>
+        </p:style>
+        <p:txBody>
+          <a:bodyPr rtlCol="0" anchor="ctr"/>
+          <a:lstStyle/>
+          <a:p>
+            <a:pPr algn="ctr"/>
+            <a:endParaRPr lang="zh-CN" altLang="en-US"/>
+          </a:p>
+        </p:txBody>
+      </p:sp>
+      <p:sp>
+        <p:nvSpPr>
+          <p:cNvPr id="12" name="L 形 11"/>
+          <p:cNvSpPr/>
+          <p:nvPr/>
+        </p:nvSpPr>
+        <p:spPr>
+          <a:xfrm rot="19048268">
+            <a:off x="4722821" y="3130909"/>
+            <a:ext cx="277150" cy="254218"/>
+          </a:xfrm>
+          <a:prstGeom prst="corner">
+            <a:avLst>
+              <a:gd name="adj1" fmla="val 23545"/>
+              <a:gd name="adj2" fmla="val 20899"/>
+            </a:avLst>
+          </a:prstGeom>
+        </p:spPr>
+        <p:style>
+          <a:lnRef idx="2">
+            <a:schemeClr val="accent6">
+              <a:shade val="50000"/>
+            </a:schemeClr>
+          </a:lnRef>
+          <a:fillRef idx="1">
+            <a:schemeClr val="accent6"/>
+          </a:fillRef>
+          <a:effectRef idx="0">
+            <a:schemeClr val="accent6"/>
+          </a:effectRef>
+          <a:fontRef idx="minor">
+            <a:schemeClr val="lt1"/>
+          </a:fontRef>
+        </p:style>
+        <p:txBody>
+          <a:bodyPr rtlCol="0" anchor="ctr"/>
+          <a:lstStyle/>
+          <a:p>
+            <a:pPr algn="ctr"/>
+            <a:endParaRPr lang="zh-CN" altLang="en-US"/>
+          </a:p>
+        </p:txBody>
+      </p:sp>
     </p:spTree>
     <p:extLst>
       <p:ext uri="{BB962C8B-B14F-4D97-AF65-F5344CB8AC3E}">
         <p14:creationId xmlns:p14="http://schemas.microsoft.com/office/powerpoint/2010/main" val="623403886"/>
+      </p:ext>
+    </p:extLst>
+  </p:cSld>
+  <p:clrMapOvr>
+    <a:masterClrMapping/>
+  </p:clrMapOvr>
+  <p:timing>
+    <p:tnLst>
+      <p:par>
+        <p:cTn id="1" dur="indefinite" restart="never" nodeType="tmRoot"/>
+      </p:par>
+    </p:tnLst>
+  </p:timing>
+</p:sld>
+</file>
+
+<file path=ppt/slides/slide4.xml><?xml version="1.0" encoding="utf-8"?>
+<p:sld xmlns:a="http://schemas.openxmlformats.org/drawingml/2006/main" xmlns:r="http://schemas.openxmlformats.org/officeDocument/2006/relationships" xmlns:p="http://schemas.openxmlformats.org/presentationml/2006/main">
+  <p:cSld>
+    <p:spTree>
+      <p:nvGrpSpPr>
+        <p:cNvPr id="1" name=""/>
+        <p:cNvGrpSpPr/>
+        <p:nvPr/>
+      </p:nvGrpSpPr>
+      <p:grpSpPr>
+        <a:xfrm>
+          <a:off x="0" y="0"/>
+          <a:ext cx="0" cy="0"/>
+          <a:chOff x="0" y="0"/>
+          <a:chExt cx="0" cy="0"/>
+        </a:xfrm>
+      </p:grpSpPr>
+      <p:sp>
+        <p:nvSpPr>
+          <p:cNvPr id="4" name="矩形 3"/>
+          <p:cNvSpPr/>
+          <p:nvPr/>
+        </p:nvSpPr>
+        <p:spPr>
+          <a:xfrm>
+            <a:off x="170886" y="249158"/>
+            <a:ext cx="4329479" cy="3240360"/>
+          </a:xfrm>
+          <a:prstGeom prst="rect">
+            <a:avLst/>
+          </a:prstGeom>
+          <a:noFill/>
+          <a:ln>
+            <a:solidFill>
+              <a:schemeClr val="tx1">
+                <a:lumMod val="50000"/>
+                <a:lumOff val="50000"/>
+              </a:schemeClr>
+            </a:solidFill>
+            <a:prstDash val="dash"/>
+          </a:ln>
+        </p:spPr>
+        <p:style>
+          <a:lnRef idx="2">
+            <a:schemeClr val="accent1">
+              <a:shade val="50000"/>
+            </a:schemeClr>
+          </a:lnRef>
+          <a:fillRef idx="1">
+            <a:schemeClr val="accent1"/>
+          </a:fillRef>
+          <a:effectRef idx="0">
+            <a:schemeClr val="accent1"/>
+          </a:effectRef>
+          <a:fontRef idx="minor">
+            <a:schemeClr val="lt1"/>
+          </a:fontRef>
+        </p:style>
+        <p:txBody>
+          <a:bodyPr rtlCol="0" anchor="ctr"/>
+          <a:lstStyle/>
+          <a:p>
+            <a:pPr algn="ctr"/>
+            <a:endParaRPr lang="zh-CN" altLang="en-US"/>
+          </a:p>
+        </p:txBody>
+      </p:sp>
+      <p:sp>
+        <p:nvSpPr>
+          <p:cNvPr id="5" name="椭圆 4"/>
+          <p:cNvSpPr/>
+          <p:nvPr/>
+        </p:nvSpPr>
+        <p:spPr>
+          <a:xfrm>
+            <a:off x="1719058" y="897230"/>
+            <a:ext cx="2196244" cy="648072"/>
+          </a:xfrm>
+          <a:prstGeom prst="ellipse">
+            <a:avLst/>
+          </a:prstGeom>
+          <a:noFill/>
+          <a:ln w="38100">
+            <a:solidFill>
+              <a:schemeClr val="accent1"/>
+            </a:solidFill>
+          </a:ln>
+        </p:spPr>
+        <p:style>
+          <a:lnRef idx="2">
+            <a:schemeClr val="accent1">
+              <a:shade val="50000"/>
+            </a:schemeClr>
+          </a:lnRef>
+          <a:fillRef idx="1">
+            <a:schemeClr val="accent1"/>
+          </a:fillRef>
+          <a:effectRef idx="0">
+            <a:schemeClr val="accent1"/>
+          </a:effectRef>
+          <a:fontRef idx="minor">
+            <a:schemeClr val="lt1"/>
+          </a:fontRef>
+        </p:style>
+        <p:txBody>
+          <a:bodyPr rtlCol="0" anchor="ctr"/>
+          <a:lstStyle/>
+          <a:p>
+            <a:pPr algn="ctr"/>
+            <a:endParaRPr lang="zh-CN" altLang="en-US"/>
+          </a:p>
+        </p:txBody>
+      </p:sp>
+      <p:sp>
+        <p:nvSpPr>
+          <p:cNvPr id="6" name="椭圆 5"/>
+          <p:cNvSpPr/>
+          <p:nvPr/>
+        </p:nvSpPr>
+        <p:spPr>
+          <a:xfrm>
+            <a:off x="2745172" y="1149258"/>
+            <a:ext cx="144016" cy="144016"/>
+          </a:xfrm>
+          <a:prstGeom prst="ellipse">
+            <a:avLst/>
+          </a:prstGeom>
+        </p:spPr>
+        <p:style>
+          <a:lnRef idx="2">
+            <a:schemeClr val="accent1">
+              <a:shade val="50000"/>
+            </a:schemeClr>
+          </a:lnRef>
+          <a:fillRef idx="1">
+            <a:schemeClr val="accent1"/>
+          </a:fillRef>
+          <a:effectRef idx="0">
+            <a:schemeClr val="accent1"/>
+          </a:effectRef>
+          <a:fontRef idx="minor">
+            <a:schemeClr val="lt1"/>
+          </a:fontRef>
+        </p:style>
+        <p:txBody>
+          <a:bodyPr rtlCol="0" anchor="ctr"/>
+          <a:lstStyle/>
+          <a:p>
+            <a:pPr algn="ctr"/>
+            <a:endParaRPr lang="zh-CN" altLang="en-US"/>
+          </a:p>
+        </p:txBody>
+      </p:sp>
+      <p:sp>
+        <p:nvSpPr>
+          <p:cNvPr id="8" name="椭圆 7"/>
+          <p:cNvSpPr/>
+          <p:nvPr/>
+        </p:nvSpPr>
+        <p:spPr>
+          <a:xfrm rot="2509063">
+            <a:off x="184193" y="1737489"/>
+            <a:ext cx="2763690" cy="636780"/>
+          </a:xfrm>
+          <a:prstGeom prst="ellipse">
+            <a:avLst/>
+          </a:prstGeom>
+          <a:noFill/>
+          <a:ln w="38100">
+            <a:solidFill>
+              <a:schemeClr val="accent1"/>
+            </a:solidFill>
+          </a:ln>
+        </p:spPr>
+        <p:style>
+          <a:lnRef idx="2">
+            <a:schemeClr val="accent1">
+              <a:shade val="50000"/>
+            </a:schemeClr>
+          </a:lnRef>
+          <a:fillRef idx="1">
+            <a:schemeClr val="accent1"/>
+          </a:fillRef>
+          <a:effectRef idx="0">
+            <a:schemeClr val="accent1"/>
+          </a:effectRef>
+          <a:fontRef idx="minor">
+            <a:schemeClr val="lt1"/>
+          </a:fontRef>
+        </p:style>
+        <p:txBody>
+          <a:bodyPr rtlCol="0" anchor="ctr"/>
+          <a:lstStyle/>
+          <a:p>
+            <a:pPr algn="ctr"/>
+            <a:endParaRPr lang="zh-CN" altLang="en-US"/>
+          </a:p>
+        </p:txBody>
+      </p:sp>
+      <p:sp>
+        <p:nvSpPr>
+          <p:cNvPr id="9" name="椭圆 8"/>
+          <p:cNvSpPr/>
+          <p:nvPr/>
+        </p:nvSpPr>
+        <p:spPr>
+          <a:xfrm>
+            <a:off x="1494030" y="1983871"/>
+            <a:ext cx="144016" cy="144016"/>
+          </a:xfrm>
+          <a:prstGeom prst="ellipse">
+            <a:avLst/>
+          </a:prstGeom>
+        </p:spPr>
+        <p:style>
+          <a:lnRef idx="2">
+            <a:schemeClr val="accent1">
+              <a:shade val="50000"/>
+            </a:schemeClr>
+          </a:lnRef>
+          <a:fillRef idx="1">
+            <a:schemeClr val="accent1"/>
+          </a:fillRef>
+          <a:effectRef idx="0">
+            <a:schemeClr val="accent1"/>
+          </a:effectRef>
+          <a:fontRef idx="minor">
+            <a:schemeClr val="lt1"/>
+          </a:fontRef>
+        </p:style>
+        <p:txBody>
+          <a:bodyPr rtlCol="0" anchor="ctr"/>
+          <a:lstStyle/>
+          <a:p>
+            <a:pPr algn="ctr"/>
+            <a:endParaRPr lang="zh-CN" altLang="en-US"/>
+          </a:p>
+        </p:txBody>
+      </p:sp>
+      <p:sp>
+        <p:nvSpPr>
+          <p:cNvPr id="11" name="椭圆 10"/>
+          <p:cNvSpPr/>
+          <p:nvPr/>
+        </p:nvSpPr>
+        <p:spPr>
+          <a:xfrm rot="18015750">
+            <a:off x="2999665" y="1622710"/>
+            <a:ext cx="961770" cy="1362580"/>
+          </a:xfrm>
+          <a:prstGeom prst="ellipse">
+            <a:avLst/>
+          </a:prstGeom>
+          <a:noFill/>
+          <a:ln w="38100">
+            <a:solidFill>
+              <a:schemeClr val="accent1"/>
+            </a:solidFill>
+          </a:ln>
+        </p:spPr>
+        <p:style>
+          <a:lnRef idx="2">
+            <a:schemeClr val="accent1">
+              <a:shade val="50000"/>
+            </a:schemeClr>
+          </a:lnRef>
+          <a:fillRef idx="1">
+            <a:schemeClr val="accent1"/>
+          </a:fillRef>
+          <a:effectRef idx="0">
+            <a:schemeClr val="accent1"/>
+          </a:effectRef>
+          <a:fontRef idx="minor">
+            <a:schemeClr val="lt1"/>
+          </a:fontRef>
+        </p:style>
+        <p:txBody>
+          <a:bodyPr rtlCol="0" anchor="ctr"/>
+          <a:lstStyle/>
+          <a:p>
+            <a:pPr algn="ctr"/>
+            <a:endParaRPr lang="zh-CN" altLang="en-US"/>
+          </a:p>
+        </p:txBody>
+      </p:sp>
+      <p:sp>
+        <p:nvSpPr>
+          <p:cNvPr id="12" name="椭圆 11"/>
+          <p:cNvSpPr/>
+          <p:nvPr/>
+        </p:nvSpPr>
+        <p:spPr>
+          <a:xfrm>
+            <a:off x="3408542" y="2231992"/>
+            <a:ext cx="144016" cy="144016"/>
+          </a:xfrm>
+          <a:prstGeom prst="ellipse">
+            <a:avLst/>
+          </a:prstGeom>
+        </p:spPr>
+        <p:style>
+          <a:lnRef idx="2">
+            <a:schemeClr val="accent1">
+              <a:shade val="50000"/>
+            </a:schemeClr>
+          </a:lnRef>
+          <a:fillRef idx="1">
+            <a:schemeClr val="accent1"/>
+          </a:fillRef>
+          <a:effectRef idx="0">
+            <a:schemeClr val="accent1"/>
+          </a:effectRef>
+          <a:fontRef idx="minor">
+            <a:schemeClr val="lt1"/>
+          </a:fontRef>
+        </p:style>
+        <p:txBody>
+          <a:bodyPr rtlCol="0" anchor="ctr"/>
+          <a:lstStyle/>
+          <a:p>
+            <a:pPr algn="ctr"/>
+            <a:endParaRPr lang="zh-CN" altLang="en-US"/>
+          </a:p>
+        </p:txBody>
+      </p:sp>
+      <p:sp>
+        <p:nvSpPr>
+          <p:cNvPr id="26" name="矩形 25"/>
+          <p:cNvSpPr/>
+          <p:nvPr/>
+        </p:nvSpPr>
+        <p:spPr>
+          <a:xfrm>
+            <a:off x="4644008" y="249158"/>
+            <a:ext cx="4329479" cy="3240360"/>
+          </a:xfrm>
+          <a:prstGeom prst="rect">
+            <a:avLst/>
+          </a:prstGeom>
+          <a:noFill/>
+          <a:ln>
+            <a:solidFill>
+              <a:schemeClr val="tx1">
+                <a:lumMod val="50000"/>
+                <a:lumOff val="50000"/>
+              </a:schemeClr>
+            </a:solidFill>
+            <a:prstDash val="dash"/>
+          </a:ln>
+        </p:spPr>
+        <p:style>
+          <a:lnRef idx="2">
+            <a:schemeClr val="accent1">
+              <a:shade val="50000"/>
+            </a:schemeClr>
+          </a:lnRef>
+          <a:fillRef idx="1">
+            <a:schemeClr val="accent1"/>
+          </a:fillRef>
+          <a:effectRef idx="0">
+            <a:schemeClr val="accent1"/>
+          </a:effectRef>
+          <a:fontRef idx="minor">
+            <a:schemeClr val="lt1"/>
+          </a:fontRef>
+        </p:style>
+        <p:txBody>
+          <a:bodyPr rtlCol="0" anchor="ctr"/>
+          <a:lstStyle/>
+          <a:p>
+            <a:pPr algn="ctr"/>
+            <a:endParaRPr lang="zh-CN" altLang="en-US"/>
+          </a:p>
+        </p:txBody>
+      </p:sp>
+      <p:sp>
+        <p:nvSpPr>
+          <p:cNvPr id="36" name="椭圆 35"/>
+          <p:cNvSpPr/>
+          <p:nvPr/>
+        </p:nvSpPr>
+        <p:spPr>
+          <a:xfrm rot="1888650">
+            <a:off x="5768122" y="435565"/>
+            <a:ext cx="2250120" cy="2852024"/>
+          </a:xfrm>
+          <a:prstGeom prst="ellipse">
+            <a:avLst/>
+          </a:prstGeom>
+          <a:noFill/>
+          <a:ln w="38100">
+            <a:solidFill>
+              <a:schemeClr val="accent1"/>
+            </a:solidFill>
+          </a:ln>
+        </p:spPr>
+        <p:style>
+          <a:lnRef idx="2">
+            <a:schemeClr val="accent1">
+              <a:shade val="50000"/>
+            </a:schemeClr>
+          </a:lnRef>
+          <a:fillRef idx="1">
+            <a:schemeClr val="accent1"/>
+          </a:fillRef>
+          <a:effectRef idx="0">
+            <a:schemeClr val="accent1"/>
+          </a:effectRef>
+          <a:fontRef idx="minor">
+            <a:schemeClr val="lt1"/>
+          </a:fontRef>
+        </p:style>
+        <p:txBody>
+          <a:bodyPr rtlCol="0" anchor="ctr"/>
+          <a:lstStyle/>
+          <a:p>
+            <a:pPr algn="ctr"/>
+            <a:endParaRPr lang="zh-CN" altLang="en-US"/>
+          </a:p>
+        </p:txBody>
+      </p:sp>
+      <p:sp>
+        <p:nvSpPr>
+          <p:cNvPr id="37" name="椭圆 36"/>
+          <p:cNvSpPr/>
+          <p:nvPr/>
+        </p:nvSpPr>
+        <p:spPr>
+          <a:xfrm>
+            <a:off x="6821174" y="1789569"/>
+            <a:ext cx="144016" cy="144016"/>
+          </a:xfrm>
+          <a:prstGeom prst="ellipse">
+            <a:avLst/>
+          </a:prstGeom>
+        </p:spPr>
+        <p:style>
+          <a:lnRef idx="2">
+            <a:schemeClr val="accent1">
+              <a:shade val="50000"/>
+            </a:schemeClr>
+          </a:lnRef>
+          <a:fillRef idx="1">
+            <a:schemeClr val="accent1"/>
+          </a:fillRef>
+          <a:effectRef idx="0">
+            <a:schemeClr val="accent1"/>
+          </a:effectRef>
+          <a:fontRef idx="minor">
+            <a:schemeClr val="lt1"/>
+          </a:fontRef>
+        </p:style>
+        <p:txBody>
+          <a:bodyPr rtlCol="0" anchor="ctr"/>
+          <a:lstStyle/>
+          <a:p>
+            <a:pPr algn="ctr"/>
+            <a:endParaRPr lang="zh-CN" altLang="en-US"/>
+          </a:p>
+        </p:txBody>
+      </p:sp>
+      <mc:AlternateContent xmlns:mc="http://schemas.openxmlformats.org/markup-compatibility/2006">
+        <mc:Choice xmlns:a14="http://schemas.microsoft.com/office/drawing/2010/main" Requires="a14">
+          <p:sp>
+            <p:nvSpPr>
+              <p:cNvPr id="38" name="TextBox 37"/>
+              <p:cNvSpPr txBox="1"/>
+              <p:nvPr/>
+            </p:nvSpPr>
+            <p:spPr>
+              <a:xfrm>
+                <a:off x="170885" y="3933056"/>
+                <a:ext cx="8802601" cy="2635593"/>
+              </a:xfrm>
+              <a:prstGeom prst="rect">
+                <a:avLst/>
+              </a:prstGeom>
+              <a:noFill/>
+            </p:spPr>
+            <p:txBody>
+              <a:bodyPr wrap="square" rtlCol="0">
+                <a:spAutoFit/>
+              </a:bodyPr>
+              <a:lstStyle/>
+              <a:p>
+                <a:pPr algn="ctr"/>
+                <a:r>
+                  <a:rPr lang="zh-TW" altLang="en-US" sz="2800" b="1" dirty="0" smtClean="0"/>
+                  <a:t>其中 </a:t>
+                </a:r>
+                <a14:m>
+                  <m:oMath xmlns:m="http://schemas.openxmlformats.org/officeDocument/2006/math">
+                    <m:r>
+                      <a:rPr lang="zh-CN" altLang="en-US" sz="2800" b="1" i="1" smtClean="0">
+                        <a:latin typeface="Cambria Math"/>
+                      </a:rPr>
+                      <m:t>𝝁</m:t>
+                    </m:r>
+                    <m:r>
+                      <a:rPr lang="en-US" altLang="zh-CN" sz="2800" b="1" i="1" smtClean="0">
+                        <a:latin typeface="Cambria Math"/>
+                      </a:rPr>
+                      <m:t>=</m:t>
+                    </m:r>
+                    <m:d>
+                      <m:dPr>
+                        <m:begChr m:val="["/>
+                        <m:endChr m:val="]"/>
+                        <m:ctrlPr>
+                          <a:rPr lang="en-US" altLang="zh-CN" sz="2800" b="1" i="1" smtClean="0">
+                            <a:latin typeface="Cambria Math"/>
+                          </a:rPr>
+                        </m:ctrlPr>
+                      </m:dPr>
+                      <m:e>
+                        <m:m>
+                          <m:mPr>
+                            <m:mcs>
+                              <m:mc>
+                                <m:mcPr>
+                                  <m:count m:val="1"/>
+                                  <m:mcJc m:val="center"/>
+                                </m:mcPr>
+                              </m:mc>
+                            </m:mcs>
+                            <m:ctrlPr>
+                              <a:rPr lang="en-US" altLang="zh-CN" sz="2800" b="1" i="1" smtClean="0">
+                                <a:latin typeface="Cambria Math"/>
+                              </a:rPr>
+                            </m:ctrlPr>
+                          </m:mPr>
+                          <m:mr>
+                            <m:e>
+                              <m:sSub>
+                                <m:sSubPr>
+                                  <m:ctrlPr>
+                                    <a:rPr lang="en-US" altLang="zh-CN" sz="2800" i="1">
+                                      <a:latin typeface="Cambria Math"/>
+                                    </a:rPr>
+                                  </m:ctrlPr>
+                                </m:sSubPr>
+                                <m:e>
+                                  <m:r>
+                                    <a:rPr lang="zh-CN" altLang="en-US" sz="2800" i="1">
+                                      <a:latin typeface="Cambria Math"/>
+                                    </a:rPr>
+                                    <m:t>𝜇</m:t>
+                                  </m:r>
+                                </m:e>
+                                <m:sub>
+                                  <m:r>
+                                    <a:rPr lang="en-US" altLang="zh-CN" sz="2800" i="1">
+                                      <a:latin typeface="Cambria Math"/>
+                                    </a:rPr>
+                                    <m:t>1</m:t>
+                                  </m:r>
+                                </m:sub>
+                              </m:sSub>
+                            </m:e>
+                          </m:mr>
+                          <m:mr>
+                            <m:e>
+                              <m:sSub>
+                                <m:sSubPr>
+                                  <m:ctrlPr>
+                                    <a:rPr lang="en-US" altLang="zh-CN" sz="2800" i="1">
+                                      <a:latin typeface="Cambria Math"/>
+                                    </a:rPr>
+                                  </m:ctrlPr>
+                                </m:sSubPr>
+                                <m:e>
+                                  <m:r>
+                                    <a:rPr lang="zh-CN" altLang="en-US" sz="2800" i="1">
+                                      <a:latin typeface="Cambria Math"/>
+                                    </a:rPr>
+                                    <m:t>𝜇</m:t>
+                                  </m:r>
+                                </m:e>
+                                <m:sub>
+                                  <m:r>
+                                    <a:rPr lang="en-US" altLang="zh-CN" sz="2800" b="0" i="1" smtClean="0">
+                                      <a:latin typeface="Cambria Math"/>
+                                    </a:rPr>
+                                    <m:t>2</m:t>
+                                  </m:r>
+                                </m:sub>
+                              </m:sSub>
+                            </m:e>
+                          </m:mr>
+                          <m:mr>
+                            <m:e>
+                              <m:sSub>
+                                <m:sSubPr>
+                                  <m:ctrlPr>
+                                    <a:rPr lang="en-US" altLang="zh-CN" sz="2800" i="1">
+                                      <a:latin typeface="Cambria Math"/>
+                                    </a:rPr>
+                                  </m:ctrlPr>
+                                </m:sSubPr>
+                                <m:e>
+                                  <m:r>
+                                    <a:rPr lang="zh-CN" altLang="en-US" sz="2800" i="1">
+                                      <a:latin typeface="Cambria Math"/>
+                                    </a:rPr>
+                                    <m:t>𝜇</m:t>
+                                  </m:r>
+                                </m:e>
+                                <m:sub>
+                                  <m:r>
+                                    <a:rPr lang="en-US" altLang="zh-CN" sz="2800" b="0" i="1" smtClean="0">
+                                      <a:latin typeface="Cambria Math"/>
+                                    </a:rPr>
+                                    <m:t>3</m:t>
+                                  </m:r>
+                                </m:sub>
+                              </m:sSub>
+                            </m:e>
+                          </m:mr>
+                        </m:m>
+                      </m:e>
+                    </m:d>
+                    <m:r>
+                      <a:rPr lang="en-US" altLang="zh-CN" sz="2800" b="1" i="1" smtClean="0">
+                        <a:latin typeface="Cambria Math"/>
+                      </a:rPr>
+                      <m:t>,</m:t>
+                    </m:r>
+                    <m:r>
+                      <a:rPr lang="el-GR" altLang="zh-CN" sz="2800" b="1" i="1">
+                        <a:latin typeface="Cambria Math"/>
+                        <a:ea typeface="Cambria Math"/>
+                      </a:rPr>
+                      <m:t>𝜮</m:t>
+                    </m:r>
+                    <m:r>
+                      <a:rPr lang="en-US" altLang="zh-CN" sz="2800" b="1" i="1" smtClean="0">
+                        <a:latin typeface="Cambria Math"/>
+                        <a:ea typeface="Cambria Math"/>
+                      </a:rPr>
+                      <m:t>=</m:t>
+                    </m:r>
+                    <m:d>
+                      <m:dPr>
+                        <m:begChr m:val="["/>
+                        <m:endChr m:val="]"/>
+                        <m:ctrlPr>
+                          <a:rPr lang="en-US" altLang="zh-CN" sz="2800" b="1" i="1" smtClean="0">
+                            <a:latin typeface="Cambria Math"/>
+                            <a:ea typeface="Cambria Math"/>
+                          </a:rPr>
+                        </m:ctrlPr>
+                      </m:dPr>
+                      <m:e>
+                        <m:m>
+                          <m:mPr>
+                            <m:mcs>
+                              <m:mc>
+                                <m:mcPr>
+                                  <m:count m:val="3"/>
+                                  <m:mcJc m:val="center"/>
+                                </m:mcPr>
+                              </m:mc>
+                            </m:mcs>
+                            <m:ctrlPr>
+                              <a:rPr lang="en-US" altLang="zh-CN" sz="2800" i="1" smtClean="0">
+                                <a:latin typeface="Cambria Math"/>
+                                <a:ea typeface="Cambria Math"/>
+                              </a:rPr>
+                            </m:ctrlPr>
+                          </m:mPr>
+                          <m:mr>
+                            <m:e>
+                              <m:sSub>
+                                <m:sSubPr>
+                                  <m:ctrlPr>
+                                    <a:rPr lang="en-US" altLang="zh-CN" sz="2800" i="1">
+                                      <a:latin typeface="Cambria Math"/>
+                                    </a:rPr>
+                                  </m:ctrlPr>
+                                </m:sSubPr>
+                                <m:e>
+                                  <m:r>
+                                    <a:rPr lang="el-GR" altLang="zh-CN" sz="2800" b="0" i="1">
+                                      <a:latin typeface="Cambria Math"/>
+                                      <a:ea typeface="Cambria Math"/>
+                                    </a:rPr>
+                                    <m:t>𝛴</m:t>
+                                  </m:r>
+                                </m:e>
+                                <m:sub>
+                                  <m:r>
+                                    <a:rPr lang="en-US" altLang="zh-CN" sz="2800" b="0" i="1">
+                                      <a:latin typeface="Cambria Math"/>
+                                    </a:rPr>
+                                    <m:t>1</m:t>
+                                  </m:r>
+                                </m:sub>
+                              </m:sSub>
+                            </m:e>
+                            <m:e>
+                              <m:r>
+                                <a:rPr lang="en-US" altLang="zh-CN" sz="2800" b="0" i="1" smtClean="0">
+                                  <a:latin typeface="Cambria Math"/>
+                                  <a:ea typeface="Cambria Math"/>
+                                </a:rPr>
+                                <m:t>0</m:t>
+                              </m:r>
+                            </m:e>
+                            <m:e>
+                              <m:r>
+                                <a:rPr lang="en-US" altLang="zh-CN" sz="2800" b="0" i="1" smtClean="0">
+                                  <a:latin typeface="Cambria Math"/>
+                                  <a:ea typeface="Cambria Math"/>
+                                </a:rPr>
+                                <m:t>0</m:t>
+                              </m:r>
+                            </m:e>
+                          </m:mr>
+                          <m:mr>
+                            <m:e>
+                              <m:r>
+                                <a:rPr lang="en-US" altLang="zh-CN" sz="2800" b="0" i="1" smtClean="0">
+                                  <a:latin typeface="Cambria Math"/>
+                                  <a:ea typeface="Cambria Math"/>
+                                </a:rPr>
+                                <m:t>0</m:t>
+                              </m:r>
+                            </m:e>
+                            <m:e>
+                              <m:sSub>
+                                <m:sSubPr>
+                                  <m:ctrlPr>
+                                    <a:rPr lang="en-US" altLang="zh-CN" sz="2800" i="1">
+                                      <a:latin typeface="Cambria Math"/>
+                                    </a:rPr>
+                                  </m:ctrlPr>
+                                </m:sSubPr>
+                                <m:e>
+                                  <m:r>
+                                    <a:rPr lang="el-GR" altLang="zh-CN" sz="2800" b="0" i="1">
+                                      <a:latin typeface="Cambria Math"/>
+                                      <a:ea typeface="Cambria Math"/>
+                                    </a:rPr>
+                                    <m:t>𝛴</m:t>
+                                  </m:r>
+                                </m:e>
+                                <m:sub>
+                                  <m:r>
+                                    <a:rPr lang="en-US" altLang="zh-CN" sz="2800" b="0" i="1" smtClean="0">
+                                      <a:latin typeface="Cambria Math"/>
+                                    </a:rPr>
+                                    <m:t>2</m:t>
+                                  </m:r>
+                                </m:sub>
+                              </m:sSub>
+                            </m:e>
+                            <m:e>
+                              <m:r>
+                                <a:rPr lang="en-US" altLang="zh-CN" sz="2800" b="0" i="1" smtClean="0">
+                                  <a:latin typeface="Cambria Math"/>
+                                  <a:ea typeface="Cambria Math"/>
+                                </a:rPr>
+                                <m:t>0</m:t>
+                              </m:r>
+                            </m:e>
+                          </m:mr>
+                          <m:mr>
+                            <m:e>
+                              <m:r>
+                                <a:rPr lang="en-US" altLang="zh-CN" sz="2800" b="0" i="1" smtClean="0">
+                                  <a:latin typeface="Cambria Math"/>
+                                  <a:ea typeface="Cambria Math"/>
+                                </a:rPr>
+                                <m:t>0</m:t>
+                              </m:r>
+                            </m:e>
+                            <m:e>
+                              <m:r>
+                                <a:rPr lang="en-US" altLang="zh-CN" sz="2800" b="0" i="1" smtClean="0">
+                                  <a:latin typeface="Cambria Math"/>
+                                  <a:ea typeface="Cambria Math"/>
+                                </a:rPr>
+                                <m:t>0</m:t>
+                              </m:r>
+                            </m:e>
+                            <m:e>
+                              <m:sSub>
+                                <m:sSubPr>
+                                  <m:ctrlPr>
+                                    <a:rPr lang="en-US" altLang="zh-CN" sz="2800" i="1">
+                                      <a:latin typeface="Cambria Math"/>
+                                    </a:rPr>
+                                  </m:ctrlPr>
+                                </m:sSubPr>
+                                <m:e>
+                                  <m:r>
+                                    <a:rPr lang="el-GR" altLang="zh-CN" sz="2800" b="0" i="1">
+                                      <a:latin typeface="Cambria Math"/>
+                                      <a:ea typeface="Cambria Math"/>
+                                    </a:rPr>
+                                    <m:t>𝛴</m:t>
+                                  </m:r>
+                                </m:e>
+                                <m:sub>
+                                  <m:r>
+                                    <a:rPr lang="en-US" altLang="zh-CN" sz="2800" b="0" i="1" smtClean="0">
+                                      <a:latin typeface="Cambria Math"/>
+                                    </a:rPr>
+                                    <m:t>3</m:t>
+                                  </m:r>
+                                </m:sub>
+                              </m:sSub>
+                            </m:e>
+                          </m:mr>
+                        </m:m>
+                      </m:e>
+                    </m:d>
+                  </m:oMath>
+                </a14:m>
+                <a:endParaRPr lang="en-US" altLang="zh-CN" sz="2800" dirty="0" smtClean="0"/>
+              </a:p>
+              <a:p>
+                <a:pPr algn="ctr"/>
+                <a14:m>
+                  <m:oMath xmlns:m="http://schemas.openxmlformats.org/officeDocument/2006/math">
+                    <m:r>
+                      <a:rPr lang="en-US" altLang="zh-CN" sz="2800" b="1" i="1" smtClean="0">
+                        <a:solidFill>
+                          <a:srgbClr val="C00000"/>
+                        </a:solidFill>
+                        <a:latin typeface="Cambria Math"/>
+                      </a:rPr>
+                      <m:t>𝒙</m:t>
+                    </m:r>
+                    <m:r>
+                      <a:rPr lang="en-US" altLang="zh-CN" sz="2800" b="0" i="1" smtClean="0">
+                        <a:latin typeface="Cambria Math"/>
+                      </a:rPr>
+                      <m:t>=</m:t>
+                    </m:r>
+                    <m:d>
+                      <m:dPr>
+                        <m:begChr m:val="["/>
+                        <m:endChr m:val="]"/>
+                        <m:ctrlPr>
+                          <a:rPr lang="en-US" altLang="zh-CN" sz="2800" b="0" i="1" smtClean="0">
+                            <a:latin typeface="Cambria Math"/>
+                          </a:rPr>
+                        </m:ctrlPr>
+                      </m:dPr>
+                      <m:e>
+                        <m:m>
+                          <m:mPr>
+                            <m:mcs>
+                              <m:mc>
+                                <m:mcPr>
+                                  <m:count m:val="1"/>
+                                  <m:mcJc m:val="center"/>
+                                </m:mcPr>
+                              </m:mc>
+                            </m:mcs>
+                            <m:ctrlPr>
+                              <a:rPr lang="en-US" altLang="zh-CN" sz="2800" b="0" i="1" smtClean="0">
+                                <a:solidFill>
+                                  <a:srgbClr val="C00000"/>
+                                </a:solidFill>
+                                <a:latin typeface="Cambria Math"/>
+                              </a:rPr>
+                            </m:ctrlPr>
+                          </m:mPr>
+                          <m:mr>
+                            <m:e>
+                              <m:r>
+                                <m:rPr>
+                                  <m:brk m:alnAt="7"/>
+                                </m:rPr>
+                                <a:rPr lang="en-US" altLang="zh-CN" sz="2800" b="0" i="1" smtClean="0">
+                                  <a:solidFill>
+                                    <a:srgbClr val="C00000"/>
+                                  </a:solidFill>
+                                  <a:latin typeface="Cambria Math"/>
+                                </a:rPr>
+                                <m:t>0</m:t>
+                              </m:r>
+                            </m:e>
+                          </m:mr>
+                          <m:mr>
+                            <m:e>
+                              <m:acc>
+                                <m:accPr>
+                                  <m:chr m:val="̇"/>
+                                  <m:ctrlPr>
+                                    <a:rPr lang="en-US" altLang="zh-CN" sz="2800" b="0" i="1" smtClean="0">
+                                      <a:solidFill>
+                                        <a:srgbClr val="C00000"/>
+                                      </a:solidFill>
+                                      <a:latin typeface="Cambria Math"/>
+                                    </a:rPr>
+                                  </m:ctrlPr>
+                                </m:accPr>
+                                <m:e>
+                                  <m:r>
+                                    <a:rPr lang="en-US" altLang="zh-CN" sz="2800" b="0" i="1" smtClean="0">
+                                      <a:solidFill>
+                                        <a:srgbClr val="C00000"/>
+                                      </a:solidFill>
+                                      <a:latin typeface="Cambria Math"/>
+                                    </a:rPr>
+                                    <m:t>𝑥</m:t>
+                                  </m:r>
+                                </m:e>
+                              </m:acc>
+                            </m:e>
+                          </m:mr>
+                          <m:mr>
+                            <m:e>
+                              <m:r>
+                                <a:rPr lang="en-US" altLang="zh-CN" sz="2800" b="0" i="1" smtClean="0">
+                                  <a:solidFill>
+                                    <a:srgbClr val="C00000"/>
+                                  </a:solidFill>
+                                  <a:latin typeface="Cambria Math"/>
+                                </a:rPr>
+                                <m:t>0</m:t>
+                              </m:r>
+                            </m:e>
+                          </m:mr>
+                        </m:m>
+                      </m:e>
+                    </m:d>
+                  </m:oMath>
+                </a14:m>
+                <a:r>
+                  <a:rPr lang="en-US" altLang="zh-CN" sz="2800" dirty="0" smtClean="0"/>
+                  <a:t>, (</a:t>
+                </a:r>
+                <a:r>
+                  <a:rPr lang="zh-TW" altLang="en-US" sz="2800" dirty="0" smtClean="0"/>
+                  <a:t>假設 </a:t>
+                </a:r>
+                <a:r>
+                  <a:rPr lang="en-US" altLang="zh-TW" sz="2800" dirty="0" smtClean="0"/>
+                  <a:t>mfcc vector </a:t>
+                </a:r>
+                <a14:m>
+                  <m:oMath xmlns:m="http://schemas.openxmlformats.org/officeDocument/2006/math">
+                    <m:acc>
+                      <m:accPr>
+                        <m:chr m:val="̇"/>
+                        <m:ctrlPr>
+                          <a:rPr lang="en-US" altLang="zh-CN" sz="2800" i="1">
+                            <a:solidFill>
+                              <a:srgbClr val="C00000"/>
+                            </a:solidFill>
+                            <a:latin typeface="Cambria Math"/>
+                          </a:rPr>
+                        </m:ctrlPr>
+                      </m:accPr>
+                      <m:e>
+                        <m:r>
+                          <a:rPr lang="en-US" altLang="zh-CN" sz="2800" i="1">
+                            <a:solidFill>
+                              <a:srgbClr val="C00000"/>
+                            </a:solidFill>
+                            <a:latin typeface="Cambria Math"/>
+                          </a:rPr>
+                          <m:t>𝑥</m:t>
+                        </m:r>
+                      </m:e>
+                    </m:acc>
+                  </m:oMath>
+                </a14:m>
+                <a:r>
+                  <a:rPr lang="zh-TW" altLang="en-US" sz="2800" dirty="0" smtClean="0"/>
+                  <a:t> </a:t>
+                </a:r>
+                <a:r>
+                  <a:rPr lang="zh-TW" altLang="en-US" sz="2800" dirty="0" smtClean="0"/>
+                  <a:t>被歸類在</a:t>
+                </a:r>
+                <a:r>
+                  <a:rPr lang="en-US" altLang="zh-TW" sz="2800" dirty="0" smtClean="0"/>
+                  <a:t>m</a:t>
+                </a:r>
+                <a:r>
+                  <a:rPr lang="en-US" altLang="zh-TW" sz="2800" baseline="-25000" dirty="0" smtClean="0"/>
+                  <a:t>2</a:t>
+                </a:r>
+                <a:r>
+                  <a:rPr lang="en-US" altLang="zh-TW" sz="2800" dirty="0" smtClean="0"/>
+                  <a:t>)</a:t>
+                </a:r>
+                <a:endParaRPr lang="zh-CN" altLang="en-US" sz="2800" dirty="0"/>
+              </a:p>
+            </p:txBody>
+          </p:sp>
+        </mc:Choice>
+        <mc:Fallback>
+          <p:sp>
+            <p:nvSpPr>
+              <p:cNvPr id="38" name="TextBox 37"/>
+              <p:cNvSpPr txBox="1">
+                <a:spLocks noRot="1" noChangeAspect="1" noMove="1" noResize="1" noEditPoints="1" noAdjustHandles="1" noChangeArrowheads="1" noChangeShapeType="1" noTextEdit="1"/>
+              </p:cNvSpPr>
+              <p:nvPr/>
+            </p:nvSpPr>
+            <p:spPr>
+              <a:xfrm>
+                <a:off x="170885" y="3933056"/>
+                <a:ext cx="8802601" cy="2635593"/>
+              </a:xfrm>
+              <a:prstGeom prst="rect">
+                <a:avLst/>
+              </a:prstGeom>
+              <a:blipFill rotWithShape="1">
+                <a:blip r:embed="rId2"/>
+                <a:stretch>
+                  <a:fillRect/>
+                </a:stretch>
+              </a:blipFill>
+            </p:spPr>
+            <p:txBody>
+              <a:bodyPr/>
+              <a:lstStyle/>
+              <a:p>
+                <a:r>
+                  <a:rPr lang="zh-CN" altLang="en-US">
+                    <a:noFill/>
+                  </a:rPr>
+                  <a:t> </a:t>
+                </a:r>
+              </a:p>
+            </p:txBody>
+          </p:sp>
+        </mc:Fallback>
+      </mc:AlternateContent>
+      <mc:AlternateContent xmlns:mc="http://schemas.openxmlformats.org/markup-compatibility/2006" xmlns:a14="http://schemas.microsoft.com/office/drawing/2010/main">
+        <mc:Choice Requires="a14">
+          <p:sp>
+            <p:nvSpPr>
+              <p:cNvPr id="41" name="TextBox 40"/>
+              <p:cNvSpPr txBox="1"/>
+              <p:nvPr/>
+            </p:nvSpPr>
+            <p:spPr>
+              <a:xfrm>
+                <a:off x="6047088" y="2042390"/>
+                <a:ext cx="1692188" cy="523220"/>
+              </a:xfrm>
+              <a:prstGeom prst="rect">
+                <a:avLst/>
+              </a:prstGeom>
+              <a:noFill/>
+            </p:spPr>
+            <p:txBody>
+              <a:bodyPr wrap="square" rtlCol="0">
+                <a:spAutoFit/>
+              </a:bodyPr>
+              <a:lstStyle/>
+              <a:p>
+                <a:pPr algn="ctr"/>
+                <a14:m>
+                  <m:oMathPara xmlns:m="http://schemas.openxmlformats.org/officeDocument/2006/math">
+                    <m:oMathParaPr>
+                      <m:jc m:val="centerGroup"/>
+                    </m:oMathParaPr>
+                    <m:oMath xmlns:m="http://schemas.openxmlformats.org/officeDocument/2006/math">
+                      <m:r>
+                        <a:rPr lang="en-US" altLang="zh-CN" sz="2800" b="0" i="1" smtClean="0">
+                          <a:latin typeface="Cambria Math"/>
+                        </a:rPr>
+                        <m:t>𝑁</m:t>
+                      </m:r>
+                      <m:d>
+                        <m:dPr>
+                          <m:ctrlPr>
+                            <a:rPr lang="en-US" altLang="zh-CN" sz="2800" b="0" i="1" smtClean="0">
+                              <a:latin typeface="Cambria Math"/>
+                            </a:rPr>
+                          </m:ctrlPr>
+                        </m:dPr>
+                        <m:e>
+                          <m:r>
+                            <a:rPr lang="zh-CN" altLang="en-US" sz="2800" b="1" i="1" smtClean="0">
+                              <a:latin typeface="Cambria Math"/>
+                            </a:rPr>
+                            <m:t>𝝁</m:t>
+                          </m:r>
+                          <m:r>
+                            <a:rPr lang="en-US" altLang="zh-CN" sz="2800" b="0" i="1" smtClean="0">
+                              <a:latin typeface="Cambria Math"/>
+                            </a:rPr>
+                            <m:t>,</m:t>
+                          </m:r>
+                          <m:r>
+                            <a:rPr lang="el-GR" altLang="zh-CN" sz="2800" b="1" i="1" smtClean="0">
+                              <a:latin typeface="Cambria Math"/>
+                              <a:ea typeface="Cambria Math"/>
+                            </a:rPr>
+                            <m:t>𝜮</m:t>
+                          </m:r>
+                          <m:r>
+                            <a:rPr lang="en-US" altLang="zh-CN" sz="2800" b="0" i="1" smtClean="0">
+                              <a:latin typeface="Cambria Math"/>
+                            </a:rPr>
+                            <m:t> </m:t>
+                          </m:r>
+                        </m:e>
+                      </m:d>
+                    </m:oMath>
+                  </m:oMathPara>
+                </a14:m>
+                <a:endParaRPr lang="zh-CN" altLang="en-US" sz="2800" dirty="0"/>
+              </a:p>
+            </p:txBody>
+          </p:sp>
+        </mc:Choice>
+        <mc:Fallback xmlns="">
+          <p:sp>
+            <p:nvSpPr>
+              <p:cNvPr id="41" name="TextBox 40"/>
+              <p:cNvSpPr txBox="1">
+                <a:spLocks noRot="1" noChangeAspect="1" noMove="1" noResize="1" noEditPoints="1" noAdjustHandles="1" noChangeArrowheads="1" noChangeShapeType="1" noTextEdit="1"/>
+              </p:cNvSpPr>
+              <p:nvPr/>
+            </p:nvSpPr>
+            <p:spPr>
+              <a:xfrm>
+                <a:off x="6047088" y="2042390"/>
+                <a:ext cx="1692188" cy="523220"/>
+              </a:xfrm>
+              <a:prstGeom prst="rect">
+                <a:avLst/>
+              </a:prstGeom>
+              <a:blipFill rotWithShape="1">
+                <a:blip r:embed="rId3"/>
+                <a:stretch>
+                  <a:fillRect/>
+                </a:stretch>
+              </a:blipFill>
+            </p:spPr>
+            <p:txBody>
+              <a:bodyPr/>
+              <a:lstStyle/>
+              <a:p>
+                <a:r>
+                  <a:rPr lang="zh-CN" altLang="en-US">
+                    <a:noFill/>
+                  </a:rPr>
+                  <a:t> </a:t>
+                </a:r>
+              </a:p>
+            </p:txBody>
+          </p:sp>
+        </mc:Fallback>
+      </mc:AlternateContent>
+      <p:sp>
+        <p:nvSpPr>
+          <p:cNvPr id="42" name="等于号 41"/>
+          <p:cNvSpPr/>
+          <p:nvPr/>
+        </p:nvSpPr>
+        <p:spPr>
+          <a:xfrm>
+            <a:off x="4139952" y="1578045"/>
+            <a:ext cx="864096" cy="582585"/>
+          </a:xfrm>
+          <a:prstGeom prst="mathEqual">
+            <a:avLst>
+              <a:gd name="adj1" fmla="val 23520"/>
+              <a:gd name="adj2" fmla="val 26708"/>
+            </a:avLst>
+          </a:prstGeom>
+        </p:spPr>
+        <p:style>
+          <a:lnRef idx="2">
+            <a:schemeClr val="accent6">
+              <a:shade val="50000"/>
+            </a:schemeClr>
+          </a:lnRef>
+          <a:fillRef idx="1">
+            <a:schemeClr val="accent6"/>
+          </a:fillRef>
+          <a:effectRef idx="0">
+            <a:schemeClr val="accent6"/>
+          </a:effectRef>
+          <a:fontRef idx="minor">
+            <a:schemeClr val="lt1"/>
+          </a:fontRef>
+        </p:style>
+        <p:txBody>
+          <a:bodyPr rtlCol="0" anchor="ctr"/>
+          <a:lstStyle/>
+          <a:p>
+            <a:pPr algn="ctr"/>
+            <a:endParaRPr lang="zh-CN" altLang="en-US">
+              <a:solidFill>
+                <a:schemeClr val="tx1"/>
+              </a:solidFill>
+            </a:endParaRPr>
+          </a:p>
+        </p:txBody>
+      </p:sp>
+      <p:sp>
+        <p:nvSpPr>
+          <p:cNvPr id="43" name="椭圆 42"/>
+          <p:cNvSpPr/>
+          <p:nvPr/>
+        </p:nvSpPr>
+        <p:spPr>
+          <a:xfrm>
+            <a:off x="755576" y="1221266"/>
+            <a:ext cx="144016" cy="144016"/>
+          </a:xfrm>
+          <a:prstGeom prst="ellipse">
+            <a:avLst/>
+          </a:prstGeom>
+        </p:spPr>
+        <p:style>
+          <a:lnRef idx="2">
+            <a:schemeClr val="accent2">
+              <a:shade val="50000"/>
+            </a:schemeClr>
+          </a:lnRef>
+          <a:fillRef idx="1">
+            <a:schemeClr val="accent2"/>
+          </a:fillRef>
+          <a:effectRef idx="0">
+            <a:schemeClr val="accent2"/>
+          </a:effectRef>
+          <a:fontRef idx="minor">
+            <a:schemeClr val="lt1"/>
+          </a:fontRef>
+        </p:style>
+        <p:txBody>
+          <a:bodyPr rtlCol="0" anchor="ctr"/>
+          <a:lstStyle/>
+          <a:p>
+            <a:pPr algn="ctr"/>
+            <a:endParaRPr lang="zh-CN" altLang="en-US"/>
+          </a:p>
+        </p:txBody>
+      </p:sp>
+      <mc:AlternateContent xmlns:mc="http://schemas.openxmlformats.org/markup-compatibility/2006" xmlns:a14="http://schemas.microsoft.com/office/drawing/2010/main">
+        <mc:Choice Requires="a14">
+          <p:sp>
+            <p:nvSpPr>
+              <p:cNvPr id="45" name="TextBox 44"/>
+              <p:cNvSpPr txBox="1"/>
+              <p:nvPr/>
+            </p:nvSpPr>
+            <p:spPr>
+              <a:xfrm>
+                <a:off x="539552" y="698046"/>
+                <a:ext cx="576064" cy="523220"/>
+              </a:xfrm>
+              <a:prstGeom prst="rect">
+                <a:avLst/>
+              </a:prstGeom>
+              <a:noFill/>
+            </p:spPr>
+            <p:txBody>
+              <a:bodyPr wrap="square" rtlCol="0">
+                <a:spAutoFit/>
+              </a:bodyPr>
+              <a:lstStyle/>
+              <a:p>
+                <a:pPr algn="ctr"/>
+                <a14:m>
+                  <m:oMathPara xmlns:m="http://schemas.openxmlformats.org/officeDocument/2006/math">
+                    <m:oMathParaPr>
+                      <m:jc m:val="centerGroup"/>
+                    </m:oMathParaPr>
+                    <m:oMath xmlns:m="http://schemas.openxmlformats.org/officeDocument/2006/math">
+                      <m:acc>
+                        <m:accPr>
+                          <m:chr m:val="̇"/>
+                          <m:ctrlPr>
+                            <a:rPr lang="en-US" altLang="zh-CN" sz="2800" b="0" i="1" smtClean="0">
+                              <a:solidFill>
+                                <a:srgbClr val="C00000"/>
+                              </a:solidFill>
+                              <a:latin typeface="Cambria Math"/>
+                            </a:rPr>
+                          </m:ctrlPr>
+                        </m:accPr>
+                        <m:e>
+                          <m:r>
+                            <a:rPr lang="en-US" altLang="zh-CN" sz="2800" b="0" i="1" smtClean="0">
+                              <a:solidFill>
+                                <a:srgbClr val="C00000"/>
+                              </a:solidFill>
+                              <a:latin typeface="Cambria Math"/>
+                            </a:rPr>
+                            <m:t>𝑥</m:t>
+                          </m:r>
+                        </m:e>
+                      </m:acc>
+                    </m:oMath>
+                  </m:oMathPara>
+                </a14:m>
+                <a:endParaRPr lang="zh-CN" altLang="en-US" sz="2800" dirty="0">
+                  <a:solidFill>
+                    <a:srgbClr val="C00000"/>
+                  </a:solidFill>
+                </a:endParaRPr>
+              </a:p>
+            </p:txBody>
+          </p:sp>
+        </mc:Choice>
+        <mc:Fallback xmlns="">
+          <p:sp>
+            <p:nvSpPr>
+              <p:cNvPr id="45" name="TextBox 44"/>
+              <p:cNvSpPr txBox="1">
+                <a:spLocks noRot="1" noChangeAspect="1" noMove="1" noResize="1" noEditPoints="1" noAdjustHandles="1" noChangeArrowheads="1" noChangeShapeType="1" noTextEdit="1"/>
+              </p:cNvSpPr>
+              <p:nvPr/>
+            </p:nvSpPr>
+            <p:spPr>
+              <a:xfrm>
+                <a:off x="539552" y="698046"/>
+                <a:ext cx="576064" cy="523220"/>
+              </a:xfrm>
+              <a:prstGeom prst="rect">
+                <a:avLst/>
+              </a:prstGeom>
+              <a:blipFill rotWithShape="1">
+                <a:blip r:embed="rId4"/>
+                <a:stretch>
+                  <a:fillRect/>
+                </a:stretch>
+              </a:blipFill>
+            </p:spPr>
+            <p:txBody>
+              <a:bodyPr/>
+              <a:lstStyle/>
+              <a:p>
+                <a:r>
+                  <a:rPr lang="zh-CN" altLang="en-US">
+                    <a:noFill/>
+                  </a:rPr>
+                  <a:t> </a:t>
+                </a:r>
+              </a:p>
+            </p:txBody>
+          </p:sp>
+        </mc:Fallback>
+      </mc:AlternateContent>
+      <p:sp>
+        <p:nvSpPr>
+          <p:cNvPr id="46" name="椭圆 45"/>
+          <p:cNvSpPr/>
+          <p:nvPr/>
+        </p:nvSpPr>
+        <p:spPr>
+          <a:xfrm>
+            <a:off x="7181214" y="959656"/>
+            <a:ext cx="144016" cy="144016"/>
+          </a:xfrm>
+          <a:prstGeom prst="ellipse">
+            <a:avLst/>
+          </a:prstGeom>
+        </p:spPr>
+        <p:style>
+          <a:lnRef idx="2">
+            <a:schemeClr val="accent2">
+              <a:shade val="50000"/>
+            </a:schemeClr>
+          </a:lnRef>
+          <a:fillRef idx="1">
+            <a:schemeClr val="accent2"/>
+          </a:fillRef>
+          <a:effectRef idx="0">
+            <a:schemeClr val="accent2"/>
+          </a:effectRef>
+          <a:fontRef idx="minor">
+            <a:schemeClr val="lt1"/>
+          </a:fontRef>
+        </p:style>
+        <p:txBody>
+          <a:bodyPr rtlCol="0" anchor="ctr"/>
+          <a:lstStyle/>
+          <a:p>
+            <a:pPr algn="ctr"/>
+            <a:endParaRPr lang="zh-CN" altLang="en-US"/>
+          </a:p>
+        </p:txBody>
+      </p:sp>
+      <mc:AlternateContent xmlns:mc="http://schemas.openxmlformats.org/markup-compatibility/2006" xmlns:a14="http://schemas.microsoft.com/office/drawing/2010/main">
+        <mc:Choice Requires="a14">
+          <p:sp>
+            <p:nvSpPr>
+              <p:cNvPr id="47" name="TextBox 46"/>
+              <p:cNvSpPr txBox="1"/>
+              <p:nvPr/>
+            </p:nvSpPr>
+            <p:spPr>
+              <a:xfrm>
+                <a:off x="6965190" y="436436"/>
+                <a:ext cx="576064" cy="523220"/>
+              </a:xfrm>
+              <a:prstGeom prst="rect">
+                <a:avLst/>
+              </a:prstGeom>
+              <a:noFill/>
+            </p:spPr>
+            <p:txBody>
+              <a:bodyPr wrap="square" rtlCol="0">
+                <a:spAutoFit/>
+              </a:bodyPr>
+              <a:lstStyle/>
+              <a:p>
+                <a:pPr algn="ctr"/>
+                <a14:m>
+                  <m:oMathPara xmlns:m="http://schemas.openxmlformats.org/officeDocument/2006/math">
+                    <m:oMathParaPr>
+                      <m:jc m:val="center"/>
+                    </m:oMathParaPr>
+                    <m:oMath xmlns:m="http://schemas.openxmlformats.org/officeDocument/2006/math">
+                      <m:r>
+                        <a:rPr lang="en-US" altLang="zh-CN" sz="2800" b="1" i="1" smtClean="0">
+                          <a:solidFill>
+                            <a:srgbClr val="C00000"/>
+                          </a:solidFill>
+                          <a:latin typeface="Cambria Math"/>
+                        </a:rPr>
+                        <m:t>𝒙</m:t>
+                      </m:r>
+                    </m:oMath>
+                  </m:oMathPara>
+                </a14:m>
+                <a:endParaRPr lang="zh-CN" altLang="en-US" sz="2800" b="1" dirty="0">
+                  <a:solidFill>
+                    <a:srgbClr val="C00000"/>
+                  </a:solidFill>
+                </a:endParaRPr>
+              </a:p>
+            </p:txBody>
+          </p:sp>
+        </mc:Choice>
+        <mc:Fallback xmlns="">
+          <p:sp>
+            <p:nvSpPr>
+              <p:cNvPr id="47" name="TextBox 46"/>
+              <p:cNvSpPr txBox="1">
+                <a:spLocks noRot="1" noChangeAspect="1" noMove="1" noResize="1" noEditPoints="1" noAdjustHandles="1" noChangeArrowheads="1" noChangeShapeType="1" noTextEdit="1"/>
+              </p:cNvSpPr>
+              <p:nvPr/>
+            </p:nvSpPr>
+            <p:spPr>
+              <a:xfrm>
+                <a:off x="6965190" y="436436"/>
+                <a:ext cx="576064" cy="523220"/>
+              </a:xfrm>
+              <a:prstGeom prst="rect">
+                <a:avLst/>
+              </a:prstGeom>
+              <a:blipFill rotWithShape="1">
+                <a:blip r:embed="rId5"/>
+                <a:stretch>
+                  <a:fillRect/>
+                </a:stretch>
+              </a:blipFill>
+            </p:spPr>
+            <p:txBody>
+              <a:bodyPr/>
+              <a:lstStyle/>
+              <a:p>
+                <a:r>
+                  <a:rPr lang="zh-CN" altLang="en-US">
+                    <a:noFill/>
+                  </a:rPr>
+                  <a:t> </a:t>
+                </a:r>
+              </a:p>
+            </p:txBody>
+          </p:sp>
+        </mc:Fallback>
+      </mc:AlternateContent>
+      <mc:AlternateContent xmlns:mc="http://schemas.openxmlformats.org/markup-compatibility/2006" xmlns:a14="http://schemas.microsoft.com/office/drawing/2010/main">
+        <mc:Choice Requires="a14">
+          <p:sp>
+            <p:nvSpPr>
+              <p:cNvPr id="48" name="TextBox 47"/>
+              <p:cNvSpPr txBox="1"/>
+              <p:nvPr/>
+            </p:nvSpPr>
+            <p:spPr>
+              <a:xfrm>
+                <a:off x="188979" y="2160630"/>
+                <a:ext cx="2460775" cy="461665"/>
+              </a:xfrm>
+              <a:prstGeom prst="rect">
+                <a:avLst/>
+              </a:prstGeom>
+              <a:noFill/>
+            </p:spPr>
+            <p:txBody>
+              <a:bodyPr wrap="square" rtlCol="0">
+                <a:spAutoFit/>
+              </a:bodyPr>
+              <a:lstStyle/>
+              <a:p>
+                <a:pPr algn="ctr"/>
+                <a14:m>
+                  <m:oMathPara xmlns:m="http://schemas.openxmlformats.org/officeDocument/2006/math">
+                    <m:oMathParaPr>
+                      <m:jc m:val="centerGroup"/>
+                    </m:oMathParaPr>
+                    <m:oMath xmlns:m="http://schemas.openxmlformats.org/officeDocument/2006/math">
+                      <m:sSub>
+                        <m:sSubPr>
+                          <m:ctrlPr>
+                            <a:rPr lang="en-US" altLang="zh-CN" sz="2400" b="0" i="1" smtClean="0">
+                              <a:latin typeface="Cambria Math"/>
+                            </a:rPr>
+                          </m:ctrlPr>
+                        </m:sSubPr>
+                        <m:e>
+                          <m:r>
+                            <a:rPr lang="en-US" altLang="zh-CN" sz="2400" b="0" i="1" smtClean="0">
+                              <a:latin typeface="Cambria Math"/>
+                            </a:rPr>
+                            <m:t>𝑚</m:t>
+                          </m:r>
+                        </m:e>
+                        <m:sub>
+                          <m:r>
+                            <a:rPr lang="en-US" altLang="zh-CN" sz="2400" b="0" i="1" smtClean="0">
+                              <a:latin typeface="Cambria Math"/>
+                            </a:rPr>
+                            <m:t>2</m:t>
+                          </m:r>
+                        </m:sub>
+                      </m:sSub>
+                      <m:r>
+                        <a:rPr lang="en-US" altLang="zh-CN" sz="2400" b="0" i="1" smtClean="0">
+                          <a:latin typeface="Cambria Math"/>
+                          <a:ea typeface="Cambria Math"/>
+                        </a:rPr>
+                        <m:t>∼</m:t>
+                      </m:r>
+                      <m:sSub>
+                        <m:sSubPr>
+                          <m:ctrlPr>
+                            <a:rPr lang="en-US" altLang="zh-CN" sz="2400" b="0" i="1" smtClean="0">
+                              <a:latin typeface="Cambria Math"/>
+                            </a:rPr>
+                          </m:ctrlPr>
+                        </m:sSubPr>
+                        <m:e>
+                          <m:r>
+                            <a:rPr lang="en-US" altLang="zh-CN" sz="2400" b="0" i="1" smtClean="0">
+                              <a:latin typeface="Cambria Math"/>
+                            </a:rPr>
+                            <m:t>𝑁</m:t>
+                          </m:r>
+                        </m:e>
+                        <m:sub>
+                          <m:r>
+                            <a:rPr lang="en-US" altLang="zh-CN" sz="2400" b="0" i="1" smtClean="0">
+                              <a:latin typeface="Cambria Math"/>
+                            </a:rPr>
+                            <m:t>2</m:t>
+                          </m:r>
+                        </m:sub>
+                      </m:sSub>
+                      <m:d>
+                        <m:dPr>
+                          <m:ctrlPr>
+                            <a:rPr lang="en-US" altLang="zh-CN" sz="2400" b="0" i="1" smtClean="0">
+                              <a:latin typeface="Cambria Math"/>
+                            </a:rPr>
+                          </m:ctrlPr>
+                        </m:dPr>
+                        <m:e>
+                          <m:sSub>
+                            <m:sSubPr>
+                              <m:ctrlPr>
+                                <a:rPr lang="en-US" altLang="zh-CN" sz="2400" b="0" i="1" smtClean="0">
+                                  <a:latin typeface="Cambria Math"/>
+                                </a:rPr>
+                              </m:ctrlPr>
+                            </m:sSubPr>
+                            <m:e>
+                              <m:r>
+                                <a:rPr lang="zh-CN" altLang="en-US" sz="2400" b="0" i="1" smtClean="0">
+                                  <a:latin typeface="Cambria Math"/>
+                                </a:rPr>
+                                <m:t>𝜇</m:t>
+                              </m:r>
+                            </m:e>
+                            <m:sub>
+                              <m:r>
+                                <a:rPr lang="en-US" altLang="zh-CN" sz="2400" b="0" i="1" smtClean="0">
+                                  <a:latin typeface="Cambria Math"/>
+                                </a:rPr>
+                                <m:t>2</m:t>
+                              </m:r>
+                            </m:sub>
+                          </m:sSub>
+                          <m:r>
+                            <a:rPr lang="en-US" altLang="zh-CN" sz="2400" b="0" i="1" smtClean="0">
+                              <a:latin typeface="Cambria Math"/>
+                            </a:rPr>
+                            <m:t>,</m:t>
+                          </m:r>
+                          <m:sSub>
+                            <m:sSubPr>
+                              <m:ctrlPr>
+                                <a:rPr lang="en-US" altLang="zh-CN" sz="2400" b="0" i="1" smtClean="0">
+                                  <a:latin typeface="Cambria Math"/>
+                                </a:rPr>
+                              </m:ctrlPr>
+                            </m:sSubPr>
+                            <m:e>
+                              <m:r>
+                                <m:rPr>
+                                  <m:sty m:val="p"/>
+                                </m:rPr>
+                                <a:rPr lang="el-GR" altLang="zh-CN" sz="2400" b="0" i="1" smtClean="0">
+                                  <a:latin typeface="Cambria Math"/>
+                                  <a:ea typeface="Cambria Math"/>
+                                </a:rPr>
+                                <m:t>Σ</m:t>
+                              </m:r>
+                            </m:e>
+                            <m:sub>
+                              <m:r>
+                                <a:rPr lang="en-US" altLang="zh-CN" sz="2400" b="0" i="1" smtClean="0">
+                                  <a:latin typeface="Cambria Math"/>
+                                </a:rPr>
+                                <m:t>2</m:t>
+                              </m:r>
+                            </m:sub>
+                          </m:sSub>
+                        </m:e>
+                      </m:d>
+                    </m:oMath>
+                  </m:oMathPara>
+                </a14:m>
+                <a:endParaRPr lang="zh-CN" altLang="en-US" sz="2400" dirty="0"/>
+              </a:p>
+            </p:txBody>
+          </p:sp>
+        </mc:Choice>
+        <mc:Fallback xmlns="">
+          <p:sp>
+            <p:nvSpPr>
+              <p:cNvPr id="48" name="TextBox 47"/>
+              <p:cNvSpPr txBox="1">
+                <a:spLocks noRot="1" noChangeAspect="1" noMove="1" noResize="1" noEditPoints="1" noAdjustHandles="1" noChangeArrowheads="1" noChangeShapeType="1" noTextEdit="1"/>
+              </p:cNvSpPr>
+              <p:nvPr/>
+            </p:nvSpPr>
+            <p:spPr>
+              <a:xfrm>
+                <a:off x="188979" y="2160630"/>
+                <a:ext cx="2460775" cy="461665"/>
+              </a:xfrm>
+              <a:prstGeom prst="rect">
+                <a:avLst/>
+              </a:prstGeom>
+              <a:blipFill rotWithShape="1">
+                <a:blip r:embed="rId6"/>
+                <a:stretch>
+                  <a:fillRect b="-7895"/>
+                </a:stretch>
+              </a:blipFill>
+            </p:spPr>
+            <p:txBody>
+              <a:bodyPr/>
+              <a:lstStyle/>
+              <a:p>
+                <a:r>
+                  <a:rPr lang="zh-CN" altLang="en-US">
+                    <a:noFill/>
+                  </a:rPr>
+                  <a:t> </a:t>
+                </a:r>
+              </a:p>
+            </p:txBody>
+          </p:sp>
+        </mc:Fallback>
+      </mc:AlternateContent>
+      <mc:AlternateContent xmlns:mc="http://schemas.openxmlformats.org/markup-compatibility/2006" xmlns:a14="http://schemas.microsoft.com/office/drawing/2010/main">
+        <mc:Choice Requires="a14">
+          <p:sp>
+            <p:nvSpPr>
+              <p:cNvPr id="49" name="TextBox 48"/>
+              <p:cNvSpPr txBox="1"/>
+              <p:nvPr/>
+            </p:nvSpPr>
+            <p:spPr>
+              <a:xfrm>
+                <a:off x="1586792" y="435564"/>
+                <a:ext cx="2460775" cy="461665"/>
+              </a:xfrm>
+              <a:prstGeom prst="rect">
+                <a:avLst/>
+              </a:prstGeom>
+              <a:noFill/>
+            </p:spPr>
+            <p:txBody>
+              <a:bodyPr wrap="square" rtlCol="0">
+                <a:spAutoFit/>
+              </a:bodyPr>
+              <a:lstStyle/>
+              <a:p>
+                <a:pPr algn="ctr"/>
+                <a14:m>
+                  <m:oMathPara xmlns:m="http://schemas.openxmlformats.org/officeDocument/2006/math">
+                    <m:oMathParaPr>
+                      <m:jc m:val="centerGroup"/>
+                    </m:oMathParaPr>
+                    <m:oMath xmlns:m="http://schemas.openxmlformats.org/officeDocument/2006/math">
+                      <m:sSub>
+                        <m:sSubPr>
+                          <m:ctrlPr>
+                            <a:rPr lang="en-US" altLang="zh-CN" sz="2400" b="0" i="1" smtClean="0">
+                              <a:latin typeface="Cambria Math"/>
+                            </a:rPr>
+                          </m:ctrlPr>
+                        </m:sSubPr>
+                        <m:e>
+                          <m:r>
+                            <a:rPr lang="en-US" altLang="zh-CN" sz="2400" b="0" i="1" smtClean="0">
+                              <a:latin typeface="Cambria Math"/>
+                            </a:rPr>
+                            <m:t>𝑚</m:t>
+                          </m:r>
+                        </m:e>
+                        <m:sub>
+                          <m:r>
+                            <a:rPr lang="en-US" altLang="zh-CN" sz="2400" b="0" i="1" smtClean="0">
+                              <a:latin typeface="Cambria Math"/>
+                            </a:rPr>
+                            <m:t>1</m:t>
+                          </m:r>
+                        </m:sub>
+                      </m:sSub>
+                      <m:r>
+                        <a:rPr lang="en-US" altLang="zh-CN" sz="2400" b="0" i="1" smtClean="0">
+                          <a:latin typeface="Cambria Math"/>
+                          <a:ea typeface="Cambria Math"/>
+                        </a:rPr>
+                        <m:t>∼</m:t>
+                      </m:r>
+                      <m:sSub>
+                        <m:sSubPr>
+                          <m:ctrlPr>
+                            <a:rPr lang="en-US" altLang="zh-CN" sz="2400" b="0" i="1" smtClean="0">
+                              <a:latin typeface="Cambria Math"/>
+                            </a:rPr>
+                          </m:ctrlPr>
+                        </m:sSubPr>
+                        <m:e>
+                          <m:r>
+                            <a:rPr lang="en-US" altLang="zh-CN" sz="2400" b="0" i="1" smtClean="0">
+                              <a:latin typeface="Cambria Math"/>
+                            </a:rPr>
+                            <m:t>𝑁</m:t>
+                          </m:r>
+                        </m:e>
+                        <m:sub>
+                          <m:r>
+                            <a:rPr lang="en-US" altLang="zh-CN" sz="2400" b="0" i="1" smtClean="0">
+                              <a:latin typeface="Cambria Math"/>
+                            </a:rPr>
+                            <m:t>1</m:t>
+                          </m:r>
+                        </m:sub>
+                      </m:sSub>
+                      <m:d>
+                        <m:dPr>
+                          <m:ctrlPr>
+                            <a:rPr lang="en-US" altLang="zh-CN" sz="2400" b="0" i="1" smtClean="0">
+                              <a:latin typeface="Cambria Math"/>
+                            </a:rPr>
+                          </m:ctrlPr>
+                        </m:dPr>
+                        <m:e>
+                          <m:sSub>
+                            <m:sSubPr>
+                              <m:ctrlPr>
+                                <a:rPr lang="en-US" altLang="zh-CN" sz="2400" b="0" i="1" smtClean="0">
+                                  <a:latin typeface="Cambria Math"/>
+                                </a:rPr>
+                              </m:ctrlPr>
+                            </m:sSubPr>
+                            <m:e>
+                              <m:r>
+                                <a:rPr lang="zh-CN" altLang="en-US" sz="2400" b="0" i="1" smtClean="0">
+                                  <a:latin typeface="Cambria Math"/>
+                                </a:rPr>
+                                <m:t>𝜇</m:t>
+                              </m:r>
+                            </m:e>
+                            <m:sub>
+                              <m:r>
+                                <a:rPr lang="en-US" altLang="zh-CN" sz="2400" b="0" i="1" smtClean="0">
+                                  <a:latin typeface="Cambria Math"/>
+                                </a:rPr>
+                                <m:t>1</m:t>
+                              </m:r>
+                            </m:sub>
+                          </m:sSub>
+                          <m:r>
+                            <a:rPr lang="en-US" altLang="zh-CN" sz="2400" b="0" i="1" smtClean="0">
+                              <a:latin typeface="Cambria Math"/>
+                            </a:rPr>
+                            <m:t>,</m:t>
+                          </m:r>
+                          <m:sSub>
+                            <m:sSubPr>
+                              <m:ctrlPr>
+                                <a:rPr lang="en-US" altLang="zh-CN" sz="2400" b="0" i="1" smtClean="0">
+                                  <a:latin typeface="Cambria Math"/>
+                                </a:rPr>
+                              </m:ctrlPr>
+                            </m:sSubPr>
+                            <m:e>
+                              <m:r>
+                                <m:rPr>
+                                  <m:sty m:val="p"/>
+                                </m:rPr>
+                                <a:rPr lang="el-GR" altLang="zh-CN" sz="2400" b="0" i="1" smtClean="0">
+                                  <a:latin typeface="Cambria Math"/>
+                                  <a:ea typeface="Cambria Math"/>
+                                </a:rPr>
+                                <m:t>Σ</m:t>
+                              </m:r>
+                            </m:e>
+                            <m:sub>
+                              <m:r>
+                                <a:rPr lang="en-US" altLang="zh-CN" sz="2400" b="0" i="1" smtClean="0">
+                                  <a:latin typeface="Cambria Math"/>
+                                </a:rPr>
+                                <m:t>1</m:t>
+                              </m:r>
+                            </m:sub>
+                          </m:sSub>
+                        </m:e>
+                      </m:d>
+                    </m:oMath>
+                  </m:oMathPara>
+                </a14:m>
+                <a:endParaRPr lang="zh-CN" altLang="en-US" sz="2400" dirty="0"/>
+              </a:p>
+            </p:txBody>
+          </p:sp>
+        </mc:Choice>
+        <mc:Fallback xmlns="">
+          <p:sp>
+            <p:nvSpPr>
+              <p:cNvPr id="49" name="TextBox 48"/>
+              <p:cNvSpPr txBox="1">
+                <a:spLocks noRot="1" noChangeAspect="1" noMove="1" noResize="1" noEditPoints="1" noAdjustHandles="1" noChangeArrowheads="1" noChangeShapeType="1" noTextEdit="1"/>
+              </p:cNvSpPr>
+              <p:nvPr/>
+            </p:nvSpPr>
+            <p:spPr>
+              <a:xfrm>
+                <a:off x="1586792" y="435564"/>
+                <a:ext cx="2460775" cy="461665"/>
+              </a:xfrm>
+              <a:prstGeom prst="rect">
+                <a:avLst/>
+              </a:prstGeom>
+              <a:blipFill rotWithShape="1">
+                <a:blip r:embed="rId7"/>
+                <a:stretch>
+                  <a:fillRect b="-7895"/>
+                </a:stretch>
+              </a:blipFill>
+            </p:spPr>
+            <p:txBody>
+              <a:bodyPr/>
+              <a:lstStyle/>
+              <a:p>
+                <a:r>
+                  <a:rPr lang="zh-CN" altLang="en-US">
+                    <a:noFill/>
+                  </a:rPr>
+                  <a:t> </a:t>
+                </a:r>
+              </a:p>
+            </p:txBody>
+          </p:sp>
+        </mc:Fallback>
+      </mc:AlternateContent>
+      <mc:AlternateContent xmlns:mc="http://schemas.openxmlformats.org/markup-compatibility/2006" xmlns:a14="http://schemas.microsoft.com/office/drawing/2010/main">
+        <mc:Choice Requires="a14">
+          <p:sp>
+            <p:nvSpPr>
+              <p:cNvPr id="50" name="TextBox 49"/>
+              <p:cNvSpPr txBox="1"/>
+              <p:nvPr/>
+            </p:nvSpPr>
+            <p:spPr>
+              <a:xfrm>
+                <a:off x="2460734" y="2565610"/>
+                <a:ext cx="2039632" cy="822469"/>
+              </a:xfrm>
+              <a:prstGeom prst="rect">
+                <a:avLst/>
+              </a:prstGeom>
+              <a:noFill/>
+            </p:spPr>
+            <p:txBody>
+              <a:bodyPr wrap="square" rtlCol="0">
+                <a:spAutoFit/>
+              </a:bodyPr>
+              <a:lstStyle/>
+              <a:p>
+                <a:pPr algn="ctr"/>
+                <a14:m>
+                  <m:oMathPara xmlns:m="http://schemas.openxmlformats.org/officeDocument/2006/math">
+                    <m:oMathParaPr>
+                      <m:jc m:val="centerGroup"/>
+                    </m:oMathParaPr>
+                    <m:oMath xmlns:m="http://schemas.openxmlformats.org/officeDocument/2006/math">
+                      <m:sSub>
+                        <m:sSubPr>
+                          <m:ctrlPr>
+                            <a:rPr lang="en-US" altLang="zh-CN" sz="2400" b="0" i="1" smtClean="0">
+                              <a:latin typeface="Cambria Math"/>
+                            </a:rPr>
+                          </m:ctrlPr>
+                        </m:sSubPr>
+                        <m:e>
+                          <m:r>
+                            <a:rPr lang="en-US" altLang="zh-CN" sz="2400" b="0" i="1" smtClean="0">
+                              <a:latin typeface="Cambria Math"/>
+                            </a:rPr>
+                            <m:t>𝑚</m:t>
+                          </m:r>
+                        </m:e>
+                        <m:sub>
+                          <m:r>
+                            <a:rPr lang="en-US" altLang="zh-CN" sz="2400" b="0" i="1" smtClean="0">
+                              <a:latin typeface="Cambria Math"/>
+                            </a:rPr>
+                            <m:t>3</m:t>
+                          </m:r>
+                        </m:sub>
+                      </m:sSub>
+                      <m:r>
+                        <a:rPr lang="en-US" altLang="zh-CN" sz="2400" b="0" i="1" smtClean="0">
+                          <a:latin typeface="Cambria Math"/>
+                          <a:ea typeface="Cambria Math"/>
+                        </a:rPr>
+                        <m:t>∼</m:t>
+                      </m:r>
+                      <m:sSub>
+                        <m:sSubPr>
+                          <m:ctrlPr>
+                            <a:rPr lang="en-US" altLang="zh-CN" sz="2400" b="0" i="1" smtClean="0">
+                              <a:latin typeface="Cambria Math"/>
+                            </a:rPr>
+                          </m:ctrlPr>
+                        </m:sSubPr>
+                        <m:e>
+                          <m:r>
+                            <a:rPr lang="en-US" altLang="zh-CN" sz="2400" b="0" i="1" smtClean="0">
+                              <a:latin typeface="Cambria Math"/>
+                            </a:rPr>
+                            <m:t>𝑁</m:t>
+                          </m:r>
+                        </m:e>
+                        <m:sub>
+                          <m:r>
+                            <a:rPr lang="en-US" altLang="zh-CN" sz="2400" b="0" i="1" smtClean="0">
+                              <a:latin typeface="Cambria Math"/>
+                            </a:rPr>
+                            <m:t>3</m:t>
+                          </m:r>
+                        </m:sub>
+                      </m:sSub>
+                      <m:d>
+                        <m:dPr>
+                          <m:ctrlPr>
+                            <a:rPr lang="en-US" altLang="zh-CN" sz="2400" b="0" i="1" smtClean="0">
+                              <a:latin typeface="Cambria Math"/>
+                            </a:rPr>
+                          </m:ctrlPr>
+                        </m:dPr>
+                        <m:e>
+                          <m:sSub>
+                            <m:sSubPr>
+                              <m:ctrlPr>
+                                <a:rPr lang="en-US" altLang="zh-CN" sz="2400" b="0" i="1" smtClean="0">
+                                  <a:latin typeface="Cambria Math"/>
+                                </a:rPr>
+                              </m:ctrlPr>
+                            </m:sSubPr>
+                            <m:e>
+                              <m:r>
+                                <a:rPr lang="zh-CN" altLang="en-US" sz="2400" b="0" i="1" smtClean="0">
+                                  <a:latin typeface="Cambria Math"/>
+                                </a:rPr>
+                                <m:t>𝜇</m:t>
+                              </m:r>
+                            </m:e>
+                            <m:sub>
+                              <m:r>
+                                <a:rPr lang="en-US" altLang="zh-CN" sz="2400" b="0" i="1" smtClean="0">
+                                  <a:latin typeface="Cambria Math"/>
+                                </a:rPr>
+                                <m:t>3</m:t>
+                              </m:r>
+                            </m:sub>
+                          </m:sSub>
+                          <m:r>
+                            <a:rPr lang="en-US" altLang="zh-CN" sz="2400" b="0" i="1" smtClean="0">
+                              <a:latin typeface="Cambria Math"/>
+                            </a:rPr>
+                            <m:t>,</m:t>
+                          </m:r>
+                          <m:sSub>
+                            <m:sSubPr>
+                              <m:ctrlPr>
+                                <a:rPr lang="en-US" altLang="zh-CN" sz="2400" b="0" i="1" smtClean="0">
+                                  <a:latin typeface="Cambria Math"/>
+                                </a:rPr>
+                              </m:ctrlPr>
+                            </m:sSubPr>
+                            <m:e>
+                              <m:r>
+                                <m:rPr>
+                                  <m:sty m:val="p"/>
+                                </m:rPr>
+                                <a:rPr lang="el-GR" altLang="zh-CN" sz="2400" b="0" i="1" smtClean="0">
+                                  <a:latin typeface="Cambria Math"/>
+                                  <a:ea typeface="Cambria Math"/>
+                                </a:rPr>
+                                <m:t>Σ</m:t>
+                              </m:r>
+                            </m:e>
+                            <m:sub>
+                              <m:r>
+                                <a:rPr lang="en-US" altLang="zh-CN" sz="2400" b="0" i="1" smtClean="0">
+                                  <a:latin typeface="Cambria Math"/>
+                                </a:rPr>
+                                <m:t>3</m:t>
+                              </m:r>
+                            </m:sub>
+                          </m:sSub>
+                        </m:e>
+                      </m:d>
+                    </m:oMath>
+                  </m:oMathPara>
+                </a14:m>
+                <a:endParaRPr lang="zh-CN" altLang="en-US" sz="2400" dirty="0"/>
+              </a:p>
+            </p:txBody>
+          </p:sp>
+        </mc:Choice>
+        <mc:Fallback xmlns="">
+          <p:sp>
+            <p:nvSpPr>
+              <p:cNvPr id="50" name="TextBox 49"/>
+              <p:cNvSpPr txBox="1">
+                <a:spLocks noRot="1" noChangeAspect="1" noMove="1" noResize="1" noEditPoints="1" noAdjustHandles="1" noChangeArrowheads="1" noChangeShapeType="1" noTextEdit="1"/>
+              </p:cNvSpPr>
+              <p:nvPr/>
+            </p:nvSpPr>
+            <p:spPr>
+              <a:xfrm>
+                <a:off x="2460734" y="2565610"/>
+                <a:ext cx="2039632" cy="822469"/>
+              </a:xfrm>
+              <a:prstGeom prst="rect">
+                <a:avLst/>
+              </a:prstGeom>
+              <a:blipFill rotWithShape="1">
+                <a:blip r:embed="rId8"/>
+                <a:stretch>
+                  <a:fillRect b="-4444"/>
+                </a:stretch>
+              </a:blipFill>
+            </p:spPr>
+            <p:txBody>
+              <a:bodyPr/>
+              <a:lstStyle/>
+              <a:p>
+                <a:r>
+                  <a:rPr lang="zh-CN" altLang="en-US">
+                    <a:noFill/>
+                  </a:rPr>
+                  <a:t> </a:t>
+                </a:r>
+              </a:p>
+            </p:txBody>
+          </p:sp>
+        </mc:Fallback>
+      </mc:AlternateContent>
+      <p:cxnSp>
+        <p:nvCxnSpPr>
+          <p:cNvPr id="51" name="直接箭头连接符 50"/>
+          <p:cNvCxnSpPr/>
+          <p:nvPr/>
+        </p:nvCxnSpPr>
+        <p:spPr>
+          <a:xfrm flipV="1">
+            <a:off x="5266200" y="1031664"/>
+            <a:ext cx="3122224" cy="1686756"/>
+          </a:xfrm>
+          <a:prstGeom prst="straightConnector1">
+            <a:avLst/>
+          </a:prstGeom>
+          <a:ln w="28575">
+            <a:solidFill>
+              <a:srgbClr val="FF0000"/>
+            </a:solidFill>
+            <a:prstDash val="dash"/>
+            <a:tailEnd type="arrow"/>
+          </a:ln>
+        </p:spPr>
+        <p:style>
+          <a:lnRef idx="1">
+            <a:schemeClr val="accent1"/>
+          </a:lnRef>
+          <a:fillRef idx="0">
+            <a:schemeClr val="accent1"/>
+          </a:fillRef>
+          <a:effectRef idx="0">
+            <a:schemeClr val="accent1"/>
+          </a:effectRef>
+          <a:fontRef idx="minor">
+            <a:schemeClr val="tx1"/>
+          </a:fontRef>
+        </p:style>
+      </p:cxnSp>
+      <p:sp>
+        <p:nvSpPr>
+          <p:cNvPr id="54" name="TextBox 53"/>
+          <p:cNvSpPr txBox="1"/>
+          <p:nvPr/>
+        </p:nvSpPr>
+        <p:spPr>
+          <a:xfrm>
+            <a:off x="7739276" y="436436"/>
+            <a:ext cx="1051584" cy="523220"/>
+          </a:xfrm>
+          <a:prstGeom prst="rect">
+            <a:avLst/>
+          </a:prstGeom>
+          <a:noFill/>
+        </p:spPr>
+        <p:txBody>
+          <a:bodyPr wrap="square" rtlCol="0">
+            <a:spAutoFit/>
+          </a:bodyPr>
+          <a:lstStyle/>
+          <a:p>
+            <a:pPr algn="ctr"/>
+            <a:r>
+              <a:rPr lang="en-US" altLang="zh-CN" sz="2800" b="1" dirty="0" smtClean="0">
+                <a:solidFill>
+                  <a:srgbClr val="FF0000"/>
+                </a:solidFill>
+              </a:rPr>
+              <a:t>W</a:t>
+            </a:r>
+            <a:r>
+              <a:rPr lang="en-US" altLang="zh-CN" sz="2800" b="1" baseline="-25000" dirty="0" smtClean="0">
+                <a:solidFill>
+                  <a:srgbClr val="FF0000"/>
+                </a:solidFill>
+              </a:rPr>
+              <a:t>FA</a:t>
+            </a:r>
+            <a:endParaRPr lang="zh-CN" altLang="en-US" sz="2800" b="1" baseline="-25000" dirty="0">
+              <a:solidFill>
+                <a:srgbClr val="FF0000"/>
+              </a:solidFill>
+            </a:endParaRPr>
+          </a:p>
+        </p:txBody>
+      </p:sp>
+    </p:spTree>
+    <p:extLst>
+      <p:ext uri="{BB962C8B-B14F-4D97-AF65-F5344CB8AC3E}">
+        <p14:creationId xmlns:p14="http://schemas.microsoft.com/office/powerpoint/2010/main" val="2916860516"/>
+      </p:ext>
+    </p:extLst>
+  </p:cSld>
+  <p:clrMapOvr>
+    <a:masterClrMapping/>
+  </p:clrMapOvr>
+</p:sld>
+</file>
+
+<file path=ppt/slides/slide5.xml><?xml version="1.0" encoding="utf-8"?>
+<p:sld xmlns:a="http://schemas.openxmlformats.org/drawingml/2006/main" xmlns:r="http://schemas.openxmlformats.org/officeDocument/2006/relationships" xmlns:p="http://schemas.openxmlformats.org/presentationml/2006/main">
+  <p:cSld>
+    <p:spTree>
+      <p:nvGrpSpPr>
+        <p:cNvPr id="1" name=""/>
+        <p:cNvGrpSpPr/>
+        <p:nvPr/>
+      </p:nvGrpSpPr>
+      <p:grpSpPr>
+        <a:xfrm>
+          <a:off x="0" y="0"/>
+          <a:ext cx="0" cy="0"/>
+          <a:chOff x="0" y="0"/>
+          <a:chExt cx="0" cy="0"/>
+        </a:xfrm>
+      </p:grpSpPr>
+      <p:sp>
+        <p:nvSpPr>
+          <p:cNvPr id="4" name="矩形 3"/>
+          <p:cNvSpPr/>
+          <p:nvPr/>
+        </p:nvSpPr>
+        <p:spPr>
+          <a:xfrm>
+            <a:off x="170886" y="249158"/>
+            <a:ext cx="4329479" cy="3240360"/>
+          </a:xfrm>
+          <a:prstGeom prst="rect">
+            <a:avLst/>
+          </a:prstGeom>
+          <a:noFill/>
+          <a:ln>
+            <a:solidFill>
+              <a:schemeClr val="tx1">
+                <a:lumMod val="50000"/>
+                <a:lumOff val="50000"/>
+              </a:schemeClr>
+            </a:solidFill>
+            <a:prstDash val="dash"/>
+          </a:ln>
+        </p:spPr>
+        <p:style>
+          <a:lnRef idx="2">
+            <a:schemeClr val="accent1">
+              <a:shade val="50000"/>
+            </a:schemeClr>
+          </a:lnRef>
+          <a:fillRef idx="1">
+            <a:schemeClr val="accent1"/>
+          </a:fillRef>
+          <a:effectRef idx="0">
+            <a:schemeClr val="accent1"/>
+          </a:effectRef>
+          <a:fontRef idx="minor">
+            <a:schemeClr val="lt1"/>
+          </a:fontRef>
+        </p:style>
+        <p:txBody>
+          <a:bodyPr rtlCol="0" anchor="ctr"/>
+          <a:lstStyle/>
+          <a:p>
+            <a:pPr algn="ctr"/>
+            <a:endParaRPr lang="zh-CN" altLang="en-US"/>
+          </a:p>
+        </p:txBody>
+      </p:sp>
+      <p:sp>
+        <p:nvSpPr>
+          <p:cNvPr id="5" name="椭圆 4"/>
+          <p:cNvSpPr/>
+          <p:nvPr/>
+        </p:nvSpPr>
+        <p:spPr>
+          <a:xfrm>
+            <a:off x="1719058" y="897230"/>
+            <a:ext cx="2196244" cy="648072"/>
+          </a:xfrm>
+          <a:prstGeom prst="ellipse">
+            <a:avLst/>
+          </a:prstGeom>
+          <a:noFill/>
+          <a:ln w="38100">
+            <a:solidFill>
+              <a:schemeClr val="accent1"/>
+            </a:solidFill>
+          </a:ln>
+        </p:spPr>
+        <p:style>
+          <a:lnRef idx="2">
+            <a:schemeClr val="accent1">
+              <a:shade val="50000"/>
+            </a:schemeClr>
+          </a:lnRef>
+          <a:fillRef idx="1">
+            <a:schemeClr val="accent1"/>
+          </a:fillRef>
+          <a:effectRef idx="0">
+            <a:schemeClr val="accent1"/>
+          </a:effectRef>
+          <a:fontRef idx="minor">
+            <a:schemeClr val="lt1"/>
+          </a:fontRef>
+        </p:style>
+        <p:txBody>
+          <a:bodyPr rtlCol="0" anchor="ctr"/>
+          <a:lstStyle/>
+          <a:p>
+            <a:pPr algn="ctr"/>
+            <a:endParaRPr lang="zh-CN" altLang="en-US"/>
+          </a:p>
+        </p:txBody>
+      </p:sp>
+      <p:sp>
+        <p:nvSpPr>
+          <p:cNvPr id="6" name="椭圆 5"/>
+          <p:cNvSpPr/>
+          <p:nvPr/>
+        </p:nvSpPr>
+        <p:spPr>
+          <a:xfrm>
+            <a:off x="2745172" y="1149258"/>
+            <a:ext cx="144016" cy="144016"/>
+          </a:xfrm>
+          <a:prstGeom prst="ellipse">
+            <a:avLst/>
+          </a:prstGeom>
+        </p:spPr>
+        <p:style>
+          <a:lnRef idx="2">
+            <a:schemeClr val="accent1">
+              <a:shade val="50000"/>
+            </a:schemeClr>
+          </a:lnRef>
+          <a:fillRef idx="1">
+            <a:schemeClr val="accent1"/>
+          </a:fillRef>
+          <a:effectRef idx="0">
+            <a:schemeClr val="accent1"/>
+          </a:effectRef>
+          <a:fontRef idx="minor">
+            <a:schemeClr val="lt1"/>
+          </a:fontRef>
+        </p:style>
+        <p:txBody>
+          <a:bodyPr rtlCol="0" anchor="ctr"/>
+          <a:lstStyle/>
+          <a:p>
+            <a:pPr algn="ctr"/>
+            <a:endParaRPr lang="zh-CN" altLang="en-US"/>
+          </a:p>
+        </p:txBody>
+      </p:sp>
+      <p:sp>
+        <p:nvSpPr>
+          <p:cNvPr id="8" name="椭圆 7"/>
+          <p:cNvSpPr/>
+          <p:nvPr/>
+        </p:nvSpPr>
+        <p:spPr>
+          <a:xfrm rot="2509063">
+            <a:off x="184193" y="1737489"/>
+            <a:ext cx="2763690" cy="636780"/>
+          </a:xfrm>
+          <a:prstGeom prst="ellipse">
+            <a:avLst/>
+          </a:prstGeom>
+          <a:noFill/>
+          <a:ln w="38100">
+            <a:solidFill>
+              <a:schemeClr val="accent1"/>
+            </a:solidFill>
+          </a:ln>
+        </p:spPr>
+        <p:style>
+          <a:lnRef idx="2">
+            <a:schemeClr val="accent1">
+              <a:shade val="50000"/>
+            </a:schemeClr>
+          </a:lnRef>
+          <a:fillRef idx="1">
+            <a:schemeClr val="accent1"/>
+          </a:fillRef>
+          <a:effectRef idx="0">
+            <a:schemeClr val="accent1"/>
+          </a:effectRef>
+          <a:fontRef idx="minor">
+            <a:schemeClr val="lt1"/>
+          </a:fontRef>
+        </p:style>
+        <p:txBody>
+          <a:bodyPr rtlCol="0" anchor="ctr"/>
+          <a:lstStyle/>
+          <a:p>
+            <a:pPr algn="ctr"/>
+            <a:endParaRPr lang="zh-CN" altLang="en-US"/>
+          </a:p>
+        </p:txBody>
+      </p:sp>
+      <p:sp>
+        <p:nvSpPr>
+          <p:cNvPr id="9" name="椭圆 8"/>
+          <p:cNvSpPr/>
+          <p:nvPr/>
+        </p:nvSpPr>
+        <p:spPr>
+          <a:xfrm>
+            <a:off x="1494030" y="1983871"/>
+            <a:ext cx="144016" cy="144016"/>
+          </a:xfrm>
+          <a:prstGeom prst="ellipse">
+            <a:avLst/>
+          </a:prstGeom>
+        </p:spPr>
+        <p:style>
+          <a:lnRef idx="2">
+            <a:schemeClr val="accent1">
+              <a:shade val="50000"/>
+            </a:schemeClr>
+          </a:lnRef>
+          <a:fillRef idx="1">
+            <a:schemeClr val="accent1"/>
+          </a:fillRef>
+          <a:effectRef idx="0">
+            <a:schemeClr val="accent1"/>
+          </a:effectRef>
+          <a:fontRef idx="minor">
+            <a:schemeClr val="lt1"/>
+          </a:fontRef>
+        </p:style>
+        <p:txBody>
+          <a:bodyPr rtlCol="0" anchor="ctr"/>
+          <a:lstStyle/>
+          <a:p>
+            <a:pPr algn="ctr"/>
+            <a:endParaRPr lang="zh-CN" altLang="en-US"/>
+          </a:p>
+        </p:txBody>
+      </p:sp>
+      <p:sp>
+        <p:nvSpPr>
+          <p:cNvPr id="11" name="椭圆 10"/>
+          <p:cNvSpPr/>
+          <p:nvPr/>
+        </p:nvSpPr>
+        <p:spPr>
+          <a:xfrm rot="18015750">
+            <a:off x="2999665" y="1622710"/>
+            <a:ext cx="961770" cy="1362580"/>
+          </a:xfrm>
+          <a:prstGeom prst="ellipse">
+            <a:avLst/>
+          </a:prstGeom>
+          <a:noFill/>
+          <a:ln w="38100">
+            <a:solidFill>
+              <a:schemeClr val="accent1"/>
+            </a:solidFill>
+          </a:ln>
+        </p:spPr>
+        <p:style>
+          <a:lnRef idx="2">
+            <a:schemeClr val="accent1">
+              <a:shade val="50000"/>
+            </a:schemeClr>
+          </a:lnRef>
+          <a:fillRef idx="1">
+            <a:schemeClr val="accent1"/>
+          </a:fillRef>
+          <a:effectRef idx="0">
+            <a:schemeClr val="accent1"/>
+          </a:effectRef>
+          <a:fontRef idx="minor">
+            <a:schemeClr val="lt1"/>
+          </a:fontRef>
+        </p:style>
+        <p:txBody>
+          <a:bodyPr rtlCol="0" anchor="ctr"/>
+          <a:lstStyle/>
+          <a:p>
+            <a:pPr algn="ctr"/>
+            <a:endParaRPr lang="zh-CN" altLang="en-US"/>
+          </a:p>
+        </p:txBody>
+      </p:sp>
+      <p:sp>
+        <p:nvSpPr>
+          <p:cNvPr id="12" name="椭圆 11"/>
+          <p:cNvSpPr/>
+          <p:nvPr/>
+        </p:nvSpPr>
+        <p:spPr>
+          <a:xfrm>
+            <a:off x="3408542" y="2231992"/>
+            <a:ext cx="144016" cy="144016"/>
+          </a:xfrm>
+          <a:prstGeom prst="ellipse">
+            <a:avLst/>
+          </a:prstGeom>
+        </p:spPr>
+        <p:style>
+          <a:lnRef idx="2">
+            <a:schemeClr val="accent1">
+              <a:shade val="50000"/>
+            </a:schemeClr>
+          </a:lnRef>
+          <a:fillRef idx="1">
+            <a:schemeClr val="accent1"/>
+          </a:fillRef>
+          <a:effectRef idx="0">
+            <a:schemeClr val="accent1"/>
+          </a:effectRef>
+          <a:fontRef idx="minor">
+            <a:schemeClr val="lt1"/>
+          </a:fontRef>
+        </p:style>
+        <p:txBody>
+          <a:bodyPr rtlCol="0" anchor="ctr"/>
+          <a:lstStyle/>
+          <a:p>
+            <a:pPr algn="ctr"/>
+            <a:endParaRPr lang="zh-CN" altLang="en-US"/>
+          </a:p>
+        </p:txBody>
+      </p:sp>
+      <p:sp>
+        <p:nvSpPr>
+          <p:cNvPr id="26" name="矩形 25"/>
+          <p:cNvSpPr/>
+          <p:nvPr/>
+        </p:nvSpPr>
+        <p:spPr>
+          <a:xfrm>
+            <a:off x="4644008" y="249158"/>
+            <a:ext cx="4329479" cy="3240360"/>
+          </a:xfrm>
+          <a:prstGeom prst="rect">
+            <a:avLst/>
+          </a:prstGeom>
+          <a:noFill/>
+          <a:ln>
+            <a:solidFill>
+              <a:schemeClr val="tx1">
+                <a:lumMod val="50000"/>
+                <a:lumOff val="50000"/>
+              </a:schemeClr>
+            </a:solidFill>
+            <a:prstDash val="dash"/>
+          </a:ln>
+        </p:spPr>
+        <p:style>
+          <a:lnRef idx="2">
+            <a:schemeClr val="accent1">
+              <a:shade val="50000"/>
+            </a:schemeClr>
+          </a:lnRef>
+          <a:fillRef idx="1">
+            <a:schemeClr val="accent1"/>
+          </a:fillRef>
+          <a:effectRef idx="0">
+            <a:schemeClr val="accent1"/>
+          </a:effectRef>
+          <a:fontRef idx="minor">
+            <a:schemeClr val="lt1"/>
+          </a:fontRef>
+        </p:style>
+        <p:txBody>
+          <a:bodyPr rtlCol="0" anchor="ctr"/>
+          <a:lstStyle/>
+          <a:p>
+            <a:pPr algn="ctr"/>
+            <a:endParaRPr lang="zh-CN" altLang="en-US"/>
+          </a:p>
+        </p:txBody>
+      </p:sp>
+      <p:sp>
+        <p:nvSpPr>
+          <p:cNvPr id="36" name="椭圆 35"/>
+          <p:cNvSpPr/>
+          <p:nvPr/>
+        </p:nvSpPr>
+        <p:spPr>
+          <a:xfrm rot="1888650">
+            <a:off x="5768122" y="435565"/>
+            <a:ext cx="2250120" cy="2852024"/>
+          </a:xfrm>
+          <a:prstGeom prst="ellipse">
+            <a:avLst/>
+          </a:prstGeom>
+          <a:noFill/>
+          <a:ln w="38100">
+            <a:solidFill>
+              <a:schemeClr val="accent1"/>
+            </a:solidFill>
+          </a:ln>
+        </p:spPr>
+        <p:style>
+          <a:lnRef idx="2">
+            <a:schemeClr val="accent1">
+              <a:shade val="50000"/>
+            </a:schemeClr>
+          </a:lnRef>
+          <a:fillRef idx="1">
+            <a:schemeClr val="accent1"/>
+          </a:fillRef>
+          <a:effectRef idx="0">
+            <a:schemeClr val="accent1"/>
+          </a:effectRef>
+          <a:fontRef idx="minor">
+            <a:schemeClr val="lt1"/>
+          </a:fontRef>
+        </p:style>
+        <p:txBody>
+          <a:bodyPr rtlCol="0" anchor="ctr"/>
+          <a:lstStyle/>
+          <a:p>
+            <a:pPr algn="ctr"/>
+            <a:endParaRPr lang="zh-CN" altLang="en-US"/>
+          </a:p>
+        </p:txBody>
+      </p:sp>
+      <p:sp>
+        <p:nvSpPr>
+          <p:cNvPr id="37" name="椭圆 36"/>
+          <p:cNvSpPr/>
+          <p:nvPr/>
+        </p:nvSpPr>
+        <p:spPr>
+          <a:xfrm>
+            <a:off x="6821174" y="1789569"/>
+            <a:ext cx="144016" cy="144016"/>
+          </a:xfrm>
+          <a:prstGeom prst="ellipse">
+            <a:avLst/>
+          </a:prstGeom>
+        </p:spPr>
+        <p:style>
+          <a:lnRef idx="2">
+            <a:schemeClr val="accent1">
+              <a:shade val="50000"/>
+            </a:schemeClr>
+          </a:lnRef>
+          <a:fillRef idx="1">
+            <a:schemeClr val="accent1"/>
+          </a:fillRef>
+          <a:effectRef idx="0">
+            <a:schemeClr val="accent1"/>
+          </a:effectRef>
+          <a:fontRef idx="minor">
+            <a:schemeClr val="lt1"/>
+          </a:fontRef>
+        </p:style>
+        <p:txBody>
+          <a:bodyPr rtlCol="0" anchor="ctr"/>
+          <a:lstStyle/>
+          <a:p>
+            <a:pPr algn="ctr"/>
+            <a:endParaRPr lang="zh-CN" altLang="en-US"/>
+          </a:p>
+        </p:txBody>
+      </p:sp>
+      <mc:AlternateContent xmlns:mc="http://schemas.openxmlformats.org/markup-compatibility/2006" xmlns:a14="http://schemas.microsoft.com/office/drawing/2010/main">
+        <mc:Choice Requires="a14">
+          <p:sp>
+            <p:nvSpPr>
+              <p:cNvPr id="38" name="TextBox 37"/>
+              <p:cNvSpPr txBox="1"/>
+              <p:nvPr/>
+            </p:nvSpPr>
+            <p:spPr>
+              <a:xfrm>
+                <a:off x="170885" y="3933056"/>
+                <a:ext cx="8802601" cy="2831288"/>
+              </a:xfrm>
+              <a:prstGeom prst="rect">
+                <a:avLst/>
+              </a:prstGeom>
+              <a:noFill/>
+            </p:spPr>
+            <p:txBody>
+              <a:bodyPr wrap="square" rtlCol="0">
+                <a:spAutoFit/>
+              </a:bodyPr>
+              <a:lstStyle/>
+              <a:p>
+                <a:pPr algn="ctr"/>
+                <a:r>
+                  <a:rPr lang="zh-TW" altLang="en-US" sz="2800" b="1" dirty="0" smtClean="0"/>
+                  <a:t>其中 </a:t>
+                </a:r>
+                <a14:m>
+                  <m:oMath xmlns:m="http://schemas.openxmlformats.org/officeDocument/2006/math">
+                    <m:r>
+                      <a:rPr lang="zh-CN" altLang="en-US" sz="2800" b="1" i="1" smtClean="0">
+                        <a:latin typeface="Cambria Math"/>
+                      </a:rPr>
+                      <m:t>𝝁</m:t>
+                    </m:r>
+                    <m:r>
+                      <a:rPr lang="en-US" altLang="zh-CN" sz="2800" b="1" i="1" smtClean="0">
+                        <a:latin typeface="Cambria Math"/>
+                      </a:rPr>
+                      <m:t>=</m:t>
+                    </m:r>
+                    <m:d>
+                      <m:dPr>
+                        <m:begChr m:val="["/>
+                        <m:endChr m:val="]"/>
+                        <m:ctrlPr>
+                          <a:rPr lang="en-US" altLang="zh-CN" sz="2800" b="1" i="1" smtClean="0">
+                            <a:latin typeface="Cambria Math"/>
+                          </a:rPr>
+                        </m:ctrlPr>
+                      </m:dPr>
+                      <m:e>
+                        <m:m>
+                          <m:mPr>
+                            <m:mcs>
+                              <m:mc>
+                                <m:mcPr>
+                                  <m:count m:val="1"/>
+                                  <m:mcJc m:val="center"/>
+                                </m:mcPr>
+                              </m:mc>
+                            </m:mcs>
+                            <m:ctrlPr>
+                              <a:rPr lang="en-US" altLang="zh-CN" sz="2800" b="1" i="1" smtClean="0">
+                                <a:latin typeface="Cambria Math"/>
+                              </a:rPr>
+                            </m:ctrlPr>
+                          </m:mPr>
+                          <m:mr>
+                            <m:e>
+                              <m:sSub>
+                                <m:sSubPr>
+                                  <m:ctrlPr>
+                                    <a:rPr lang="en-US" altLang="zh-CN" sz="2800" i="1">
+                                      <a:latin typeface="Cambria Math"/>
+                                    </a:rPr>
+                                  </m:ctrlPr>
+                                </m:sSubPr>
+                                <m:e>
+                                  <m:r>
+                                    <a:rPr lang="zh-CN" altLang="en-US" sz="2800" i="1">
+                                      <a:latin typeface="Cambria Math"/>
+                                    </a:rPr>
+                                    <m:t>𝜇</m:t>
+                                  </m:r>
+                                </m:e>
+                                <m:sub>
+                                  <m:r>
+                                    <a:rPr lang="en-US" altLang="zh-CN" sz="2800" i="1">
+                                      <a:latin typeface="Cambria Math"/>
+                                    </a:rPr>
+                                    <m:t>1</m:t>
+                                  </m:r>
+                                </m:sub>
+                              </m:sSub>
+                            </m:e>
+                          </m:mr>
+                          <m:mr>
+                            <m:e>
+                              <m:sSub>
+                                <m:sSubPr>
+                                  <m:ctrlPr>
+                                    <a:rPr lang="en-US" altLang="zh-CN" sz="2800" i="1">
+                                      <a:latin typeface="Cambria Math"/>
+                                    </a:rPr>
+                                  </m:ctrlPr>
+                                </m:sSubPr>
+                                <m:e>
+                                  <m:r>
+                                    <a:rPr lang="zh-CN" altLang="en-US" sz="2800" i="1">
+                                      <a:latin typeface="Cambria Math"/>
+                                    </a:rPr>
+                                    <m:t>𝜇</m:t>
+                                  </m:r>
+                                </m:e>
+                                <m:sub>
+                                  <m:r>
+                                    <a:rPr lang="en-US" altLang="zh-CN" sz="2800" b="0" i="1" smtClean="0">
+                                      <a:latin typeface="Cambria Math"/>
+                                    </a:rPr>
+                                    <m:t>2</m:t>
+                                  </m:r>
+                                </m:sub>
+                              </m:sSub>
+                            </m:e>
+                          </m:mr>
+                          <m:mr>
+                            <m:e>
+                              <m:sSub>
+                                <m:sSubPr>
+                                  <m:ctrlPr>
+                                    <a:rPr lang="en-US" altLang="zh-CN" sz="2800" i="1">
+                                      <a:latin typeface="Cambria Math"/>
+                                    </a:rPr>
+                                  </m:ctrlPr>
+                                </m:sSubPr>
+                                <m:e>
+                                  <m:r>
+                                    <a:rPr lang="zh-CN" altLang="en-US" sz="2800" i="1">
+                                      <a:latin typeface="Cambria Math"/>
+                                    </a:rPr>
+                                    <m:t>𝜇</m:t>
+                                  </m:r>
+                                </m:e>
+                                <m:sub>
+                                  <m:r>
+                                    <a:rPr lang="en-US" altLang="zh-CN" sz="2800" b="0" i="1" smtClean="0">
+                                      <a:latin typeface="Cambria Math"/>
+                                    </a:rPr>
+                                    <m:t>3</m:t>
+                                  </m:r>
+                                </m:sub>
+                              </m:sSub>
+                            </m:e>
+                          </m:mr>
+                        </m:m>
+                      </m:e>
+                    </m:d>
+                    <m:r>
+                      <a:rPr lang="en-US" altLang="zh-CN" sz="2800" b="1" i="1" smtClean="0">
+                        <a:latin typeface="Cambria Math"/>
+                      </a:rPr>
+                      <m:t>,</m:t>
+                    </m:r>
+                    <m:r>
+                      <a:rPr lang="el-GR" altLang="zh-CN" sz="2800" b="1" i="1">
+                        <a:latin typeface="Cambria Math"/>
+                        <a:ea typeface="Cambria Math"/>
+                      </a:rPr>
+                      <m:t>𝜮</m:t>
+                    </m:r>
+                    <m:r>
+                      <a:rPr lang="en-US" altLang="zh-CN" sz="2800" b="1" i="1" smtClean="0">
+                        <a:latin typeface="Cambria Math"/>
+                        <a:ea typeface="Cambria Math"/>
+                      </a:rPr>
+                      <m:t>=</m:t>
+                    </m:r>
+                    <m:d>
+                      <m:dPr>
+                        <m:begChr m:val="["/>
+                        <m:endChr m:val="]"/>
+                        <m:ctrlPr>
+                          <a:rPr lang="en-US" altLang="zh-CN" sz="2800" b="1" i="1" smtClean="0">
+                            <a:latin typeface="Cambria Math"/>
+                            <a:ea typeface="Cambria Math"/>
+                          </a:rPr>
+                        </m:ctrlPr>
+                      </m:dPr>
+                      <m:e>
+                        <m:m>
+                          <m:mPr>
+                            <m:mcs>
+                              <m:mc>
+                                <m:mcPr>
+                                  <m:count m:val="3"/>
+                                  <m:mcJc m:val="center"/>
+                                </m:mcPr>
+                              </m:mc>
+                            </m:mcs>
+                            <m:ctrlPr>
+                              <a:rPr lang="en-US" altLang="zh-CN" sz="2800" i="1" smtClean="0">
+                                <a:latin typeface="Cambria Math"/>
+                                <a:ea typeface="Cambria Math"/>
+                              </a:rPr>
+                            </m:ctrlPr>
+                          </m:mPr>
+                          <m:mr>
+                            <m:e>
+                              <m:sSub>
+                                <m:sSubPr>
+                                  <m:ctrlPr>
+                                    <a:rPr lang="en-US" altLang="zh-CN" sz="2800" i="1">
+                                      <a:latin typeface="Cambria Math"/>
+                                    </a:rPr>
+                                  </m:ctrlPr>
+                                </m:sSubPr>
+                                <m:e>
+                                  <m:r>
+                                    <a:rPr lang="el-GR" altLang="zh-CN" sz="2800" b="0" i="1">
+                                      <a:latin typeface="Cambria Math"/>
+                                      <a:ea typeface="Cambria Math"/>
+                                    </a:rPr>
+                                    <m:t>𝛴</m:t>
+                                  </m:r>
+                                </m:e>
+                                <m:sub>
+                                  <m:r>
+                                    <a:rPr lang="en-US" altLang="zh-CN" sz="2800" b="0" i="1">
+                                      <a:latin typeface="Cambria Math"/>
+                                    </a:rPr>
+                                    <m:t>1</m:t>
+                                  </m:r>
+                                </m:sub>
+                              </m:sSub>
+                            </m:e>
+                            <m:e>
+                              <m:r>
+                                <a:rPr lang="en-US" altLang="zh-CN" sz="2800" b="0" i="1" smtClean="0">
+                                  <a:latin typeface="Cambria Math"/>
+                                  <a:ea typeface="Cambria Math"/>
+                                </a:rPr>
+                                <m:t>0</m:t>
+                              </m:r>
+                            </m:e>
+                            <m:e>
+                              <m:r>
+                                <a:rPr lang="en-US" altLang="zh-CN" sz="2800" b="0" i="1" smtClean="0">
+                                  <a:latin typeface="Cambria Math"/>
+                                  <a:ea typeface="Cambria Math"/>
+                                </a:rPr>
+                                <m:t>0</m:t>
+                              </m:r>
+                            </m:e>
+                          </m:mr>
+                          <m:mr>
+                            <m:e>
+                              <m:r>
+                                <a:rPr lang="en-US" altLang="zh-CN" sz="2800" b="0" i="1" smtClean="0">
+                                  <a:latin typeface="Cambria Math"/>
+                                  <a:ea typeface="Cambria Math"/>
+                                </a:rPr>
+                                <m:t>0</m:t>
+                              </m:r>
+                            </m:e>
+                            <m:e>
+                              <m:sSub>
+                                <m:sSubPr>
+                                  <m:ctrlPr>
+                                    <a:rPr lang="en-US" altLang="zh-CN" sz="2800" i="1">
+                                      <a:latin typeface="Cambria Math"/>
+                                    </a:rPr>
+                                  </m:ctrlPr>
+                                </m:sSubPr>
+                                <m:e>
+                                  <m:r>
+                                    <a:rPr lang="el-GR" altLang="zh-CN" sz="2800" b="0" i="1">
+                                      <a:latin typeface="Cambria Math"/>
+                                      <a:ea typeface="Cambria Math"/>
+                                    </a:rPr>
+                                    <m:t>𝛴</m:t>
+                                  </m:r>
+                                </m:e>
+                                <m:sub>
+                                  <m:r>
+                                    <a:rPr lang="en-US" altLang="zh-CN" sz="2800" b="0" i="1" smtClean="0">
+                                      <a:latin typeface="Cambria Math"/>
+                                    </a:rPr>
+                                    <m:t>2</m:t>
+                                  </m:r>
+                                </m:sub>
+                              </m:sSub>
+                            </m:e>
+                            <m:e>
+                              <m:r>
+                                <a:rPr lang="en-US" altLang="zh-CN" sz="2800" b="0" i="1" smtClean="0">
+                                  <a:latin typeface="Cambria Math"/>
+                                  <a:ea typeface="Cambria Math"/>
+                                </a:rPr>
+                                <m:t>0</m:t>
+                              </m:r>
+                            </m:e>
+                          </m:mr>
+                          <m:mr>
+                            <m:e>
+                              <m:r>
+                                <a:rPr lang="en-US" altLang="zh-CN" sz="2800" b="0" i="1" smtClean="0">
+                                  <a:latin typeface="Cambria Math"/>
+                                  <a:ea typeface="Cambria Math"/>
+                                </a:rPr>
+                                <m:t>0</m:t>
+                              </m:r>
+                            </m:e>
+                            <m:e>
+                              <m:r>
+                                <a:rPr lang="en-US" altLang="zh-CN" sz="2800" b="0" i="1" smtClean="0">
+                                  <a:latin typeface="Cambria Math"/>
+                                  <a:ea typeface="Cambria Math"/>
+                                </a:rPr>
+                                <m:t>0</m:t>
+                              </m:r>
+                            </m:e>
+                            <m:e>
+                              <m:sSub>
+                                <m:sSubPr>
+                                  <m:ctrlPr>
+                                    <a:rPr lang="en-US" altLang="zh-CN" sz="2800" i="1">
+                                      <a:latin typeface="Cambria Math"/>
+                                    </a:rPr>
+                                  </m:ctrlPr>
+                                </m:sSubPr>
+                                <m:e>
+                                  <m:r>
+                                    <a:rPr lang="el-GR" altLang="zh-CN" sz="2800" b="0" i="1">
+                                      <a:latin typeface="Cambria Math"/>
+                                      <a:ea typeface="Cambria Math"/>
+                                    </a:rPr>
+                                    <m:t>𝛴</m:t>
+                                  </m:r>
+                                </m:e>
+                                <m:sub>
+                                  <m:r>
+                                    <a:rPr lang="en-US" altLang="zh-CN" sz="2800" b="0" i="1" smtClean="0">
+                                      <a:latin typeface="Cambria Math"/>
+                                    </a:rPr>
+                                    <m:t>3</m:t>
+                                  </m:r>
+                                </m:sub>
+                              </m:sSub>
+                            </m:e>
+                          </m:mr>
+                        </m:m>
+                      </m:e>
+                    </m:d>
+                  </m:oMath>
+                </a14:m>
+                <a:endParaRPr lang="en-US" altLang="zh-CN" sz="2800" dirty="0" smtClean="0"/>
+              </a:p>
+              <a:p>
+                <a:pPr algn="ctr"/>
+                <a14:m>
+                  <m:oMath xmlns:m="http://schemas.openxmlformats.org/officeDocument/2006/math">
+                    <m:r>
+                      <a:rPr lang="en-US" altLang="zh-CN" sz="2800" b="1" i="1" smtClean="0">
+                        <a:solidFill>
+                          <a:srgbClr val="C00000"/>
+                        </a:solidFill>
+                        <a:latin typeface="Cambria Math"/>
+                      </a:rPr>
+                      <m:t>𝒙</m:t>
+                    </m:r>
+                    <m:r>
+                      <a:rPr lang="en-US" altLang="zh-CN" sz="2800" b="0" i="1" smtClean="0">
+                        <a:latin typeface="Cambria Math"/>
+                      </a:rPr>
+                      <m:t>=</m:t>
+                    </m:r>
+                    <m:d>
+                      <m:dPr>
+                        <m:begChr m:val="["/>
+                        <m:endChr m:val="]"/>
+                        <m:ctrlPr>
+                          <a:rPr lang="en-US" altLang="zh-CN" sz="2800" b="0" i="1" smtClean="0">
+                            <a:latin typeface="Cambria Math"/>
+                          </a:rPr>
+                        </m:ctrlPr>
+                      </m:dPr>
+                      <m:e>
+                        <m:m>
+                          <m:mPr>
+                            <m:mcs>
+                              <m:mc>
+                                <m:mcPr>
+                                  <m:count m:val="1"/>
+                                  <m:mcJc m:val="center"/>
+                                </m:mcPr>
+                              </m:mc>
+                            </m:mcs>
+                            <m:ctrlPr>
+                              <a:rPr lang="en-US" altLang="zh-CN" sz="2800" b="0" i="1" smtClean="0">
+                                <a:solidFill>
+                                  <a:srgbClr val="C00000"/>
+                                </a:solidFill>
+                                <a:latin typeface="Cambria Math"/>
+                              </a:rPr>
+                            </m:ctrlPr>
+                          </m:mPr>
+                          <m:mr>
+                            <m:e>
+                              <m:r>
+                                <m:rPr>
+                                  <m:brk m:alnAt="7"/>
+                                </m:rPr>
+                                <a:rPr lang="en-US" altLang="zh-CN" sz="2800" b="0" i="1" smtClean="0">
+                                  <a:solidFill>
+                                    <a:srgbClr val="C00000"/>
+                                  </a:solidFill>
+                                  <a:latin typeface="Cambria Math"/>
+                                </a:rPr>
+                                <m:t>𝑝</m:t>
+                              </m:r>
+                              <m:d>
+                                <m:dPr>
+                                  <m:ctrlPr>
+                                    <a:rPr lang="en-US" altLang="zh-CN" sz="2800" b="0" i="1" smtClean="0">
+                                      <a:solidFill>
+                                        <a:srgbClr val="C00000"/>
+                                      </a:solidFill>
+                                      <a:latin typeface="Cambria Math"/>
+                                    </a:rPr>
+                                  </m:ctrlPr>
+                                </m:dPr>
+                                <m:e>
+                                  <m:sSub>
+                                    <m:sSubPr>
+                                      <m:ctrlPr>
+                                        <a:rPr lang="en-US" altLang="zh-CN" sz="2800" b="0" i="1" smtClean="0">
+                                          <a:solidFill>
+                                            <a:srgbClr val="C00000"/>
+                                          </a:solidFill>
+                                          <a:latin typeface="Cambria Math"/>
+                                        </a:rPr>
+                                      </m:ctrlPr>
+                                    </m:sSubPr>
+                                    <m:e>
+                                      <m:r>
+                                        <a:rPr lang="en-US" altLang="zh-CN" sz="2800" b="0" i="1" smtClean="0">
+                                          <a:solidFill>
+                                            <a:srgbClr val="C00000"/>
+                                          </a:solidFill>
+                                          <a:latin typeface="Cambria Math"/>
+                                        </a:rPr>
+                                        <m:t>𝑚</m:t>
+                                      </m:r>
+                                    </m:e>
+                                    <m:sub>
+                                      <m:r>
+                                        <a:rPr lang="en-US" altLang="zh-CN" sz="2800" b="0" i="1" smtClean="0">
+                                          <a:solidFill>
+                                            <a:srgbClr val="C00000"/>
+                                          </a:solidFill>
+                                          <a:latin typeface="Cambria Math"/>
+                                        </a:rPr>
+                                        <m:t>1</m:t>
+                                      </m:r>
+                                    </m:sub>
+                                  </m:sSub>
+                                </m:e>
+                                <m:e>
+                                  <m:acc>
+                                    <m:accPr>
+                                      <m:chr m:val="̇"/>
+                                      <m:ctrlPr>
+                                        <a:rPr lang="en-US" altLang="zh-CN" sz="2800" i="1">
+                                          <a:solidFill>
+                                            <a:srgbClr val="C00000"/>
+                                          </a:solidFill>
+                                          <a:latin typeface="Cambria Math"/>
+                                        </a:rPr>
+                                      </m:ctrlPr>
+                                    </m:accPr>
+                                    <m:e>
+                                      <m:r>
+                                        <a:rPr lang="en-US" altLang="zh-CN" sz="2800" i="1">
+                                          <a:solidFill>
+                                            <a:srgbClr val="C00000"/>
+                                          </a:solidFill>
+                                          <a:latin typeface="Cambria Math"/>
+                                        </a:rPr>
+                                        <m:t>𝑥</m:t>
+                                      </m:r>
+                                    </m:e>
+                                  </m:acc>
+                                </m:e>
+                              </m:d>
+                              <m:acc>
+                                <m:accPr>
+                                  <m:chr m:val="̇"/>
+                                  <m:ctrlPr>
+                                    <a:rPr lang="en-US" altLang="zh-CN" sz="2800" i="1" smtClean="0">
+                                      <a:solidFill>
+                                        <a:srgbClr val="C00000"/>
+                                      </a:solidFill>
+                                      <a:latin typeface="Cambria Math"/>
+                                    </a:rPr>
+                                  </m:ctrlPr>
+                                </m:accPr>
+                                <m:e>
+                                  <m:r>
+                                    <a:rPr lang="en-US" altLang="zh-CN" sz="2800" b="0" i="1" smtClean="0">
+                                      <a:solidFill>
+                                        <a:srgbClr val="C00000"/>
+                                      </a:solidFill>
+                                      <a:latin typeface="Cambria Math"/>
+                                    </a:rPr>
+                                    <m:t>𝑥</m:t>
+                                  </m:r>
+                                </m:e>
+                              </m:acc>
+                            </m:e>
+                          </m:mr>
+                          <m:mr>
+                            <m:e>
+                              <m:r>
+                                <a:rPr lang="en-US" altLang="zh-CN" sz="2800" b="0" i="1" smtClean="0">
+                                  <a:solidFill>
+                                    <a:srgbClr val="C00000"/>
+                                  </a:solidFill>
+                                  <a:latin typeface="Cambria Math"/>
+                                </a:rPr>
+                                <m:t>𝑝</m:t>
+                              </m:r>
+                              <m:d>
+                                <m:dPr>
+                                  <m:ctrlPr>
+                                    <a:rPr lang="en-US" altLang="zh-CN" sz="2800" i="1">
+                                      <a:solidFill>
+                                        <a:srgbClr val="C00000"/>
+                                      </a:solidFill>
+                                      <a:latin typeface="Cambria Math"/>
+                                    </a:rPr>
+                                  </m:ctrlPr>
+                                </m:dPr>
+                                <m:e>
+                                  <m:sSub>
+                                    <m:sSubPr>
+                                      <m:ctrlPr>
+                                        <a:rPr lang="en-US" altLang="zh-CN" sz="2800" i="1">
+                                          <a:solidFill>
+                                            <a:srgbClr val="C00000"/>
+                                          </a:solidFill>
+                                          <a:latin typeface="Cambria Math"/>
+                                        </a:rPr>
+                                      </m:ctrlPr>
+                                    </m:sSubPr>
+                                    <m:e>
+                                      <m:r>
+                                        <a:rPr lang="en-US" altLang="zh-CN" sz="2800" i="1">
+                                          <a:solidFill>
+                                            <a:srgbClr val="C00000"/>
+                                          </a:solidFill>
+                                          <a:latin typeface="Cambria Math"/>
+                                        </a:rPr>
+                                        <m:t>𝑚</m:t>
+                                      </m:r>
+                                    </m:e>
+                                    <m:sub>
+                                      <m:r>
+                                        <a:rPr lang="en-US" altLang="zh-CN" sz="2800" b="0" i="1" smtClean="0">
+                                          <a:solidFill>
+                                            <a:srgbClr val="C00000"/>
+                                          </a:solidFill>
+                                          <a:latin typeface="Cambria Math"/>
+                                        </a:rPr>
+                                        <m:t>2</m:t>
+                                      </m:r>
+                                    </m:sub>
+                                  </m:sSub>
+                                </m:e>
+                                <m:e>
+                                  <m:acc>
+                                    <m:accPr>
+                                      <m:chr m:val="̇"/>
+                                      <m:ctrlPr>
+                                        <a:rPr lang="en-US" altLang="zh-CN" sz="2800" i="1">
+                                          <a:solidFill>
+                                            <a:srgbClr val="C00000"/>
+                                          </a:solidFill>
+                                          <a:latin typeface="Cambria Math"/>
+                                        </a:rPr>
+                                      </m:ctrlPr>
+                                    </m:accPr>
+                                    <m:e>
+                                      <m:r>
+                                        <a:rPr lang="en-US" altLang="zh-CN" sz="2800" i="1">
+                                          <a:solidFill>
+                                            <a:srgbClr val="C00000"/>
+                                          </a:solidFill>
+                                          <a:latin typeface="Cambria Math"/>
+                                        </a:rPr>
+                                        <m:t>𝑥</m:t>
+                                      </m:r>
+                                    </m:e>
+                                  </m:acc>
+                                </m:e>
+                              </m:d>
+                              <m:acc>
+                                <m:accPr>
+                                  <m:chr m:val="̇"/>
+                                  <m:ctrlPr>
+                                    <a:rPr lang="en-US" altLang="zh-CN" sz="2800" i="1">
+                                      <a:solidFill>
+                                        <a:srgbClr val="C00000"/>
+                                      </a:solidFill>
+                                      <a:latin typeface="Cambria Math"/>
+                                    </a:rPr>
+                                  </m:ctrlPr>
+                                </m:accPr>
+                                <m:e>
+                                  <m:r>
+                                    <a:rPr lang="en-US" altLang="zh-CN" sz="2800" i="1">
+                                      <a:solidFill>
+                                        <a:srgbClr val="C00000"/>
+                                      </a:solidFill>
+                                      <a:latin typeface="Cambria Math"/>
+                                    </a:rPr>
+                                    <m:t>𝑥</m:t>
+                                  </m:r>
+                                </m:e>
+                              </m:acc>
+                            </m:e>
+                          </m:mr>
+                          <m:mr>
+                            <m:e>
+                              <m:r>
+                                <a:rPr lang="en-US" altLang="zh-CN" sz="2800" b="0" i="1" smtClean="0">
+                                  <a:solidFill>
+                                    <a:srgbClr val="C00000"/>
+                                  </a:solidFill>
+                                  <a:latin typeface="Cambria Math"/>
+                                </a:rPr>
+                                <m:t>𝑝</m:t>
+                              </m:r>
+                              <m:d>
+                                <m:dPr>
+                                  <m:ctrlPr>
+                                    <a:rPr lang="en-US" altLang="zh-CN" sz="2800" i="1">
+                                      <a:solidFill>
+                                        <a:srgbClr val="C00000"/>
+                                      </a:solidFill>
+                                      <a:latin typeface="Cambria Math"/>
+                                    </a:rPr>
+                                  </m:ctrlPr>
+                                </m:dPr>
+                                <m:e>
+                                  <m:sSub>
+                                    <m:sSubPr>
+                                      <m:ctrlPr>
+                                        <a:rPr lang="en-US" altLang="zh-CN" sz="2800" i="1">
+                                          <a:solidFill>
+                                            <a:srgbClr val="C00000"/>
+                                          </a:solidFill>
+                                          <a:latin typeface="Cambria Math"/>
+                                        </a:rPr>
+                                      </m:ctrlPr>
+                                    </m:sSubPr>
+                                    <m:e>
+                                      <m:r>
+                                        <a:rPr lang="en-US" altLang="zh-CN" sz="2800" i="1">
+                                          <a:solidFill>
+                                            <a:srgbClr val="C00000"/>
+                                          </a:solidFill>
+                                          <a:latin typeface="Cambria Math"/>
+                                        </a:rPr>
+                                        <m:t>𝑚</m:t>
+                                      </m:r>
+                                    </m:e>
+                                    <m:sub>
+                                      <m:r>
+                                        <a:rPr lang="en-US" altLang="zh-CN" sz="2800" b="0" i="1" smtClean="0">
+                                          <a:solidFill>
+                                            <a:srgbClr val="C00000"/>
+                                          </a:solidFill>
+                                          <a:latin typeface="Cambria Math"/>
+                                        </a:rPr>
+                                        <m:t>3</m:t>
+                                      </m:r>
+                                    </m:sub>
+                                  </m:sSub>
+                                </m:e>
+                                <m:e>
+                                  <m:acc>
+                                    <m:accPr>
+                                      <m:chr m:val="̇"/>
+                                      <m:ctrlPr>
+                                        <a:rPr lang="en-US" altLang="zh-CN" sz="2800" i="1">
+                                          <a:solidFill>
+                                            <a:srgbClr val="C00000"/>
+                                          </a:solidFill>
+                                          <a:latin typeface="Cambria Math"/>
+                                        </a:rPr>
+                                      </m:ctrlPr>
+                                    </m:accPr>
+                                    <m:e>
+                                      <m:r>
+                                        <a:rPr lang="en-US" altLang="zh-CN" sz="2800" i="1">
+                                          <a:solidFill>
+                                            <a:srgbClr val="C00000"/>
+                                          </a:solidFill>
+                                          <a:latin typeface="Cambria Math"/>
+                                        </a:rPr>
+                                        <m:t>𝑥</m:t>
+                                      </m:r>
+                                    </m:e>
+                                  </m:acc>
+                                </m:e>
+                              </m:d>
+                              <m:acc>
+                                <m:accPr>
+                                  <m:chr m:val="̇"/>
+                                  <m:ctrlPr>
+                                    <a:rPr lang="en-US" altLang="zh-CN" sz="2800" i="1">
+                                      <a:solidFill>
+                                        <a:srgbClr val="C00000"/>
+                                      </a:solidFill>
+                                      <a:latin typeface="Cambria Math"/>
+                                    </a:rPr>
+                                  </m:ctrlPr>
+                                </m:accPr>
+                                <m:e>
+                                  <m:r>
+                                    <a:rPr lang="en-US" altLang="zh-CN" sz="2800" i="1">
+                                      <a:solidFill>
+                                        <a:srgbClr val="C00000"/>
+                                      </a:solidFill>
+                                      <a:latin typeface="Cambria Math"/>
+                                    </a:rPr>
+                                    <m:t>𝑥</m:t>
+                                  </m:r>
+                                </m:e>
+                              </m:acc>
+                            </m:e>
+                          </m:mr>
+                        </m:m>
+                      </m:e>
+                    </m:d>
+                  </m:oMath>
+                </a14:m>
+                <a:r>
+                  <a:rPr lang="en-US" altLang="zh-CN" sz="2800" dirty="0" smtClean="0"/>
+                  <a:t>, (</a:t>
+                </a:r>
+                <a:r>
+                  <a:rPr lang="zh-TW" altLang="en-US" sz="2800" dirty="0" smtClean="0"/>
+                  <a:t>使用後驗概率</a:t>
+                </a:r>
+                <a:r>
+                  <a:rPr lang="en-US" altLang="zh-TW" sz="2800" dirty="0" smtClean="0"/>
+                  <a:t>)</a:t>
+                </a:r>
+                <a:endParaRPr lang="zh-CN" altLang="en-US" sz="2800" dirty="0"/>
+              </a:p>
+            </p:txBody>
+          </p:sp>
+        </mc:Choice>
+        <mc:Fallback xmlns="">
+          <p:sp>
+            <p:nvSpPr>
+              <p:cNvPr id="38" name="TextBox 37"/>
+              <p:cNvSpPr txBox="1">
+                <a:spLocks noRot="1" noChangeAspect="1" noMove="1" noResize="1" noEditPoints="1" noAdjustHandles="1" noChangeArrowheads="1" noChangeShapeType="1" noTextEdit="1"/>
+              </p:cNvSpPr>
+              <p:nvPr/>
+            </p:nvSpPr>
+            <p:spPr>
+              <a:xfrm>
+                <a:off x="170885" y="3933056"/>
+                <a:ext cx="8802601" cy="2831288"/>
+              </a:xfrm>
+              <a:prstGeom prst="rect">
+                <a:avLst/>
+              </a:prstGeom>
+              <a:blipFill rotWithShape="1">
+                <a:blip r:embed="rId2"/>
+                <a:stretch>
+                  <a:fillRect/>
+                </a:stretch>
+              </a:blipFill>
+            </p:spPr>
+            <p:txBody>
+              <a:bodyPr/>
+              <a:lstStyle/>
+              <a:p>
+                <a:r>
+                  <a:rPr lang="zh-CN" altLang="en-US">
+                    <a:noFill/>
+                  </a:rPr>
+                  <a:t> </a:t>
+                </a:r>
+              </a:p>
+            </p:txBody>
+          </p:sp>
+        </mc:Fallback>
+      </mc:AlternateContent>
+      <mc:AlternateContent xmlns:mc="http://schemas.openxmlformats.org/markup-compatibility/2006" xmlns:a14="http://schemas.microsoft.com/office/drawing/2010/main">
+        <mc:Choice Requires="a14">
+          <p:sp>
+            <p:nvSpPr>
+              <p:cNvPr id="41" name="TextBox 40"/>
+              <p:cNvSpPr txBox="1"/>
+              <p:nvPr/>
+            </p:nvSpPr>
+            <p:spPr>
+              <a:xfrm>
+                <a:off x="6047088" y="2042390"/>
+                <a:ext cx="1692188" cy="523220"/>
+              </a:xfrm>
+              <a:prstGeom prst="rect">
+                <a:avLst/>
+              </a:prstGeom>
+              <a:noFill/>
+            </p:spPr>
+            <p:txBody>
+              <a:bodyPr wrap="square" rtlCol="0">
+                <a:spAutoFit/>
+              </a:bodyPr>
+              <a:lstStyle/>
+              <a:p>
+                <a:pPr algn="ctr"/>
+                <a14:m>
+                  <m:oMathPara xmlns:m="http://schemas.openxmlformats.org/officeDocument/2006/math">
+                    <m:oMathParaPr>
+                      <m:jc m:val="centerGroup"/>
+                    </m:oMathParaPr>
+                    <m:oMath xmlns:m="http://schemas.openxmlformats.org/officeDocument/2006/math">
+                      <m:r>
+                        <a:rPr lang="en-US" altLang="zh-CN" sz="2800" b="0" i="1" smtClean="0">
+                          <a:latin typeface="Cambria Math"/>
+                        </a:rPr>
+                        <m:t>𝑁</m:t>
+                      </m:r>
+                      <m:d>
+                        <m:dPr>
+                          <m:ctrlPr>
+                            <a:rPr lang="en-US" altLang="zh-CN" sz="2800" b="0" i="1" smtClean="0">
+                              <a:latin typeface="Cambria Math"/>
+                            </a:rPr>
+                          </m:ctrlPr>
+                        </m:dPr>
+                        <m:e>
+                          <m:r>
+                            <a:rPr lang="zh-CN" altLang="en-US" sz="2800" b="1" i="1" smtClean="0">
+                              <a:latin typeface="Cambria Math"/>
+                            </a:rPr>
+                            <m:t>𝝁</m:t>
+                          </m:r>
+                          <m:r>
+                            <a:rPr lang="en-US" altLang="zh-CN" sz="2800" b="0" i="1" smtClean="0">
+                              <a:latin typeface="Cambria Math"/>
+                            </a:rPr>
+                            <m:t>,</m:t>
+                          </m:r>
+                          <m:r>
+                            <a:rPr lang="el-GR" altLang="zh-CN" sz="2800" b="1" i="1" smtClean="0">
+                              <a:latin typeface="Cambria Math"/>
+                              <a:ea typeface="Cambria Math"/>
+                            </a:rPr>
+                            <m:t>𝜮</m:t>
+                          </m:r>
+                          <m:r>
+                            <a:rPr lang="en-US" altLang="zh-CN" sz="2800" b="0" i="1" smtClean="0">
+                              <a:latin typeface="Cambria Math"/>
+                            </a:rPr>
+                            <m:t> </m:t>
+                          </m:r>
+                        </m:e>
+                      </m:d>
+                    </m:oMath>
+                  </m:oMathPara>
+                </a14:m>
+                <a:endParaRPr lang="zh-CN" altLang="en-US" sz="2800" dirty="0"/>
+              </a:p>
+            </p:txBody>
+          </p:sp>
+        </mc:Choice>
+        <mc:Fallback xmlns="">
+          <p:sp>
+            <p:nvSpPr>
+              <p:cNvPr id="41" name="TextBox 40"/>
+              <p:cNvSpPr txBox="1">
+                <a:spLocks noRot="1" noChangeAspect="1" noMove="1" noResize="1" noEditPoints="1" noAdjustHandles="1" noChangeArrowheads="1" noChangeShapeType="1" noTextEdit="1"/>
+              </p:cNvSpPr>
+              <p:nvPr/>
+            </p:nvSpPr>
+            <p:spPr>
+              <a:xfrm>
+                <a:off x="6047088" y="2042390"/>
+                <a:ext cx="1692188" cy="523220"/>
+              </a:xfrm>
+              <a:prstGeom prst="rect">
+                <a:avLst/>
+              </a:prstGeom>
+              <a:blipFill rotWithShape="1">
+                <a:blip r:embed="rId3"/>
+                <a:stretch>
+                  <a:fillRect/>
+                </a:stretch>
+              </a:blipFill>
+            </p:spPr>
+            <p:txBody>
+              <a:bodyPr/>
+              <a:lstStyle/>
+              <a:p>
+                <a:r>
+                  <a:rPr lang="zh-CN" altLang="en-US">
+                    <a:noFill/>
+                  </a:rPr>
+                  <a:t> </a:t>
+                </a:r>
+              </a:p>
+            </p:txBody>
+          </p:sp>
+        </mc:Fallback>
+      </mc:AlternateContent>
+      <p:sp>
+        <p:nvSpPr>
+          <p:cNvPr id="42" name="等于号 41"/>
+          <p:cNvSpPr/>
+          <p:nvPr/>
+        </p:nvSpPr>
+        <p:spPr>
+          <a:xfrm>
+            <a:off x="4139952" y="1578045"/>
+            <a:ext cx="864096" cy="582585"/>
+          </a:xfrm>
+          <a:prstGeom prst="mathEqual">
+            <a:avLst>
+              <a:gd name="adj1" fmla="val 23520"/>
+              <a:gd name="adj2" fmla="val 26708"/>
+            </a:avLst>
+          </a:prstGeom>
+        </p:spPr>
+        <p:style>
+          <a:lnRef idx="2">
+            <a:schemeClr val="accent6">
+              <a:shade val="50000"/>
+            </a:schemeClr>
+          </a:lnRef>
+          <a:fillRef idx="1">
+            <a:schemeClr val="accent6"/>
+          </a:fillRef>
+          <a:effectRef idx="0">
+            <a:schemeClr val="accent6"/>
+          </a:effectRef>
+          <a:fontRef idx="minor">
+            <a:schemeClr val="lt1"/>
+          </a:fontRef>
+        </p:style>
+        <p:txBody>
+          <a:bodyPr rtlCol="0" anchor="ctr"/>
+          <a:lstStyle/>
+          <a:p>
+            <a:pPr algn="ctr"/>
+            <a:endParaRPr lang="zh-CN" altLang="en-US">
+              <a:solidFill>
+                <a:schemeClr val="tx1"/>
+              </a:solidFill>
+            </a:endParaRPr>
+          </a:p>
+        </p:txBody>
+      </p:sp>
+      <p:sp>
+        <p:nvSpPr>
+          <p:cNvPr id="43" name="椭圆 42"/>
+          <p:cNvSpPr/>
+          <p:nvPr/>
+        </p:nvSpPr>
+        <p:spPr>
+          <a:xfrm>
+            <a:off x="755576" y="1221266"/>
+            <a:ext cx="144016" cy="144016"/>
+          </a:xfrm>
+          <a:prstGeom prst="ellipse">
+            <a:avLst/>
+          </a:prstGeom>
+        </p:spPr>
+        <p:style>
+          <a:lnRef idx="2">
+            <a:schemeClr val="accent2">
+              <a:shade val="50000"/>
+            </a:schemeClr>
+          </a:lnRef>
+          <a:fillRef idx="1">
+            <a:schemeClr val="accent2"/>
+          </a:fillRef>
+          <a:effectRef idx="0">
+            <a:schemeClr val="accent2"/>
+          </a:effectRef>
+          <a:fontRef idx="minor">
+            <a:schemeClr val="lt1"/>
+          </a:fontRef>
+        </p:style>
+        <p:txBody>
+          <a:bodyPr rtlCol="0" anchor="ctr"/>
+          <a:lstStyle/>
+          <a:p>
+            <a:pPr algn="ctr"/>
+            <a:endParaRPr lang="zh-CN" altLang="en-US"/>
+          </a:p>
+        </p:txBody>
+      </p:sp>
+      <mc:AlternateContent xmlns:mc="http://schemas.openxmlformats.org/markup-compatibility/2006" xmlns:a14="http://schemas.microsoft.com/office/drawing/2010/main">
+        <mc:Choice Requires="a14">
+          <p:sp>
+            <p:nvSpPr>
+              <p:cNvPr id="45" name="TextBox 44"/>
+              <p:cNvSpPr txBox="1"/>
+              <p:nvPr/>
+            </p:nvSpPr>
+            <p:spPr>
+              <a:xfrm>
+                <a:off x="539552" y="698046"/>
+                <a:ext cx="576064" cy="523220"/>
+              </a:xfrm>
+              <a:prstGeom prst="rect">
+                <a:avLst/>
+              </a:prstGeom>
+              <a:noFill/>
+            </p:spPr>
+            <p:txBody>
+              <a:bodyPr wrap="square" rtlCol="0">
+                <a:spAutoFit/>
+              </a:bodyPr>
+              <a:lstStyle/>
+              <a:p>
+                <a:pPr algn="ctr"/>
+                <a14:m>
+                  <m:oMathPara xmlns:m="http://schemas.openxmlformats.org/officeDocument/2006/math">
+                    <m:oMathParaPr>
+                      <m:jc m:val="centerGroup"/>
+                    </m:oMathParaPr>
+                    <m:oMath xmlns:m="http://schemas.openxmlformats.org/officeDocument/2006/math">
+                      <m:acc>
+                        <m:accPr>
+                          <m:chr m:val="̇"/>
+                          <m:ctrlPr>
+                            <a:rPr lang="en-US" altLang="zh-CN" sz="2800" b="0" i="1" smtClean="0">
+                              <a:solidFill>
+                                <a:srgbClr val="C00000"/>
+                              </a:solidFill>
+                              <a:latin typeface="Cambria Math"/>
+                            </a:rPr>
+                          </m:ctrlPr>
+                        </m:accPr>
+                        <m:e>
+                          <m:r>
+                            <a:rPr lang="en-US" altLang="zh-CN" sz="2800" b="0" i="1" smtClean="0">
+                              <a:solidFill>
+                                <a:srgbClr val="C00000"/>
+                              </a:solidFill>
+                              <a:latin typeface="Cambria Math"/>
+                            </a:rPr>
+                            <m:t>𝑥</m:t>
+                          </m:r>
+                        </m:e>
+                      </m:acc>
+                    </m:oMath>
+                  </m:oMathPara>
+                </a14:m>
+                <a:endParaRPr lang="zh-CN" altLang="en-US" sz="2800" dirty="0">
+                  <a:solidFill>
+                    <a:srgbClr val="C00000"/>
+                  </a:solidFill>
+                </a:endParaRPr>
+              </a:p>
+            </p:txBody>
+          </p:sp>
+        </mc:Choice>
+        <mc:Fallback xmlns="">
+          <p:sp>
+            <p:nvSpPr>
+              <p:cNvPr id="45" name="TextBox 44"/>
+              <p:cNvSpPr txBox="1">
+                <a:spLocks noRot="1" noChangeAspect="1" noMove="1" noResize="1" noEditPoints="1" noAdjustHandles="1" noChangeArrowheads="1" noChangeShapeType="1" noTextEdit="1"/>
+              </p:cNvSpPr>
+              <p:nvPr/>
+            </p:nvSpPr>
+            <p:spPr>
+              <a:xfrm>
+                <a:off x="539552" y="698046"/>
+                <a:ext cx="576064" cy="523220"/>
+              </a:xfrm>
+              <a:prstGeom prst="rect">
+                <a:avLst/>
+              </a:prstGeom>
+              <a:blipFill rotWithShape="1">
+                <a:blip r:embed="rId4"/>
+                <a:stretch>
+                  <a:fillRect/>
+                </a:stretch>
+              </a:blipFill>
+            </p:spPr>
+            <p:txBody>
+              <a:bodyPr/>
+              <a:lstStyle/>
+              <a:p>
+                <a:r>
+                  <a:rPr lang="zh-CN" altLang="en-US">
+                    <a:noFill/>
+                  </a:rPr>
+                  <a:t> </a:t>
+                </a:r>
+              </a:p>
+            </p:txBody>
+          </p:sp>
+        </mc:Fallback>
+      </mc:AlternateContent>
+      <p:sp>
+        <p:nvSpPr>
+          <p:cNvPr id="46" name="椭圆 45"/>
+          <p:cNvSpPr/>
+          <p:nvPr/>
+        </p:nvSpPr>
+        <p:spPr>
+          <a:xfrm>
+            <a:off x="7181214" y="959656"/>
+            <a:ext cx="144016" cy="144016"/>
+          </a:xfrm>
+          <a:prstGeom prst="ellipse">
+            <a:avLst/>
+          </a:prstGeom>
+        </p:spPr>
+        <p:style>
+          <a:lnRef idx="2">
+            <a:schemeClr val="accent2">
+              <a:shade val="50000"/>
+            </a:schemeClr>
+          </a:lnRef>
+          <a:fillRef idx="1">
+            <a:schemeClr val="accent2"/>
+          </a:fillRef>
+          <a:effectRef idx="0">
+            <a:schemeClr val="accent2"/>
+          </a:effectRef>
+          <a:fontRef idx="minor">
+            <a:schemeClr val="lt1"/>
+          </a:fontRef>
+        </p:style>
+        <p:txBody>
+          <a:bodyPr rtlCol="0" anchor="ctr"/>
+          <a:lstStyle/>
+          <a:p>
+            <a:pPr algn="ctr"/>
+            <a:endParaRPr lang="zh-CN" altLang="en-US"/>
+          </a:p>
+        </p:txBody>
+      </p:sp>
+      <mc:AlternateContent xmlns:mc="http://schemas.openxmlformats.org/markup-compatibility/2006" xmlns:a14="http://schemas.microsoft.com/office/drawing/2010/main">
+        <mc:Choice Requires="a14">
+          <p:sp>
+            <p:nvSpPr>
+              <p:cNvPr id="47" name="TextBox 46"/>
+              <p:cNvSpPr txBox="1"/>
+              <p:nvPr/>
+            </p:nvSpPr>
+            <p:spPr>
+              <a:xfrm>
+                <a:off x="6965190" y="436436"/>
+                <a:ext cx="576064" cy="523220"/>
+              </a:xfrm>
+              <a:prstGeom prst="rect">
+                <a:avLst/>
+              </a:prstGeom>
+              <a:noFill/>
+            </p:spPr>
+            <p:txBody>
+              <a:bodyPr wrap="square" rtlCol="0">
+                <a:spAutoFit/>
+              </a:bodyPr>
+              <a:lstStyle/>
+              <a:p>
+                <a:pPr algn="ctr"/>
+                <a14:m>
+                  <m:oMathPara xmlns:m="http://schemas.openxmlformats.org/officeDocument/2006/math">
+                    <m:oMathParaPr>
+                      <m:jc m:val="center"/>
+                    </m:oMathParaPr>
+                    <m:oMath xmlns:m="http://schemas.openxmlformats.org/officeDocument/2006/math">
+                      <m:r>
+                        <a:rPr lang="en-US" altLang="zh-CN" sz="2800" b="1" i="1" smtClean="0">
+                          <a:solidFill>
+                            <a:srgbClr val="C00000"/>
+                          </a:solidFill>
+                          <a:latin typeface="Cambria Math"/>
+                        </a:rPr>
+                        <m:t>𝒙</m:t>
+                      </m:r>
+                    </m:oMath>
+                  </m:oMathPara>
+                </a14:m>
+                <a:endParaRPr lang="zh-CN" altLang="en-US" sz="2800" b="1" dirty="0">
+                  <a:solidFill>
+                    <a:srgbClr val="C00000"/>
+                  </a:solidFill>
+                </a:endParaRPr>
+              </a:p>
+            </p:txBody>
+          </p:sp>
+        </mc:Choice>
+        <mc:Fallback xmlns="">
+          <p:sp>
+            <p:nvSpPr>
+              <p:cNvPr id="47" name="TextBox 46"/>
+              <p:cNvSpPr txBox="1">
+                <a:spLocks noRot="1" noChangeAspect="1" noMove="1" noResize="1" noEditPoints="1" noAdjustHandles="1" noChangeArrowheads="1" noChangeShapeType="1" noTextEdit="1"/>
+              </p:cNvSpPr>
+              <p:nvPr/>
+            </p:nvSpPr>
+            <p:spPr>
+              <a:xfrm>
+                <a:off x="6965190" y="436436"/>
+                <a:ext cx="576064" cy="523220"/>
+              </a:xfrm>
+              <a:prstGeom prst="rect">
+                <a:avLst/>
+              </a:prstGeom>
+              <a:blipFill rotWithShape="1">
+                <a:blip r:embed="rId5"/>
+                <a:stretch>
+                  <a:fillRect/>
+                </a:stretch>
+              </a:blipFill>
+            </p:spPr>
+            <p:txBody>
+              <a:bodyPr/>
+              <a:lstStyle/>
+              <a:p>
+                <a:r>
+                  <a:rPr lang="zh-CN" altLang="en-US">
+                    <a:noFill/>
+                  </a:rPr>
+                  <a:t> </a:t>
+                </a:r>
+              </a:p>
+            </p:txBody>
+          </p:sp>
+        </mc:Fallback>
+      </mc:AlternateContent>
+      <mc:AlternateContent xmlns:mc="http://schemas.openxmlformats.org/markup-compatibility/2006" xmlns:a14="http://schemas.microsoft.com/office/drawing/2010/main">
+        <mc:Choice Requires="a14">
+          <p:sp>
+            <p:nvSpPr>
+              <p:cNvPr id="48" name="TextBox 47"/>
+              <p:cNvSpPr txBox="1"/>
+              <p:nvPr/>
+            </p:nvSpPr>
+            <p:spPr>
+              <a:xfrm>
+                <a:off x="188979" y="2160630"/>
+                <a:ext cx="2460775" cy="461665"/>
+              </a:xfrm>
+              <a:prstGeom prst="rect">
+                <a:avLst/>
+              </a:prstGeom>
+              <a:noFill/>
+            </p:spPr>
+            <p:txBody>
+              <a:bodyPr wrap="square" rtlCol="0">
+                <a:spAutoFit/>
+              </a:bodyPr>
+              <a:lstStyle/>
+              <a:p>
+                <a:pPr algn="ctr"/>
+                <a14:m>
+                  <m:oMathPara xmlns:m="http://schemas.openxmlformats.org/officeDocument/2006/math">
+                    <m:oMathParaPr>
+                      <m:jc m:val="centerGroup"/>
+                    </m:oMathParaPr>
+                    <m:oMath xmlns:m="http://schemas.openxmlformats.org/officeDocument/2006/math">
+                      <m:sSub>
+                        <m:sSubPr>
+                          <m:ctrlPr>
+                            <a:rPr lang="en-US" altLang="zh-CN" sz="2400" b="0" i="1" smtClean="0">
+                              <a:latin typeface="Cambria Math"/>
+                            </a:rPr>
+                          </m:ctrlPr>
+                        </m:sSubPr>
+                        <m:e>
+                          <m:r>
+                            <a:rPr lang="en-US" altLang="zh-CN" sz="2400" b="0" i="1" smtClean="0">
+                              <a:latin typeface="Cambria Math"/>
+                            </a:rPr>
+                            <m:t>𝑚</m:t>
+                          </m:r>
+                        </m:e>
+                        <m:sub>
+                          <m:r>
+                            <a:rPr lang="en-US" altLang="zh-CN" sz="2400" b="0" i="1" smtClean="0">
+                              <a:latin typeface="Cambria Math"/>
+                            </a:rPr>
+                            <m:t>2</m:t>
+                          </m:r>
+                        </m:sub>
+                      </m:sSub>
+                      <m:r>
+                        <a:rPr lang="en-US" altLang="zh-CN" sz="2400" b="0" i="1" smtClean="0">
+                          <a:latin typeface="Cambria Math"/>
+                          <a:ea typeface="Cambria Math"/>
+                        </a:rPr>
+                        <m:t>∼</m:t>
+                      </m:r>
+                      <m:sSub>
+                        <m:sSubPr>
+                          <m:ctrlPr>
+                            <a:rPr lang="en-US" altLang="zh-CN" sz="2400" b="0" i="1" smtClean="0">
+                              <a:latin typeface="Cambria Math"/>
+                            </a:rPr>
+                          </m:ctrlPr>
+                        </m:sSubPr>
+                        <m:e>
+                          <m:r>
+                            <a:rPr lang="en-US" altLang="zh-CN" sz="2400" b="0" i="1" smtClean="0">
+                              <a:latin typeface="Cambria Math"/>
+                            </a:rPr>
+                            <m:t>𝑁</m:t>
+                          </m:r>
+                        </m:e>
+                        <m:sub>
+                          <m:r>
+                            <a:rPr lang="en-US" altLang="zh-CN" sz="2400" b="0" i="1" smtClean="0">
+                              <a:latin typeface="Cambria Math"/>
+                            </a:rPr>
+                            <m:t>2</m:t>
+                          </m:r>
+                        </m:sub>
+                      </m:sSub>
+                      <m:d>
+                        <m:dPr>
+                          <m:ctrlPr>
+                            <a:rPr lang="en-US" altLang="zh-CN" sz="2400" b="0" i="1" smtClean="0">
+                              <a:latin typeface="Cambria Math"/>
+                            </a:rPr>
+                          </m:ctrlPr>
+                        </m:dPr>
+                        <m:e>
+                          <m:sSub>
+                            <m:sSubPr>
+                              <m:ctrlPr>
+                                <a:rPr lang="en-US" altLang="zh-CN" sz="2400" b="0" i="1" smtClean="0">
+                                  <a:latin typeface="Cambria Math"/>
+                                </a:rPr>
+                              </m:ctrlPr>
+                            </m:sSubPr>
+                            <m:e>
+                              <m:r>
+                                <a:rPr lang="zh-CN" altLang="en-US" sz="2400" b="0" i="1" smtClean="0">
+                                  <a:latin typeface="Cambria Math"/>
+                                </a:rPr>
+                                <m:t>𝜇</m:t>
+                              </m:r>
+                            </m:e>
+                            <m:sub>
+                              <m:r>
+                                <a:rPr lang="en-US" altLang="zh-CN" sz="2400" b="0" i="1" smtClean="0">
+                                  <a:latin typeface="Cambria Math"/>
+                                </a:rPr>
+                                <m:t>2</m:t>
+                              </m:r>
+                            </m:sub>
+                          </m:sSub>
+                          <m:r>
+                            <a:rPr lang="en-US" altLang="zh-CN" sz="2400" b="0" i="1" smtClean="0">
+                              <a:latin typeface="Cambria Math"/>
+                            </a:rPr>
+                            <m:t>,</m:t>
+                          </m:r>
+                          <m:sSub>
+                            <m:sSubPr>
+                              <m:ctrlPr>
+                                <a:rPr lang="en-US" altLang="zh-CN" sz="2400" b="0" i="1" smtClean="0">
+                                  <a:latin typeface="Cambria Math"/>
+                                </a:rPr>
+                              </m:ctrlPr>
+                            </m:sSubPr>
+                            <m:e>
+                              <m:r>
+                                <m:rPr>
+                                  <m:sty m:val="p"/>
+                                </m:rPr>
+                                <a:rPr lang="el-GR" altLang="zh-CN" sz="2400" b="0" i="1" smtClean="0">
+                                  <a:latin typeface="Cambria Math"/>
+                                  <a:ea typeface="Cambria Math"/>
+                                </a:rPr>
+                                <m:t>Σ</m:t>
+                              </m:r>
+                            </m:e>
+                            <m:sub>
+                              <m:r>
+                                <a:rPr lang="en-US" altLang="zh-CN" sz="2400" b="0" i="1" smtClean="0">
+                                  <a:latin typeface="Cambria Math"/>
+                                </a:rPr>
+                                <m:t>2</m:t>
+                              </m:r>
+                            </m:sub>
+                          </m:sSub>
+                        </m:e>
+                      </m:d>
+                    </m:oMath>
+                  </m:oMathPara>
+                </a14:m>
+                <a:endParaRPr lang="zh-CN" altLang="en-US" sz="2400" dirty="0"/>
+              </a:p>
+            </p:txBody>
+          </p:sp>
+        </mc:Choice>
+        <mc:Fallback xmlns="">
+          <p:sp>
+            <p:nvSpPr>
+              <p:cNvPr id="48" name="TextBox 47"/>
+              <p:cNvSpPr txBox="1">
+                <a:spLocks noRot="1" noChangeAspect="1" noMove="1" noResize="1" noEditPoints="1" noAdjustHandles="1" noChangeArrowheads="1" noChangeShapeType="1" noTextEdit="1"/>
+              </p:cNvSpPr>
+              <p:nvPr/>
+            </p:nvSpPr>
+            <p:spPr>
+              <a:xfrm>
+                <a:off x="188979" y="2160630"/>
+                <a:ext cx="2460775" cy="461665"/>
+              </a:xfrm>
+              <a:prstGeom prst="rect">
+                <a:avLst/>
+              </a:prstGeom>
+              <a:blipFill rotWithShape="1">
+                <a:blip r:embed="rId6"/>
+                <a:stretch>
+                  <a:fillRect b="-7895"/>
+                </a:stretch>
+              </a:blipFill>
+            </p:spPr>
+            <p:txBody>
+              <a:bodyPr/>
+              <a:lstStyle/>
+              <a:p>
+                <a:r>
+                  <a:rPr lang="zh-CN" altLang="en-US">
+                    <a:noFill/>
+                  </a:rPr>
+                  <a:t> </a:t>
+                </a:r>
+              </a:p>
+            </p:txBody>
+          </p:sp>
+        </mc:Fallback>
+      </mc:AlternateContent>
+      <mc:AlternateContent xmlns:mc="http://schemas.openxmlformats.org/markup-compatibility/2006" xmlns:a14="http://schemas.microsoft.com/office/drawing/2010/main">
+        <mc:Choice Requires="a14">
+          <p:sp>
+            <p:nvSpPr>
+              <p:cNvPr id="49" name="TextBox 48"/>
+              <p:cNvSpPr txBox="1"/>
+              <p:nvPr/>
+            </p:nvSpPr>
+            <p:spPr>
+              <a:xfrm>
+                <a:off x="1586792" y="435564"/>
+                <a:ext cx="2460775" cy="461665"/>
+              </a:xfrm>
+              <a:prstGeom prst="rect">
+                <a:avLst/>
+              </a:prstGeom>
+              <a:noFill/>
+            </p:spPr>
+            <p:txBody>
+              <a:bodyPr wrap="square" rtlCol="0">
+                <a:spAutoFit/>
+              </a:bodyPr>
+              <a:lstStyle/>
+              <a:p>
+                <a:pPr algn="ctr"/>
+                <a14:m>
+                  <m:oMathPara xmlns:m="http://schemas.openxmlformats.org/officeDocument/2006/math">
+                    <m:oMathParaPr>
+                      <m:jc m:val="centerGroup"/>
+                    </m:oMathParaPr>
+                    <m:oMath xmlns:m="http://schemas.openxmlformats.org/officeDocument/2006/math">
+                      <m:sSub>
+                        <m:sSubPr>
+                          <m:ctrlPr>
+                            <a:rPr lang="en-US" altLang="zh-CN" sz="2400" b="0" i="1" smtClean="0">
+                              <a:latin typeface="Cambria Math"/>
+                            </a:rPr>
+                          </m:ctrlPr>
+                        </m:sSubPr>
+                        <m:e>
+                          <m:r>
+                            <a:rPr lang="en-US" altLang="zh-CN" sz="2400" b="0" i="1" smtClean="0">
+                              <a:latin typeface="Cambria Math"/>
+                            </a:rPr>
+                            <m:t>𝑚</m:t>
+                          </m:r>
+                        </m:e>
+                        <m:sub>
+                          <m:r>
+                            <a:rPr lang="en-US" altLang="zh-CN" sz="2400" b="0" i="1" smtClean="0">
+                              <a:latin typeface="Cambria Math"/>
+                            </a:rPr>
+                            <m:t>1</m:t>
+                          </m:r>
+                        </m:sub>
+                      </m:sSub>
+                      <m:r>
+                        <a:rPr lang="en-US" altLang="zh-CN" sz="2400" b="0" i="1" smtClean="0">
+                          <a:latin typeface="Cambria Math"/>
+                          <a:ea typeface="Cambria Math"/>
+                        </a:rPr>
+                        <m:t>∼</m:t>
+                      </m:r>
+                      <m:sSub>
+                        <m:sSubPr>
+                          <m:ctrlPr>
+                            <a:rPr lang="en-US" altLang="zh-CN" sz="2400" b="0" i="1" smtClean="0">
+                              <a:latin typeface="Cambria Math"/>
+                            </a:rPr>
+                          </m:ctrlPr>
+                        </m:sSubPr>
+                        <m:e>
+                          <m:r>
+                            <a:rPr lang="en-US" altLang="zh-CN" sz="2400" b="0" i="1" smtClean="0">
+                              <a:latin typeface="Cambria Math"/>
+                            </a:rPr>
+                            <m:t>𝑁</m:t>
+                          </m:r>
+                        </m:e>
+                        <m:sub>
+                          <m:r>
+                            <a:rPr lang="en-US" altLang="zh-CN" sz="2400" b="0" i="1" smtClean="0">
+                              <a:latin typeface="Cambria Math"/>
+                            </a:rPr>
+                            <m:t>1</m:t>
+                          </m:r>
+                        </m:sub>
+                      </m:sSub>
+                      <m:d>
+                        <m:dPr>
+                          <m:ctrlPr>
+                            <a:rPr lang="en-US" altLang="zh-CN" sz="2400" b="0" i="1" smtClean="0">
+                              <a:latin typeface="Cambria Math"/>
+                            </a:rPr>
+                          </m:ctrlPr>
+                        </m:dPr>
+                        <m:e>
+                          <m:sSub>
+                            <m:sSubPr>
+                              <m:ctrlPr>
+                                <a:rPr lang="en-US" altLang="zh-CN" sz="2400" b="0" i="1" smtClean="0">
+                                  <a:latin typeface="Cambria Math"/>
+                                </a:rPr>
+                              </m:ctrlPr>
+                            </m:sSubPr>
+                            <m:e>
+                              <m:r>
+                                <a:rPr lang="zh-CN" altLang="en-US" sz="2400" b="0" i="1" smtClean="0">
+                                  <a:latin typeface="Cambria Math"/>
+                                </a:rPr>
+                                <m:t>𝜇</m:t>
+                              </m:r>
+                            </m:e>
+                            <m:sub>
+                              <m:r>
+                                <a:rPr lang="en-US" altLang="zh-CN" sz="2400" b="0" i="1" smtClean="0">
+                                  <a:latin typeface="Cambria Math"/>
+                                </a:rPr>
+                                <m:t>1</m:t>
+                              </m:r>
+                            </m:sub>
+                          </m:sSub>
+                          <m:r>
+                            <a:rPr lang="en-US" altLang="zh-CN" sz="2400" b="0" i="1" smtClean="0">
+                              <a:latin typeface="Cambria Math"/>
+                            </a:rPr>
+                            <m:t>,</m:t>
+                          </m:r>
+                          <m:sSub>
+                            <m:sSubPr>
+                              <m:ctrlPr>
+                                <a:rPr lang="en-US" altLang="zh-CN" sz="2400" b="0" i="1" smtClean="0">
+                                  <a:latin typeface="Cambria Math"/>
+                                </a:rPr>
+                              </m:ctrlPr>
+                            </m:sSubPr>
+                            <m:e>
+                              <m:r>
+                                <m:rPr>
+                                  <m:sty m:val="p"/>
+                                </m:rPr>
+                                <a:rPr lang="el-GR" altLang="zh-CN" sz="2400" b="0" i="1" smtClean="0">
+                                  <a:latin typeface="Cambria Math"/>
+                                  <a:ea typeface="Cambria Math"/>
+                                </a:rPr>
+                                <m:t>Σ</m:t>
+                              </m:r>
+                            </m:e>
+                            <m:sub>
+                              <m:r>
+                                <a:rPr lang="en-US" altLang="zh-CN" sz="2400" b="0" i="1" smtClean="0">
+                                  <a:latin typeface="Cambria Math"/>
+                                </a:rPr>
+                                <m:t>1</m:t>
+                              </m:r>
+                            </m:sub>
+                          </m:sSub>
+                        </m:e>
+                      </m:d>
+                    </m:oMath>
+                  </m:oMathPara>
+                </a14:m>
+                <a:endParaRPr lang="zh-CN" altLang="en-US" sz="2400" dirty="0"/>
+              </a:p>
+            </p:txBody>
+          </p:sp>
+        </mc:Choice>
+        <mc:Fallback xmlns="">
+          <p:sp>
+            <p:nvSpPr>
+              <p:cNvPr id="49" name="TextBox 48"/>
+              <p:cNvSpPr txBox="1">
+                <a:spLocks noRot="1" noChangeAspect="1" noMove="1" noResize="1" noEditPoints="1" noAdjustHandles="1" noChangeArrowheads="1" noChangeShapeType="1" noTextEdit="1"/>
+              </p:cNvSpPr>
+              <p:nvPr/>
+            </p:nvSpPr>
+            <p:spPr>
+              <a:xfrm>
+                <a:off x="1586792" y="435564"/>
+                <a:ext cx="2460775" cy="461665"/>
+              </a:xfrm>
+              <a:prstGeom prst="rect">
+                <a:avLst/>
+              </a:prstGeom>
+              <a:blipFill rotWithShape="1">
+                <a:blip r:embed="rId7"/>
+                <a:stretch>
+                  <a:fillRect b="-7895"/>
+                </a:stretch>
+              </a:blipFill>
+            </p:spPr>
+            <p:txBody>
+              <a:bodyPr/>
+              <a:lstStyle/>
+              <a:p>
+                <a:r>
+                  <a:rPr lang="zh-CN" altLang="en-US">
+                    <a:noFill/>
+                  </a:rPr>
+                  <a:t> </a:t>
+                </a:r>
+              </a:p>
+            </p:txBody>
+          </p:sp>
+        </mc:Fallback>
+      </mc:AlternateContent>
+      <mc:AlternateContent xmlns:mc="http://schemas.openxmlformats.org/markup-compatibility/2006" xmlns:a14="http://schemas.microsoft.com/office/drawing/2010/main">
+        <mc:Choice Requires="a14">
+          <p:sp>
+            <p:nvSpPr>
+              <p:cNvPr id="50" name="TextBox 49"/>
+              <p:cNvSpPr txBox="1"/>
+              <p:nvPr/>
+            </p:nvSpPr>
+            <p:spPr>
+              <a:xfrm>
+                <a:off x="2460734" y="2565610"/>
+                <a:ext cx="2039632" cy="822469"/>
+              </a:xfrm>
+              <a:prstGeom prst="rect">
+                <a:avLst/>
+              </a:prstGeom>
+              <a:noFill/>
+            </p:spPr>
+            <p:txBody>
+              <a:bodyPr wrap="square" rtlCol="0">
+                <a:spAutoFit/>
+              </a:bodyPr>
+              <a:lstStyle/>
+              <a:p>
+                <a:pPr algn="ctr"/>
+                <a14:m>
+                  <m:oMathPara xmlns:m="http://schemas.openxmlformats.org/officeDocument/2006/math">
+                    <m:oMathParaPr>
+                      <m:jc m:val="centerGroup"/>
+                    </m:oMathParaPr>
+                    <m:oMath xmlns:m="http://schemas.openxmlformats.org/officeDocument/2006/math">
+                      <m:sSub>
+                        <m:sSubPr>
+                          <m:ctrlPr>
+                            <a:rPr lang="en-US" altLang="zh-CN" sz="2400" b="0" i="1" smtClean="0">
+                              <a:latin typeface="Cambria Math"/>
+                            </a:rPr>
+                          </m:ctrlPr>
+                        </m:sSubPr>
+                        <m:e>
+                          <m:r>
+                            <a:rPr lang="en-US" altLang="zh-CN" sz="2400" b="0" i="1" smtClean="0">
+                              <a:latin typeface="Cambria Math"/>
+                            </a:rPr>
+                            <m:t>𝑚</m:t>
+                          </m:r>
+                        </m:e>
+                        <m:sub>
+                          <m:r>
+                            <a:rPr lang="en-US" altLang="zh-CN" sz="2400" b="0" i="1" smtClean="0">
+                              <a:latin typeface="Cambria Math"/>
+                            </a:rPr>
+                            <m:t>3</m:t>
+                          </m:r>
+                        </m:sub>
+                      </m:sSub>
+                      <m:r>
+                        <a:rPr lang="en-US" altLang="zh-CN" sz="2400" b="0" i="1" smtClean="0">
+                          <a:latin typeface="Cambria Math"/>
+                          <a:ea typeface="Cambria Math"/>
+                        </a:rPr>
+                        <m:t>∼</m:t>
+                      </m:r>
+                      <m:sSub>
+                        <m:sSubPr>
+                          <m:ctrlPr>
+                            <a:rPr lang="en-US" altLang="zh-CN" sz="2400" b="0" i="1" smtClean="0">
+                              <a:latin typeface="Cambria Math"/>
+                            </a:rPr>
+                          </m:ctrlPr>
+                        </m:sSubPr>
+                        <m:e>
+                          <m:r>
+                            <a:rPr lang="en-US" altLang="zh-CN" sz="2400" b="0" i="1" smtClean="0">
+                              <a:latin typeface="Cambria Math"/>
+                            </a:rPr>
+                            <m:t>𝑁</m:t>
+                          </m:r>
+                        </m:e>
+                        <m:sub>
+                          <m:r>
+                            <a:rPr lang="en-US" altLang="zh-CN" sz="2400" b="0" i="1" smtClean="0">
+                              <a:latin typeface="Cambria Math"/>
+                            </a:rPr>
+                            <m:t>3</m:t>
+                          </m:r>
+                        </m:sub>
+                      </m:sSub>
+                      <m:d>
+                        <m:dPr>
+                          <m:ctrlPr>
+                            <a:rPr lang="en-US" altLang="zh-CN" sz="2400" b="0" i="1" smtClean="0">
+                              <a:latin typeface="Cambria Math"/>
+                            </a:rPr>
+                          </m:ctrlPr>
+                        </m:dPr>
+                        <m:e>
+                          <m:sSub>
+                            <m:sSubPr>
+                              <m:ctrlPr>
+                                <a:rPr lang="en-US" altLang="zh-CN" sz="2400" b="0" i="1" smtClean="0">
+                                  <a:latin typeface="Cambria Math"/>
+                                </a:rPr>
+                              </m:ctrlPr>
+                            </m:sSubPr>
+                            <m:e>
+                              <m:r>
+                                <a:rPr lang="zh-CN" altLang="en-US" sz="2400" b="0" i="1" smtClean="0">
+                                  <a:latin typeface="Cambria Math"/>
+                                </a:rPr>
+                                <m:t>𝜇</m:t>
+                              </m:r>
+                            </m:e>
+                            <m:sub>
+                              <m:r>
+                                <a:rPr lang="en-US" altLang="zh-CN" sz="2400" b="0" i="1" smtClean="0">
+                                  <a:latin typeface="Cambria Math"/>
+                                </a:rPr>
+                                <m:t>3</m:t>
+                              </m:r>
+                            </m:sub>
+                          </m:sSub>
+                          <m:r>
+                            <a:rPr lang="en-US" altLang="zh-CN" sz="2400" b="0" i="1" smtClean="0">
+                              <a:latin typeface="Cambria Math"/>
+                            </a:rPr>
+                            <m:t>,</m:t>
+                          </m:r>
+                          <m:sSub>
+                            <m:sSubPr>
+                              <m:ctrlPr>
+                                <a:rPr lang="en-US" altLang="zh-CN" sz="2400" b="0" i="1" smtClean="0">
+                                  <a:latin typeface="Cambria Math"/>
+                                </a:rPr>
+                              </m:ctrlPr>
+                            </m:sSubPr>
+                            <m:e>
+                              <m:r>
+                                <m:rPr>
+                                  <m:sty m:val="p"/>
+                                </m:rPr>
+                                <a:rPr lang="el-GR" altLang="zh-CN" sz="2400" b="0" i="1" smtClean="0">
+                                  <a:latin typeface="Cambria Math"/>
+                                  <a:ea typeface="Cambria Math"/>
+                                </a:rPr>
+                                <m:t>Σ</m:t>
+                              </m:r>
+                            </m:e>
+                            <m:sub>
+                              <m:r>
+                                <a:rPr lang="en-US" altLang="zh-CN" sz="2400" b="0" i="1" smtClean="0">
+                                  <a:latin typeface="Cambria Math"/>
+                                </a:rPr>
+                                <m:t>3</m:t>
+                              </m:r>
+                            </m:sub>
+                          </m:sSub>
+                        </m:e>
+                      </m:d>
+                    </m:oMath>
+                  </m:oMathPara>
+                </a14:m>
+                <a:endParaRPr lang="zh-CN" altLang="en-US" sz="2400" dirty="0"/>
+              </a:p>
+            </p:txBody>
+          </p:sp>
+        </mc:Choice>
+        <mc:Fallback xmlns="">
+          <p:sp>
+            <p:nvSpPr>
+              <p:cNvPr id="50" name="TextBox 49"/>
+              <p:cNvSpPr txBox="1">
+                <a:spLocks noRot="1" noChangeAspect="1" noMove="1" noResize="1" noEditPoints="1" noAdjustHandles="1" noChangeArrowheads="1" noChangeShapeType="1" noTextEdit="1"/>
+              </p:cNvSpPr>
+              <p:nvPr/>
+            </p:nvSpPr>
+            <p:spPr>
+              <a:xfrm>
+                <a:off x="2460734" y="2565610"/>
+                <a:ext cx="2039632" cy="822469"/>
+              </a:xfrm>
+              <a:prstGeom prst="rect">
+                <a:avLst/>
+              </a:prstGeom>
+              <a:blipFill rotWithShape="1">
+                <a:blip r:embed="rId8"/>
+                <a:stretch>
+                  <a:fillRect b="-4444"/>
+                </a:stretch>
+              </a:blipFill>
+            </p:spPr>
+            <p:txBody>
+              <a:bodyPr/>
+              <a:lstStyle/>
+              <a:p>
+                <a:r>
+                  <a:rPr lang="zh-CN" altLang="en-US">
+                    <a:noFill/>
+                  </a:rPr>
+                  <a:t> </a:t>
+                </a:r>
+              </a:p>
+            </p:txBody>
+          </p:sp>
+        </mc:Fallback>
+      </mc:AlternateContent>
+      <p:cxnSp>
+        <p:nvCxnSpPr>
+          <p:cNvPr id="22" name="直接箭头连接符 21"/>
+          <p:cNvCxnSpPr/>
+          <p:nvPr/>
+        </p:nvCxnSpPr>
+        <p:spPr>
+          <a:xfrm flipV="1">
+            <a:off x="5266200" y="1031664"/>
+            <a:ext cx="3122224" cy="1686756"/>
+          </a:xfrm>
+          <a:prstGeom prst="straightConnector1">
+            <a:avLst/>
+          </a:prstGeom>
+          <a:ln w="28575">
+            <a:solidFill>
+              <a:srgbClr val="FF0000"/>
+            </a:solidFill>
+            <a:prstDash val="dash"/>
+            <a:tailEnd type="arrow"/>
+          </a:ln>
+        </p:spPr>
+        <p:style>
+          <a:lnRef idx="1">
+            <a:schemeClr val="accent1"/>
+          </a:lnRef>
+          <a:fillRef idx="0">
+            <a:schemeClr val="accent1"/>
+          </a:fillRef>
+          <a:effectRef idx="0">
+            <a:schemeClr val="accent1"/>
+          </a:effectRef>
+          <a:fontRef idx="minor">
+            <a:schemeClr val="tx1"/>
+          </a:fontRef>
+        </p:style>
+      </p:cxnSp>
+      <p:sp>
+        <p:nvSpPr>
+          <p:cNvPr id="23" name="TextBox 22"/>
+          <p:cNvSpPr txBox="1"/>
+          <p:nvPr/>
+        </p:nvSpPr>
+        <p:spPr>
+          <a:xfrm>
+            <a:off x="7739276" y="436436"/>
+            <a:ext cx="1051584" cy="523220"/>
+          </a:xfrm>
+          <a:prstGeom prst="rect">
+            <a:avLst/>
+          </a:prstGeom>
+          <a:noFill/>
+        </p:spPr>
+        <p:txBody>
+          <a:bodyPr wrap="square" rtlCol="0">
+            <a:spAutoFit/>
+          </a:bodyPr>
+          <a:lstStyle/>
+          <a:p>
+            <a:pPr algn="ctr"/>
+            <a:r>
+              <a:rPr lang="en-US" altLang="zh-CN" sz="2800" b="1" dirty="0" smtClean="0">
+                <a:solidFill>
+                  <a:srgbClr val="FF0000"/>
+                </a:solidFill>
+              </a:rPr>
+              <a:t>W</a:t>
+            </a:r>
+            <a:r>
+              <a:rPr lang="en-US" altLang="zh-CN" sz="2800" b="1" baseline="-25000" dirty="0" smtClean="0">
+                <a:solidFill>
+                  <a:srgbClr val="FF0000"/>
+                </a:solidFill>
+              </a:rPr>
+              <a:t>FA</a:t>
+            </a:r>
+            <a:endParaRPr lang="zh-CN" altLang="en-US" sz="2800" b="1" baseline="-25000" dirty="0">
+              <a:solidFill>
+                <a:srgbClr val="FF0000"/>
+              </a:solidFill>
+            </a:endParaRPr>
+          </a:p>
+        </p:txBody>
+      </p:sp>
+    </p:spTree>
+    <p:extLst>
+      <p:ext uri="{BB962C8B-B14F-4D97-AF65-F5344CB8AC3E}">
+        <p14:creationId xmlns:p14="http://schemas.microsoft.com/office/powerpoint/2010/main" val="1693816048"/>
+      </p:ext>
+    </p:extLst>
+  </p:cSld>
+  <p:clrMapOvr>
+    <a:masterClrMapping/>
+  </p:clrMapOvr>
+</p:sld>
+</file>
+
+<file path=ppt/slides/slide6.xml><?xml version="1.0" encoding="utf-8"?>
+<p:sld xmlns:a="http://schemas.openxmlformats.org/drawingml/2006/main" xmlns:r="http://schemas.openxmlformats.org/officeDocument/2006/relationships" xmlns:p="http://schemas.openxmlformats.org/presentationml/2006/main">
+  <p:cSld>
+    <p:spTree>
+      <p:nvGrpSpPr>
+        <p:cNvPr id="1" name=""/>
+        <p:cNvGrpSpPr/>
+        <p:nvPr/>
+      </p:nvGrpSpPr>
+      <p:grpSpPr>
+        <a:xfrm>
+          <a:off x="0" y="0"/>
+          <a:ext cx="0" cy="0"/>
+          <a:chOff x="0" y="0"/>
+          <a:chExt cx="0" cy="0"/>
+        </a:xfrm>
+      </p:grpSpPr>
+      <p:sp>
+        <p:nvSpPr>
+          <p:cNvPr id="4" name="矩形 3"/>
+          <p:cNvSpPr/>
+          <p:nvPr/>
+        </p:nvSpPr>
+        <p:spPr>
+          <a:xfrm>
+            <a:off x="972346" y="188640"/>
+            <a:ext cx="7056038" cy="4867310"/>
+          </a:xfrm>
+          <a:prstGeom prst="rect">
+            <a:avLst/>
+          </a:prstGeom>
+          <a:noFill/>
+          <a:ln>
+            <a:solidFill>
+              <a:schemeClr val="tx1">
+                <a:lumMod val="50000"/>
+                <a:lumOff val="50000"/>
+              </a:schemeClr>
+            </a:solidFill>
+            <a:prstDash val="dash"/>
+          </a:ln>
+        </p:spPr>
+        <p:style>
+          <a:lnRef idx="2">
+            <a:schemeClr val="accent1">
+              <a:shade val="50000"/>
+            </a:schemeClr>
+          </a:lnRef>
+          <a:fillRef idx="1">
+            <a:schemeClr val="accent1"/>
+          </a:fillRef>
+          <a:effectRef idx="0">
+            <a:schemeClr val="accent1"/>
+          </a:effectRef>
+          <a:fontRef idx="minor">
+            <a:schemeClr val="lt1"/>
+          </a:fontRef>
+        </p:style>
+        <p:txBody>
+          <a:bodyPr rtlCol="0" anchor="ctr"/>
+          <a:lstStyle/>
+          <a:p>
+            <a:pPr algn="ctr"/>
+            <a:endParaRPr lang="zh-CN" altLang="en-US"/>
+          </a:p>
+        </p:txBody>
+      </p:sp>
+      <mc:AlternateContent xmlns:mc="http://schemas.openxmlformats.org/markup-compatibility/2006" xmlns:a14="http://schemas.microsoft.com/office/drawing/2010/main">
+        <mc:Choice Requires="a14">
+          <p:sp>
+            <p:nvSpPr>
+              <p:cNvPr id="38" name="TextBox 37"/>
+              <p:cNvSpPr txBox="1"/>
+              <p:nvPr/>
+            </p:nvSpPr>
+            <p:spPr>
+              <a:xfrm>
+                <a:off x="170885" y="5517232"/>
+                <a:ext cx="8802601" cy="954107"/>
+              </a:xfrm>
+              <a:prstGeom prst="rect">
+                <a:avLst/>
+              </a:prstGeom>
+              <a:noFill/>
+            </p:spPr>
+            <p:txBody>
+              <a:bodyPr wrap="square" rtlCol="0">
+                <a:spAutoFit/>
+              </a:bodyPr>
+              <a:lstStyle/>
+              <a:p>
+                <a:pPr algn="ctr"/>
+                <a:r>
+                  <a:rPr lang="zh-TW" altLang="en-US" sz="2800" dirty="0" smtClean="0"/>
+                  <a:t>給定一個 </a:t>
+                </a:r>
+                <a:r>
+                  <a:rPr lang="en-US" altLang="zh-TW" sz="2800" dirty="0" smtClean="0"/>
+                  <a:t>latent variable </a:t>
+                </a:r>
+                <a14:m>
+                  <m:oMath xmlns:m="http://schemas.openxmlformats.org/officeDocument/2006/math">
+                    <m:sSup>
+                      <m:sSupPr>
+                        <m:ctrlPr>
+                          <a:rPr lang="en-US" altLang="zh-CN" sz="2800" i="1">
+                            <a:latin typeface="Cambria Math"/>
+                          </a:rPr>
+                        </m:ctrlPr>
+                      </m:sSupPr>
+                      <m:e>
+                        <m:r>
+                          <a:rPr lang="en-US" altLang="zh-CN" sz="2800" i="1">
+                            <a:latin typeface="Cambria Math"/>
+                          </a:rPr>
+                          <m:t>𝑧</m:t>
+                        </m:r>
+                      </m:e>
+                      <m:sup>
+                        <m:r>
+                          <a:rPr lang="en-US" altLang="zh-CN" sz="2800" i="1">
+                            <a:latin typeface="Cambria Math"/>
+                          </a:rPr>
+                          <m:t>∗</m:t>
+                        </m:r>
+                      </m:sup>
+                    </m:sSup>
+                  </m:oMath>
+                </a14:m>
+                <a:r>
+                  <a:rPr lang="en-US" altLang="zh-TW" sz="2800" b="1" dirty="0" smtClean="0"/>
+                  <a:t>,</a:t>
+                </a:r>
+                <a:endParaRPr lang="en-US" altLang="zh-TW" sz="2800" b="1" dirty="0"/>
+              </a:p>
+              <a:p>
+                <a:pPr algn="ctr"/>
+                <a:r>
+                  <a:rPr lang="zh-TW" altLang="en-US" sz="2800" b="0" dirty="0" smtClean="0"/>
+                  <a:t>則 </a:t>
+                </a:r>
+                <a14:m>
+                  <m:oMath xmlns:m="http://schemas.openxmlformats.org/officeDocument/2006/math">
+                    <m:r>
+                      <m:rPr>
+                        <m:sty m:val="p"/>
+                      </m:rPr>
+                      <a:rPr lang="en-US" altLang="zh-CN" sz="2800" b="0" i="0" smtClean="0">
+                        <a:latin typeface="Cambria Math"/>
+                      </a:rPr>
+                      <m:t>p</m:t>
+                    </m:r>
+                    <m:d>
+                      <m:dPr>
+                        <m:ctrlPr>
+                          <a:rPr lang="en-US" altLang="zh-CN" sz="2800" b="0" i="1" smtClean="0">
+                            <a:latin typeface="Cambria Math"/>
+                          </a:rPr>
+                        </m:ctrlPr>
+                      </m:dPr>
+                      <m:e>
+                        <m:r>
+                          <a:rPr lang="en-US" altLang="zh-CN" sz="2800" b="0" i="1" smtClean="0">
+                            <a:latin typeface="Cambria Math"/>
+                          </a:rPr>
+                          <m:t>𝑥</m:t>
+                        </m:r>
+                      </m:e>
+                      <m:e>
+                        <m:sSup>
+                          <m:sSupPr>
+                            <m:ctrlPr>
+                              <a:rPr lang="en-US" altLang="zh-CN" sz="2800" b="0" i="1" smtClean="0">
+                                <a:latin typeface="Cambria Math"/>
+                              </a:rPr>
+                            </m:ctrlPr>
+                          </m:sSupPr>
+                          <m:e>
+                            <m:r>
+                              <a:rPr lang="en-US" altLang="zh-CN" sz="2800" b="0" i="1" smtClean="0">
+                                <a:latin typeface="Cambria Math"/>
+                              </a:rPr>
+                              <m:t>𝑧</m:t>
+                            </m:r>
+                          </m:e>
+                          <m:sup>
+                            <m:r>
+                              <a:rPr lang="en-US" altLang="zh-CN" sz="2800" b="0" i="1" smtClean="0">
+                                <a:latin typeface="Cambria Math"/>
+                              </a:rPr>
+                              <m:t>∗</m:t>
+                            </m:r>
+                          </m:sup>
+                        </m:sSup>
+                      </m:e>
+                    </m:d>
+                    <m:r>
+                      <a:rPr lang="en-US" altLang="zh-CN" sz="2800" b="0" i="1" smtClean="0">
+                        <a:latin typeface="Cambria Math"/>
+                        <a:ea typeface="Cambria Math"/>
+                      </a:rPr>
+                      <m:t>~</m:t>
+                    </m:r>
+                    <m:r>
+                      <a:rPr lang="en-US" altLang="zh-CN" sz="2800" b="0" i="1" smtClean="0">
+                        <a:latin typeface="Cambria Math"/>
+                        <a:ea typeface="Cambria Math"/>
+                      </a:rPr>
+                      <m:t>𝑁</m:t>
+                    </m:r>
+                    <m:d>
+                      <m:dPr>
+                        <m:ctrlPr>
+                          <a:rPr lang="en-US" altLang="zh-CN" sz="2800" b="0" i="1" smtClean="0">
+                            <a:latin typeface="Cambria Math"/>
+                            <a:ea typeface="Cambria Math"/>
+                          </a:rPr>
+                        </m:ctrlPr>
+                      </m:dPr>
+                      <m:e>
+                        <m:r>
+                          <a:rPr lang="en-US" altLang="zh-CN" sz="2800" b="0" i="1" smtClean="0">
+                            <a:latin typeface="Cambria Math"/>
+                            <a:ea typeface="Cambria Math"/>
+                          </a:rPr>
+                          <m:t>𝑥</m:t>
+                        </m:r>
+                      </m:e>
+                      <m:e>
+                        <m:r>
+                          <a:rPr lang="en-US" altLang="zh-CN" sz="2800" b="0" i="1" smtClean="0">
+                            <a:latin typeface="Cambria Math"/>
+                            <a:ea typeface="Cambria Math"/>
+                          </a:rPr>
+                          <m:t>𝑊</m:t>
+                        </m:r>
+                        <m:sSup>
+                          <m:sSupPr>
+                            <m:ctrlPr>
+                              <a:rPr lang="en-US" altLang="zh-CN" sz="2800" i="1">
+                                <a:latin typeface="Cambria Math"/>
+                              </a:rPr>
+                            </m:ctrlPr>
+                          </m:sSupPr>
+                          <m:e>
+                            <m:r>
+                              <a:rPr lang="en-US" altLang="zh-CN" sz="2800" i="1">
+                                <a:latin typeface="Cambria Math"/>
+                              </a:rPr>
+                              <m:t>𝑧</m:t>
+                            </m:r>
+                          </m:e>
+                          <m:sup>
+                            <m:r>
+                              <a:rPr lang="en-US" altLang="zh-CN" sz="2800" i="1">
+                                <a:latin typeface="Cambria Math"/>
+                              </a:rPr>
+                              <m:t>∗</m:t>
+                            </m:r>
+                          </m:sup>
+                        </m:sSup>
+                        <m:r>
+                          <a:rPr lang="en-US" altLang="zh-CN" sz="2800" b="0" i="1" smtClean="0">
+                            <a:latin typeface="Cambria Math"/>
+                            <a:ea typeface="Cambria Math"/>
+                          </a:rPr>
+                          <m:t>+</m:t>
+                        </m:r>
+                        <m:r>
+                          <a:rPr lang="zh-CN" altLang="en-US" sz="2800" b="0" i="1">
+                            <a:latin typeface="Cambria Math"/>
+                          </a:rPr>
+                          <m:t>𝜇</m:t>
+                        </m:r>
+                        <m:r>
+                          <a:rPr lang="en-US" altLang="zh-CN" sz="2800" b="0" i="1" smtClean="0">
+                            <a:latin typeface="Cambria Math"/>
+                          </a:rPr>
+                          <m:t>,</m:t>
+                        </m:r>
+                        <m:r>
+                          <a:rPr lang="el-GR" altLang="zh-CN" sz="2800" b="0" i="1">
+                            <a:latin typeface="Cambria Math"/>
+                            <a:ea typeface="Cambria Math"/>
+                          </a:rPr>
+                          <m:t>𝛴</m:t>
+                        </m:r>
+                      </m:e>
+                    </m:d>
+                  </m:oMath>
+                </a14:m>
+                <a:r>
+                  <a:rPr lang="en-US" altLang="zh-CN" sz="2800" dirty="0" smtClean="0"/>
+                  <a:t>, </a:t>
+                </a:r>
+                <a:r>
+                  <a:rPr lang="zh-TW" altLang="en-US" sz="2800" dirty="0" smtClean="0"/>
+                  <a:t>表示為 </a:t>
+                </a:r>
+                <a:r>
+                  <a:rPr lang="en-US" altLang="zh-TW" sz="2800" dirty="0" smtClean="0"/>
+                  <a:t>“</a:t>
+                </a:r>
+                <a:r>
+                  <a:rPr lang="zh-TW" altLang="en-US" sz="2800" b="1" dirty="0" smtClean="0">
+                    <a:solidFill>
+                      <a:schemeClr val="accent6"/>
+                    </a:solidFill>
+                  </a:rPr>
+                  <a:t>橘色 </a:t>
+                </a:r>
+                <a:r>
+                  <a:rPr lang="en-US" altLang="zh-TW" sz="2800" b="1" dirty="0" smtClean="0">
+                    <a:solidFill>
+                      <a:schemeClr val="accent6"/>
+                    </a:solidFill>
+                  </a:rPr>
+                  <a:t>GMM</a:t>
+                </a:r>
+                <a:r>
+                  <a:rPr lang="en-US" altLang="zh-TW" sz="2800" dirty="0" smtClean="0"/>
+                  <a:t>”</a:t>
+                </a:r>
+                <a:endParaRPr lang="en-US" altLang="zh-CN" sz="2800" dirty="0" smtClean="0"/>
+              </a:p>
+            </p:txBody>
+          </p:sp>
+        </mc:Choice>
+        <mc:Fallback xmlns="">
+          <p:sp>
+            <p:nvSpPr>
+              <p:cNvPr id="38" name="TextBox 37"/>
+              <p:cNvSpPr txBox="1">
+                <a:spLocks noRot="1" noChangeAspect="1" noMove="1" noResize="1" noEditPoints="1" noAdjustHandles="1" noChangeArrowheads="1" noChangeShapeType="1" noTextEdit="1"/>
+              </p:cNvSpPr>
+              <p:nvPr/>
+            </p:nvSpPr>
+            <p:spPr>
+              <a:xfrm>
+                <a:off x="170885" y="5517232"/>
+                <a:ext cx="8802601" cy="954107"/>
+              </a:xfrm>
+              <a:prstGeom prst="rect">
+                <a:avLst/>
+              </a:prstGeom>
+              <a:blipFill rotWithShape="1">
+                <a:blip r:embed="rId2"/>
+                <a:stretch>
+                  <a:fillRect t="-7006" b="-17197"/>
+                </a:stretch>
+              </a:blipFill>
+            </p:spPr>
+            <p:txBody>
+              <a:bodyPr/>
+              <a:lstStyle/>
+              <a:p>
+                <a:r>
+                  <a:rPr lang="zh-CN" altLang="en-US">
+                    <a:noFill/>
+                  </a:rPr>
+                  <a:t> </a:t>
+                </a:r>
+              </a:p>
+            </p:txBody>
+          </p:sp>
+        </mc:Fallback>
+      </mc:AlternateContent>
+      <p:grpSp>
+        <p:nvGrpSpPr>
+          <p:cNvPr id="16" name="组合 15"/>
+          <p:cNvGrpSpPr/>
+          <p:nvPr/>
+        </p:nvGrpSpPr>
+        <p:grpSpPr>
+          <a:xfrm>
+            <a:off x="1617098" y="2075748"/>
+            <a:ext cx="5054585" cy="2560813"/>
+            <a:chOff x="1617098" y="2075748"/>
+            <a:chExt cx="5054585" cy="2560813"/>
+          </a:xfrm>
+        </p:grpSpPr>
+        <p:grpSp>
+          <p:nvGrpSpPr>
+            <p:cNvPr id="3" name="组合 2"/>
+            <p:cNvGrpSpPr/>
+            <p:nvPr/>
+          </p:nvGrpSpPr>
+          <p:grpSpPr>
+            <a:xfrm>
+              <a:off x="3764220" y="2466147"/>
+              <a:ext cx="2196244" cy="648072"/>
+              <a:chOff x="3883797" y="1650187"/>
+              <a:chExt cx="2196244" cy="648072"/>
+            </a:xfrm>
+          </p:grpSpPr>
+          <p:sp>
+            <p:nvSpPr>
+              <p:cNvPr id="5" name="椭圆 4"/>
+              <p:cNvSpPr/>
+              <p:nvPr/>
+            </p:nvSpPr>
+            <p:spPr>
+              <a:xfrm>
+                <a:off x="3883797" y="1650187"/>
+                <a:ext cx="2196244" cy="648072"/>
+              </a:xfrm>
+              <a:prstGeom prst="ellipse">
+                <a:avLst/>
+              </a:prstGeom>
+              <a:noFill/>
+              <a:ln w="38100">
+                <a:solidFill>
+                  <a:srgbClr val="4F81BD">
+                    <a:alpha val="50196"/>
+                  </a:srgbClr>
+                </a:solidFill>
+              </a:ln>
+            </p:spPr>
+            <p:style>
+              <a:lnRef idx="2">
+                <a:schemeClr val="accent1">
+                  <a:shade val="50000"/>
+                </a:schemeClr>
+              </a:lnRef>
+              <a:fillRef idx="1">
+                <a:schemeClr val="accent1"/>
+              </a:fillRef>
+              <a:effectRef idx="0">
+                <a:schemeClr val="accent1"/>
+              </a:effectRef>
+              <a:fontRef idx="minor">
+                <a:schemeClr val="lt1"/>
+              </a:fontRef>
+            </p:style>
+            <p:txBody>
+              <a:bodyPr rtlCol="0" anchor="ctr"/>
+              <a:lstStyle/>
+              <a:p>
+                <a:pPr algn="ctr"/>
+                <a:endParaRPr lang="zh-CN" altLang="en-US"/>
+              </a:p>
+            </p:txBody>
+          </p:sp>
+          <p:sp>
+            <p:nvSpPr>
+              <p:cNvPr id="6" name="椭圆 5"/>
+              <p:cNvSpPr/>
+              <p:nvPr/>
+            </p:nvSpPr>
+            <p:spPr>
+              <a:xfrm>
+                <a:off x="4909911" y="1902215"/>
+                <a:ext cx="144016" cy="144016"/>
+              </a:xfrm>
+              <a:prstGeom prst="ellipse">
+                <a:avLst/>
+              </a:prstGeom>
+              <a:solidFill>
+                <a:srgbClr val="4F81BD">
+                  <a:alpha val="50196"/>
+                </a:srgbClr>
+              </a:solidFill>
+              <a:ln>
+                <a:solidFill>
+                  <a:srgbClr val="385D8A">
+                    <a:alpha val="50196"/>
+                  </a:srgbClr>
+                </a:solidFill>
+              </a:ln>
+            </p:spPr>
+            <p:style>
+              <a:lnRef idx="2">
+                <a:schemeClr val="accent1">
+                  <a:shade val="50000"/>
+                </a:schemeClr>
+              </a:lnRef>
+              <a:fillRef idx="1">
+                <a:schemeClr val="accent1"/>
+              </a:fillRef>
+              <a:effectRef idx="0">
+                <a:schemeClr val="accent1"/>
+              </a:effectRef>
+              <a:fontRef idx="minor">
+                <a:schemeClr val="lt1"/>
+              </a:fontRef>
+            </p:style>
+            <p:txBody>
+              <a:bodyPr rtlCol="0" anchor="ctr"/>
+              <a:lstStyle/>
+              <a:p>
+                <a:pPr algn="ctr"/>
+                <a:endParaRPr lang="zh-CN" altLang="en-US"/>
+              </a:p>
+            </p:txBody>
+          </p:sp>
+        </p:grpSp>
+        <p:grpSp>
+          <p:nvGrpSpPr>
+            <p:cNvPr id="2" name="组合 1"/>
+            <p:cNvGrpSpPr/>
+            <p:nvPr/>
+          </p:nvGrpSpPr>
+          <p:grpSpPr>
+            <a:xfrm>
+              <a:off x="2229355" y="3306406"/>
+              <a:ext cx="2763690" cy="636780"/>
+              <a:chOff x="2348932" y="2490446"/>
+              <a:chExt cx="2763690" cy="636780"/>
+            </a:xfrm>
+          </p:grpSpPr>
+          <p:sp>
+            <p:nvSpPr>
+              <p:cNvPr id="8" name="椭圆 7"/>
+              <p:cNvSpPr/>
+              <p:nvPr/>
+            </p:nvSpPr>
+            <p:spPr>
+              <a:xfrm rot="2509063">
+                <a:off x="2348932" y="2490446"/>
+                <a:ext cx="2763690" cy="636780"/>
+              </a:xfrm>
+              <a:prstGeom prst="ellipse">
+                <a:avLst/>
+              </a:prstGeom>
+              <a:noFill/>
+              <a:ln w="38100">
+                <a:solidFill>
+                  <a:srgbClr val="4F81BD">
+                    <a:alpha val="50196"/>
+                  </a:srgbClr>
+                </a:solidFill>
+              </a:ln>
+            </p:spPr>
+            <p:style>
+              <a:lnRef idx="2">
+                <a:schemeClr val="accent1">
+                  <a:shade val="50000"/>
+                </a:schemeClr>
+              </a:lnRef>
+              <a:fillRef idx="1">
+                <a:schemeClr val="accent1"/>
+              </a:fillRef>
+              <a:effectRef idx="0">
+                <a:schemeClr val="accent1"/>
+              </a:effectRef>
+              <a:fontRef idx="minor">
+                <a:schemeClr val="lt1"/>
+              </a:fontRef>
+            </p:style>
+            <p:txBody>
+              <a:bodyPr rtlCol="0" anchor="ctr"/>
+              <a:lstStyle/>
+              <a:p>
+                <a:pPr algn="ctr"/>
+                <a:endParaRPr lang="zh-CN" altLang="en-US"/>
+              </a:p>
+            </p:txBody>
+          </p:sp>
+          <p:sp>
+            <p:nvSpPr>
+              <p:cNvPr id="9" name="椭圆 8"/>
+              <p:cNvSpPr/>
+              <p:nvPr/>
+            </p:nvSpPr>
+            <p:spPr>
+              <a:xfrm>
+                <a:off x="3658769" y="2736828"/>
+                <a:ext cx="144016" cy="144016"/>
+              </a:xfrm>
+              <a:prstGeom prst="ellipse">
+                <a:avLst/>
+              </a:prstGeom>
+              <a:solidFill>
+                <a:srgbClr val="4F81BD">
+                  <a:alpha val="50196"/>
+                </a:srgbClr>
+              </a:solidFill>
+              <a:ln>
+                <a:solidFill>
+                  <a:srgbClr val="385D8A">
+                    <a:alpha val="50196"/>
+                  </a:srgbClr>
+                </a:solidFill>
+              </a:ln>
+            </p:spPr>
+            <p:style>
+              <a:lnRef idx="2">
+                <a:schemeClr val="accent1">
+                  <a:shade val="50000"/>
+                </a:schemeClr>
+              </a:lnRef>
+              <a:fillRef idx="1">
+                <a:schemeClr val="accent1"/>
+              </a:fillRef>
+              <a:effectRef idx="0">
+                <a:schemeClr val="accent1"/>
+              </a:effectRef>
+              <a:fontRef idx="minor">
+                <a:schemeClr val="lt1"/>
+              </a:fontRef>
+            </p:style>
+            <p:txBody>
+              <a:bodyPr rtlCol="0" anchor="ctr"/>
+              <a:lstStyle/>
+              <a:p>
+                <a:pPr algn="ctr"/>
+                <a:endParaRPr lang="zh-CN" altLang="en-US"/>
+              </a:p>
+            </p:txBody>
+          </p:sp>
+        </p:grpSp>
+        <p:grpSp>
+          <p:nvGrpSpPr>
+            <p:cNvPr id="7" name="组合 6"/>
+            <p:cNvGrpSpPr/>
+            <p:nvPr/>
+          </p:nvGrpSpPr>
+          <p:grpSpPr>
+            <a:xfrm>
+              <a:off x="4844422" y="3392032"/>
+              <a:ext cx="1362580" cy="961770"/>
+              <a:chOff x="4963999" y="2576072"/>
+              <a:chExt cx="1362580" cy="961770"/>
+            </a:xfrm>
+          </p:grpSpPr>
+          <p:sp>
+            <p:nvSpPr>
+              <p:cNvPr id="11" name="椭圆 10"/>
+              <p:cNvSpPr/>
+              <p:nvPr/>
+            </p:nvSpPr>
+            <p:spPr>
+              <a:xfrm rot="18015750">
+                <a:off x="5164404" y="2375667"/>
+                <a:ext cx="961770" cy="1362580"/>
+              </a:xfrm>
+              <a:prstGeom prst="ellipse">
+                <a:avLst/>
+              </a:prstGeom>
+              <a:noFill/>
+              <a:ln w="38100">
+                <a:solidFill>
+                  <a:srgbClr val="4F81BD">
+                    <a:alpha val="50196"/>
+                  </a:srgbClr>
+                </a:solidFill>
+              </a:ln>
+            </p:spPr>
+            <p:style>
+              <a:lnRef idx="2">
+                <a:schemeClr val="accent1">
+                  <a:shade val="50000"/>
+                </a:schemeClr>
+              </a:lnRef>
+              <a:fillRef idx="1">
+                <a:schemeClr val="accent1"/>
+              </a:fillRef>
+              <a:effectRef idx="0">
+                <a:schemeClr val="accent1"/>
+              </a:effectRef>
+              <a:fontRef idx="minor">
+                <a:schemeClr val="lt1"/>
+              </a:fontRef>
+            </p:style>
+            <p:txBody>
+              <a:bodyPr rtlCol="0" anchor="ctr"/>
+              <a:lstStyle/>
+              <a:p>
+                <a:pPr algn="ctr"/>
+                <a:endParaRPr lang="zh-CN" altLang="en-US"/>
+              </a:p>
+            </p:txBody>
+          </p:sp>
+          <p:sp>
+            <p:nvSpPr>
+              <p:cNvPr id="12" name="椭圆 11"/>
+              <p:cNvSpPr/>
+              <p:nvPr/>
+            </p:nvSpPr>
+            <p:spPr>
+              <a:xfrm>
+                <a:off x="5573281" y="2984949"/>
+                <a:ext cx="144016" cy="144016"/>
+              </a:xfrm>
+              <a:prstGeom prst="ellipse">
+                <a:avLst/>
+              </a:prstGeom>
+              <a:solidFill>
+                <a:srgbClr val="4F81BD">
+                  <a:alpha val="50196"/>
+                </a:srgbClr>
+              </a:solidFill>
+              <a:ln>
+                <a:solidFill>
+                  <a:srgbClr val="385D8A">
+                    <a:alpha val="50196"/>
+                  </a:srgbClr>
+                </a:solidFill>
+              </a:ln>
+            </p:spPr>
+            <p:style>
+              <a:lnRef idx="2">
+                <a:schemeClr val="accent1">
+                  <a:shade val="50000"/>
+                </a:schemeClr>
+              </a:lnRef>
+              <a:fillRef idx="1">
+                <a:schemeClr val="accent1"/>
+              </a:fillRef>
+              <a:effectRef idx="0">
+                <a:schemeClr val="accent1"/>
+              </a:effectRef>
+              <a:fontRef idx="minor">
+                <a:schemeClr val="lt1"/>
+              </a:fontRef>
+            </p:style>
+            <p:txBody>
+              <a:bodyPr rtlCol="0" anchor="ctr"/>
+              <a:lstStyle/>
+              <a:p>
+                <a:pPr algn="ctr"/>
+                <a:endParaRPr lang="zh-CN" altLang="en-US"/>
+              </a:p>
+            </p:txBody>
+          </p:sp>
+        </p:grpSp>
+        <p:grpSp>
+          <p:nvGrpSpPr>
+            <p:cNvPr id="29" name="组合 28"/>
+            <p:cNvGrpSpPr/>
+            <p:nvPr/>
+          </p:nvGrpSpPr>
+          <p:grpSpPr>
+            <a:xfrm>
+              <a:off x="1617098" y="2916008"/>
+              <a:ext cx="2763690" cy="636780"/>
+              <a:chOff x="2348932" y="2490446"/>
+              <a:chExt cx="2763690" cy="636780"/>
+            </a:xfrm>
+          </p:grpSpPr>
+          <p:sp>
+            <p:nvSpPr>
+              <p:cNvPr id="30" name="椭圆 29"/>
+              <p:cNvSpPr/>
+              <p:nvPr/>
+            </p:nvSpPr>
+            <p:spPr>
+              <a:xfrm rot="2509063">
+                <a:off x="2348932" y="2490446"/>
+                <a:ext cx="2763690" cy="636780"/>
+              </a:xfrm>
+              <a:prstGeom prst="ellipse">
+                <a:avLst/>
+              </a:prstGeom>
+              <a:noFill/>
+              <a:ln w="38100">
+                <a:solidFill>
+                  <a:schemeClr val="accent6"/>
+                </a:solidFill>
+              </a:ln>
+            </p:spPr>
+            <p:style>
+              <a:lnRef idx="2">
+                <a:schemeClr val="accent1">
+                  <a:shade val="50000"/>
+                </a:schemeClr>
+              </a:lnRef>
+              <a:fillRef idx="1">
+                <a:schemeClr val="accent1"/>
+              </a:fillRef>
+              <a:effectRef idx="0">
+                <a:schemeClr val="accent1"/>
+              </a:effectRef>
+              <a:fontRef idx="minor">
+                <a:schemeClr val="lt1"/>
+              </a:fontRef>
+            </p:style>
+            <p:txBody>
+              <a:bodyPr rtlCol="0" anchor="ctr"/>
+              <a:lstStyle/>
+              <a:p>
+                <a:pPr algn="ctr"/>
+                <a:endParaRPr lang="zh-CN" altLang="en-US"/>
+              </a:p>
+            </p:txBody>
+          </p:sp>
+          <p:sp>
+            <p:nvSpPr>
+              <p:cNvPr id="31" name="椭圆 30"/>
+              <p:cNvSpPr/>
+              <p:nvPr/>
+            </p:nvSpPr>
+            <p:spPr>
+              <a:xfrm>
+                <a:off x="3658769" y="2736828"/>
+                <a:ext cx="144016" cy="144016"/>
+              </a:xfrm>
+              <a:prstGeom prst="ellipse">
+                <a:avLst/>
+              </a:prstGeom>
+              <a:solidFill>
+                <a:schemeClr val="accent6"/>
+              </a:solidFill>
+              <a:ln>
+                <a:solidFill>
+                  <a:schemeClr val="accent6"/>
+                </a:solidFill>
+              </a:ln>
+            </p:spPr>
+            <p:style>
+              <a:lnRef idx="2">
+                <a:schemeClr val="accent1">
+                  <a:shade val="50000"/>
+                </a:schemeClr>
+              </a:lnRef>
+              <a:fillRef idx="1">
+                <a:schemeClr val="accent1"/>
+              </a:fillRef>
+              <a:effectRef idx="0">
+                <a:schemeClr val="accent1"/>
+              </a:effectRef>
+              <a:fontRef idx="minor">
+                <a:schemeClr val="lt1"/>
+              </a:fontRef>
+            </p:style>
+            <p:txBody>
+              <a:bodyPr rtlCol="0" anchor="ctr"/>
+              <a:lstStyle/>
+              <a:p>
+                <a:pPr algn="ctr"/>
+                <a:endParaRPr lang="zh-CN" altLang="en-US"/>
+              </a:p>
+            </p:txBody>
+          </p:sp>
+        </p:grpSp>
+        <p:grpSp>
+          <p:nvGrpSpPr>
+            <p:cNvPr id="32" name="组合 31"/>
+            <p:cNvGrpSpPr/>
+            <p:nvPr/>
+          </p:nvGrpSpPr>
+          <p:grpSpPr>
+            <a:xfrm>
+              <a:off x="4475439" y="2075748"/>
+              <a:ext cx="2196244" cy="648072"/>
+              <a:chOff x="3883797" y="1650187"/>
+              <a:chExt cx="2196244" cy="648072"/>
+            </a:xfrm>
+          </p:grpSpPr>
+          <p:sp>
+            <p:nvSpPr>
+              <p:cNvPr id="33" name="椭圆 32"/>
+              <p:cNvSpPr/>
+              <p:nvPr/>
+            </p:nvSpPr>
+            <p:spPr>
+              <a:xfrm>
+                <a:off x="3883797" y="1650187"/>
+                <a:ext cx="2196244" cy="648072"/>
+              </a:xfrm>
+              <a:prstGeom prst="ellipse">
+                <a:avLst/>
+              </a:prstGeom>
+              <a:noFill/>
+              <a:ln w="38100">
+                <a:solidFill>
+                  <a:schemeClr val="accent6"/>
+                </a:solidFill>
+              </a:ln>
+            </p:spPr>
+            <p:style>
+              <a:lnRef idx="2">
+                <a:schemeClr val="accent1">
+                  <a:shade val="50000"/>
+                </a:schemeClr>
+              </a:lnRef>
+              <a:fillRef idx="1">
+                <a:schemeClr val="accent1"/>
+              </a:fillRef>
+              <a:effectRef idx="0">
+                <a:schemeClr val="accent1"/>
+              </a:effectRef>
+              <a:fontRef idx="minor">
+                <a:schemeClr val="lt1"/>
+              </a:fontRef>
+            </p:style>
+            <p:txBody>
+              <a:bodyPr rtlCol="0" anchor="ctr"/>
+              <a:lstStyle/>
+              <a:p>
+                <a:pPr algn="ctr"/>
+                <a:endParaRPr lang="zh-CN" altLang="en-US"/>
+              </a:p>
+            </p:txBody>
+          </p:sp>
+          <p:sp>
+            <p:nvSpPr>
+              <p:cNvPr id="34" name="椭圆 33"/>
+              <p:cNvSpPr/>
+              <p:nvPr/>
+            </p:nvSpPr>
+            <p:spPr>
+              <a:xfrm>
+                <a:off x="4909911" y="1902215"/>
+                <a:ext cx="144016" cy="144016"/>
+              </a:xfrm>
+              <a:prstGeom prst="ellipse">
+                <a:avLst/>
+              </a:prstGeom>
+              <a:solidFill>
+                <a:schemeClr val="accent6"/>
+              </a:solidFill>
+              <a:ln>
+                <a:solidFill>
+                  <a:schemeClr val="accent6"/>
+                </a:solidFill>
+              </a:ln>
+            </p:spPr>
+            <p:style>
+              <a:lnRef idx="2">
+                <a:schemeClr val="accent1">
+                  <a:shade val="50000"/>
+                </a:schemeClr>
+              </a:lnRef>
+              <a:fillRef idx="1">
+                <a:schemeClr val="accent1"/>
+              </a:fillRef>
+              <a:effectRef idx="0">
+                <a:schemeClr val="accent1"/>
+              </a:effectRef>
+              <a:fontRef idx="minor">
+                <a:schemeClr val="lt1"/>
+              </a:fontRef>
+            </p:style>
+            <p:txBody>
+              <a:bodyPr rtlCol="0" anchor="ctr"/>
+              <a:lstStyle/>
+              <a:p>
+                <a:pPr algn="ctr"/>
+                <a:endParaRPr lang="zh-CN" altLang="en-US"/>
+              </a:p>
+            </p:txBody>
+          </p:sp>
+        </p:grpSp>
+        <p:grpSp>
+          <p:nvGrpSpPr>
+            <p:cNvPr id="35" name="组合 34"/>
+            <p:cNvGrpSpPr/>
+            <p:nvPr/>
+          </p:nvGrpSpPr>
+          <p:grpSpPr>
+            <a:xfrm>
+              <a:off x="4892271" y="3674791"/>
+              <a:ext cx="1362580" cy="961770"/>
+              <a:chOff x="4963999" y="2576072"/>
+              <a:chExt cx="1362580" cy="961770"/>
+            </a:xfrm>
+          </p:grpSpPr>
+          <p:sp>
+            <p:nvSpPr>
+              <p:cNvPr id="39" name="椭圆 38"/>
+              <p:cNvSpPr/>
+              <p:nvPr/>
+            </p:nvSpPr>
+            <p:spPr>
+              <a:xfrm rot="18015750">
+                <a:off x="5164404" y="2375667"/>
+                <a:ext cx="961770" cy="1362580"/>
+              </a:xfrm>
+              <a:prstGeom prst="ellipse">
+                <a:avLst/>
+              </a:prstGeom>
+              <a:noFill/>
+              <a:ln w="38100">
+                <a:solidFill>
+                  <a:schemeClr val="accent6"/>
+                </a:solidFill>
+              </a:ln>
+            </p:spPr>
+            <p:style>
+              <a:lnRef idx="2">
+                <a:schemeClr val="accent1">
+                  <a:shade val="50000"/>
+                </a:schemeClr>
+              </a:lnRef>
+              <a:fillRef idx="1">
+                <a:schemeClr val="accent1"/>
+              </a:fillRef>
+              <a:effectRef idx="0">
+                <a:schemeClr val="accent1"/>
+              </a:effectRef>
+              <a:fontRef idx="minor">
+                <a:schemeClr val="lt1"/>
+              </a:fontRef>
+            </p:style>
+            <p:txBody>
+              <a:bodyPr rtlCol="0" anchor="ctr"/>
+              <a:lstStyle/>
+              <a:p>
+                <a:pPr algn="ctr"/>
+                <a:endParaRPr lang="zh-CN" altLang="en-US"/>
+              </a:p>
+            </p:txBody>
+          </p:sp>
+          <p:sp>
+            <p:nvSpPr>
+              <p:cNvPr id="40" name="椭圆 39"/>
+              <p:cNvSpPr/>
+              <p:nvPr/>
+            </p:nvSpPr>
+            <p:spPr>
+              <a:xfrm>
+                <a:off x="5573281" y="2984949"/>
+                <a:ext cx="144016" cy="144016"/>
+              </a:xfrm>
+              <a:prstGeom prst="ellipse">
+                <a:avLst/>
+              </a:prstGeom>
+              <a:solidFill>
+                <a:schemeClr val="accent6"/>
+              </a:solidFill>
+              <a:ln>
+                <a:solidFill>
+                  <a:schemeClr val="accent6"/>
+                </a:solidFill>
+              </a:ln>
+            </p:spPr>
+            <p:style>
+              <a:lnRef idx="2">
+                <a:schemeClr val="accent1">
+                  <a:shade val="50000"/>
+                </a:schemeClr>
+              </a:lnRef>
+              <a:fillRef idx="1">
+                <a:schemeClr val="accent1"/>
+              </a:fillRef>
+              <a:effectRef idx="0">
+                <a:schemeClr val="accent1"/>
+              </a:effectRef>
+              <a:fontRef idx="minor">
+                <a:schemeClr val="lt1"/>
+              </a:fontRef>
+            </p:style>
+            <p:txBody>
+              <a:bodyPr rtlCol="0" anchor="ctr"/>
+              <a:lstStyle/>
+              <a:p>
+                <a:pPr algn="ctr"/>
+                <a:endParaRPr lang="zh-CN" altLang="en-US"/>
+              </a:p>
+            </p:txBody>
+          </p:sp>
+        </p:grpSp>
+      </p:grpSp>
+      <p:grpSp>
+        <p:nvGrpSpPr>
+          <p:cNvPr id="15" name="组合 14"/>
+          <p:cNvGrpSpPr/>
+          <p:nvPr/>
+        </p:nvGrpSpPr>
+        <p:grpSpPr>
+          <a:xfrm>
+            <a:off x="1702568" y="445161"/>
+            <a:ext cx="5595593" cy="1214006"/>
+            <a:chOff x="1784718" y="563327"/>
+            <a:chExt cx="5595593" cy="1214006"/>
+          </a:xfrm>
+        </p:grpSpPr>
+        <p:cxnSp>
+          <p:nvCxnSpPr>
+            <p:cNvPr id="13" name="直接连接符 12"/>
+            <p:cNvCxnSpPr/>
+            <p:nvPr/>
+          </p:nvCxnSpPr>
+          <p:spPr>
+            <a:xfrm>
+              <a:off x="2051720" y="1170330"/>
+              <a:ext cx="720080" cy="0"/>
+            </a:xfrm>
+            <a:prstGeom prst="line">
+              <a:avLst/>
+            </a:prstGeom>
+            <a:ln w="28575"/>
+          </p:spPr>
+          <p:style>
+            <a:lnRef idx="1">
+              <a:schemeClr val="accent1"/>
+            </a:lnRef>
+            <a:fillRef idx="0">
+              <a:schemeClr val="accent1"/>
+            </a:fillRef>
+            <a:effectRef idx="0">
+              <a:schemeClr val="accent1"/>
+            </a:effectRef>
+            <a:fontRef idx="minor">
+              <a:schemeClr val="tx1"/>
+            </a:fontRef>
+          </p:style>
+        </p:cxnSp>
+        <p:sp>
+          <p:nvSpPr>
+            <p:cNvPr id="44" name="TextBox 43"/>
+            <p:cNvSpPr txBox="1"/>
+            <p:nvPr/>
+          </p:nvSpPr>
+          <p:spPr>
+            <a:xfrm>
+              <a:off x="2789695" y="908720"/>
+              <a:ext cx="1219636" cy="523220"/>
+            </a:xfrm>
+            <a:prstGeom prst="rect">
+              <a:avLst/>
+            </a:prstGeom>
+            <a:noFill/>
+          </p:spPr>
+          <p:txBody>
+            <a:bodyPr wrap="square" rtlCol="0">
+              <a:spAutoFit/>
+            </a:bodyPr>
+            <a:lstStyle/>
+            <a:p>
+              <a:pPr algn="ctr"/>
+              <a:r>
+                <a:rPr lang="en-US" altLang="zh-CN" sz="2800" dirty="0" smtClean="0">
+                  <a:solidFill>
+                    <a:schemeClr val="tx2">
+                      <a:lumMod val="40000"/>
+                      <a:lumOff val="60000"/>
+                    </a:schemeClr>
+                  </a:solidFill>
+                </a:rPr>
+                <a:t>UBM</a:t>
+              </a:r>
+              <a:endParaRPr lang="zh-CN" altLang="en-US" sz="2800" dirty="0">
+                <a:solidFill>
+                  <a:schemeClr val="tx2">
+                    <a:lumMod val="40000"/>
+                    <a:lumOff val="60000"/>
+                  </a:schemeClr>
+                </a:solidFill>
+              </a:endParaRPr>
+            </a:p>
+          </p:txBody>
+        </p:sp>
+        <p:cxnSp>
+          <p:nvCxnSpPr>
+            <p:cNvPr id="51" name="直接连接符 50"/>
+            <p:cNvCxnSpPr/>
+            <p:nvPr/>
+          </p:nvCxnSpPr>
+          <p:spPr>
+            <a:xfrm>
+              <a:off x="4751390" y="1170330"/>
+              <a:ext cx="720080" cy="0"/>
+            </a:xfrm>
+            <a:prstGeom prst="line">
+              <a:avLst/>
+            </a:prstGeom>
+            <a:ln w="28575">
+              <a:solidFill>
+                <a:schemeClr val="accent6"/>
+              </a:solidFill>
+            </a:ln>
+          </p:spPr>
+          <p:style>
+            <a:lnRef idx="1">
+              <a:schemeClr val="accent1"/>
+            </a:lnRef>
+            <a:fillRef idx="0">
+              <a:schemeClr val="accent1"/>
+            </a:fillRef>
+            <a:effectRef idx="0">
+              <a:schemeClr val="accent1"/>
+            </a:effectRef>
+            <a:fontRef idx="minor">
+              <a:schemeClr val="tx1"/>
+            </a:fontRef>
+          </p:style>
+        </p:cxnSp>
+        <p:sp>
+          <p:nvSpPr>
+            <p:cNvPr id="52" name="TextBox 51"/>
+            <p:cNvSpPr txBox="1"/>
+            <p:nvPr/>
+          </p:nvSpPr>
+          <p:spPr>
+            <a:xfrm>
+              <a:off x="5831857" y="693276"/>
+              <a:ext cx="1384154" cy="954107"/>
+            </a:xfrm>
+            <a:prstGeom prst="rect">
+              <a:avLst/>
+            </a:prstGeom>
+            <a:noFill/>
+          </p:spPr>
+          <p:txBody>
+            <a:bodyPr wrap="square" rtlCol="0">
+              <a:spAutoFit/>
+            </a:bodyPr>
+            <a:lstStyle/>
+            <a:p>
+              <a:pPr algn="ctr"/>
+              <a:r>
+                <a:rPr lang="en-US" altLang="zh-CN" sz="2800" dirty="0" smtClean="0">
+                  <a:solidFill>
+                    <a:schemeClr val="accent6"/>
+                  </a:solidFill>
+                </a:rPr>
+                <a:t>Speaker Model</a:t>
+              </a:r>
+              <a:endParaRPr lang="zh-CN" altLang="en-US" sz="2800" dirty="0">
+                <a:solidFill>
+                  <a:schemeClr val="accent6"/>
+                </a:solidFill>
+              </a:endParaRPr>
+            </a:p>
+          </p:txBody>
+        </p:sp>
+        <p:sp>
+          <p:nvSpPr>
+            <p:cNvPr id="53" name="矩形 52"/>
+            <p:cNvSpPr/>
+            <p:nvPr/>
+          </p:nvSpPr>
+          <p:spPr>
+            <a:xfrm>
+              <a:off x="1784718" y="563327"/>
+              <a:ext cx="5595593" cy="1214006"/>
+            </a:xfrm>
+            <a:prstGeom prst="rect">
+              <a:avLst/>
+            </a:prstGeom>
+            <a:noFill/>
+            <a:ln>
+              <a:solidFill>
+                <a:schemeClr val="tx1">
+                  <a:lumMod val="50000"/>
+                  <a:lumOff val="50000"/>
+                </a:schemeClr>
+              </a:solidFill>
+              <a:prstDash val="dash"/>
+            </a:ln>
+          </p:spPr>
+          <p:style>
+            <a:lnRef idx="2">
+              <a:schemeClr val="accent1">
+                <a:shade val="50000"/>
+              </a:schemeClr>
+            </a:lnRef>
+            <a:fillRef idx="1">
+              <a:schemeClr val="accent1"/>
+            </a:fillRef>
+            <a:effectRef idx="0">
+              <a:schemeClr val="accent1"/>
+            </a:effectRef>
+            <a:fontRef idx="minor">
+              <a:schemeClr val="lt1"/>
+            </a:fontRef>
+          </p:style>
+          <p:txBody>
+            <a:bodyPr rtlCol="0" anchor="ctr"/>
+            <a:lstStyle/>
+            <a:p>
+              <a:pPr algn="ctr"/>
+              <a:endParaRPr lang="zh-CN" altLang="en-US"/>
+            </a:p>
+          </p:txBody>
+        </p:sp>
+      </p:grpSp>
+    </p:spTree>
+    <p:extLst>
+      <p:ext uri="{BB962C8B-B14F-4D97-AF65-F5344CB8AC3E}">
+        <p14:creationId xmlns:p14="http://schemas.microsoft.com/office/powerpoint/2010/main" val="1690301892"/>
       </p:ext>
     </p:extLst>
   </p:cSld>
